--- a/presentation/Take-Home Assignment.pptx
+++ b/presentation/Take-Home Assignment.pptx
@@ -4,9 +4,18 @@
   <p:sldMasterIdLst>
     <p:sldMasterId id="2147483648" r:id="rId1"/>
   </p:sldMasterIdLst>
+  <p:notesMasterIdLst>
+    <p:notesMasterId r:id="rId10"/>
+  </p:notesMasterIdLst>
   <p:sldIdLst>
     <p:sldId id="256" r:id="rId2"/>
-    <p:sldId id="257" r:id="rId3"/>
+    <p:sldId id="258" r:id="rId3"/>
+    <p:sldId id="259" r:id="rId4"/>
+    <p:sldId id="260" r:id="rId5"/>
+    <p:sldId id="257" r:id="rId6"/>
+    <p:sldId id="261" r:id="rId7"/>
+    <p:sldId id="262" r:id="rId8"/>
+    <p:sldId id="263" r:id="rId9"/>
   </p:sldIdLst>
   <p:sldSz cx="12192000" cy="6858000"/>
   <p:notesSz cx="6858000" cy="9144000"/>
@@ -105,7 +114,446 @@
       </a:defRPr>
     </a:lvl9pPr>
   </p:defaultTextStyle>
+  <p:extLst>
+    <p:ext uri="{EFAFB233-063F-42B5-8137-9DF3F51BA10A}">
+      <p15:sldGuideLst xmlns:p15="http://schemas.microsoft.com/office/powerpoint/2012/main"/>
+    </p:ext>
+  </p:extLst>
 </p:presentation>
+</file>
+
+<file path=ppt/notesMasters/notesMaster1.xml><?xml version="1.0" encoding="utf-8"?>
+<p:notesMaster xmlns:a="http://schemas.openxmlformats.org/drawingml/2006/main" xmlns:r="http://schemas.openxmlformats.org/officeDocument/2006/relationships" xmlns:p="http://schemas.openxmlformats.org/presentationml/2006/main">
+  <p:cSld>
+    <p:bg>
+      <p:bgRef idx="1001">
+        <a:schemeClr val="bg1"/>
+      </p:bgRef>
+    </p:bg>
+    <p:spTree>
+      <p:nvGrpSpPr>
+        <p:cNvPr id="1" name=""/>
+        <p:cNvGrpSpPr/>
+        <p:nvPr/>
+      </p:nvGrpSpPr>
+      <p:grpSpPr>
+        <a:xfrm>
+          <a:off x="0" y="0"/>
+          <a:ext cx="0" cy="0"/>
+          <a:chOff x="0" y="0"/>
+          <a:chExt cx="0" cy="0"/>
+        </a:xfrm>
+      </p:grpSpPr>
+      <p:sp>
+        <p:nvSpPr>
+          <p:cNvPr id="2" name="Header Placeholder 1"/>
+          <p:cNvSpPr>
+            <a:spLocks noGrp="1"/>
+          </p:cNvSpPr>
+          <p:nvPr>
+            <p:ph type="hdr" sz="quarter"/>
+          </p:nvPr>
+        </p:nvSpPr>
+        <p:spPr>
+          <a:xfrm>
+            <a:off x="0" y="0"/>
+            <a:ext cx="2971800" cy="458788"/>
+          </a:xfrm>
+          <a:prstGeom prst="rect">
+            <a:avLst/>
+          </a:prstGeom>
+        </p:spPr>
+        <p:txBody>
+          <a:bodyPr vert="horz" lIns="91440" tIns="45720" rIns="91440" bIns="45720" rtlCol="0"/>
+          <a:lstStyle>
+            <a:lvl1pPr algn="l">
+              <a:defRPr sz="1200"/>
+            </a:lvl1pPr>
+          </a:lstStyle>
+          <a:p>
+            <a:endParaRPr lang="en-CA"/>
+          </a:p>
+        </p:txBody>
+      </p:sp>
+      <p:sp>
+        <p:nvSpPr>
+          <p:cNvPr id="3" name="Date Placeholder 2"/>
+          <p:cNvSpPr>
+            <a:spLocks noGrp="1"/>
+          </p:cNvSpPr>
+          <p:nvPr>
+            <p:ph type="dt" idx="1"/>
+          </p:nvPr>
+        </p:nvSpPr>
+        <p:spPr>
+          <a:xfrm>
+            <a:off x="3884613" y="0"/>
+            <a:ext cx="2971800" cy="458788"/>
+          </a:xfrm>
+          <a:prstGeom prst="rect">
+            <a:avLst/>
+          </a:prstGeom>
+        </p:spPr>
+        <p:txBody>
+          <a:bodyPr vert="horz" lIns="91440" tIns="45720" rIns="91440" bIns="45720" rtlCol="0"/>
+          <a:lstStyle>
+            <a:lvl1pPr algn="r">
+              <a:defRPr sz="1200"/>
+            </a:lvl1pPr>
+          </a:lstStyle>
+          <a:p>
+            <a:fld id="{928BAFFE-61F5-4143-99C7-7085B1B1AD66}" type="datetimeFigureOut">
+              <a:rPr lang="en-CA" smtClean="0"/>
+              <a:t>2025-01-02</a:t>
+            </a:fld>
+            <a:endParaRPr lang="en-CA"/>
+          </a:p>
+        </p:txBody>
+      </p:sp>
+      <p:sp>
+        <p:nvSpPr>
+          <p:cNvPr id="4" name="Slide Image Placeholder 3"/>
+          <p:cNvSpPr>
+            <a:spLocks noGrp="1" noRot="1" noChangeAspect="1"/>
+          </p:cNvSpPr>
+          <p:nvPr>
+            <p:ph type="sldImg" idx="2"/>
+          </p:nvPr>
+        </p:nvSpPr>
+        <p:spPr>
+          <a:xfrm>
+            <a:off x="685800" y="1143000"/>
+            <a:ext cx="5486400" cy="3086100"/>
+          </a:xfrm>
+          <a:prstGeom prst="rect">
+            <a:avLst/>
+          </a:prstGeom>
+          <a:noFill/>
+          <a:ln w="12700">
+            <a:solidFill>
+              <a:prstClr val="black"/>
+            </a:solidFill>
+          </a:ln>
+        </p:spPr>
+        <p:txBody>
+          <a:bodyPr vert="horz" lIns="91440" tIns="45720" rIns="91440" bIns="45720" rtlCol="0" anchor="ctr"/>
+          <a:lstStyle/>
+          <a:p>
+            <a:endParaRPr lang="en-CA"/>
+          </a:p>
+        </p:txBody>
+      </p:sp>
+      <p:sp>
+        <p:nvSpPr>
+          <p:cNvPr id="5" name="Notes Placeholder 4"/>
+          <p:cNvSpPr>
+            <a:spLocks noGrp="1"/>
+          </p:cNvSpPr>
+          <p:nvPr>
+            <p:ph type="body" sz="quarter" idx="3"/>
+          </p:nvPr>
+        </p:nvSpPr>
+        <p:spPr>
+          <a:xfrm>
+            <a:off x="685800" y="4400550"/>
+            <a:ext cx="5486400" cy="3600450"/>
+          </a:xfrm>
+          <a:prstGeom prst="rect">
+            <a:avLst/>
+          </a:prstGeom>
+        </p:spPr>
+        <p:txBody>
+          <a:bodyPr vert="horz" lIns="91440" tIns="45720" rIns="91440" bIns="45720" rtlCol="0"/>
+          <a:lstStyle/>
+          <a:p>
+            <a:pPr lvl="0"/>
+            <a:r>
+              <a:rPr lang="en-US"/>
+              <a:t>Click to edit Master text styles</a:t>
+            </a:r>
+          </a:p>
+          <a:p>
+            <a:pPr lvl="1"/>
+            <a:r>
+              <a:rPr lang="en-US"/>
+              <a:t>Second level</a:t>
+            </a:r>
+          </a:p>
+          <a:p>
+            <a:pPr lvl="2"/>
+            <a:r>
+              <a:rPr lang="en-US"/>
+              <a:t>Third level</a:t>
+            </a:r>
+          </a:p>
+          <a:p>
+            <a:pPr lvl="3"/>
+            <a:r>
+              <a:rPr lang="en-US"/>
+              <a:t>Fourth level</a:t>
+            </a:r>
+          </a:p>
+          <a:p>
+            <a:pPr lvl="4"/>
+            <a:r>
+              <a:rPr lang="en-US"/>
+              <a:t>Fifth level</a:t>
+            </a:r>
+            <a:endParaRPr lang="en-CA"/>
+          </a:p>
+        </p:txBody>
+      </p:sp>
+      <p:sp>
+        <p:nvSpPr>
+          <p:cNvPr id="6" name="Footer Placeholder 5"/>
+          <p:cNvSpPr>
+            <a:spLocks noGrp="1"/>
+          </p:cNvSpPr>
+          <p:nvPr>
+            <p:ph type="ftr" sz="quarter" idx="4"/>
+          </p:nvPr>
+        </p:nvSpPr>
+        <p:spPr>
+          <a:xfrm>
+            <a:off x="0" y="8685213"/>
+            <a:ext cx="2971800" cy="458787"/>
+          </a:xfrm>
+          <a:prstGeom prst="rect">
+            <a:avLst/>
+          </a:prstGeom>
+        </p:spPr>
+        <p:txBody>
+          <a:bodyPr vert="horz" lIns="91440" tIns="45720" rIns="91440" bIns="45720" rtlCol="0" anchor="b"/>
+          <a:lstStyle>
+            <a:lvl1pPr algn="l">
+              <a:defRPr sz="1200"/>
+            </a:lvl1pPr>
+          </a:lstStyle>
+          <a:p>
+            <a:endParaRPr lang="en-CA"/>
+          </a:p>
+        </p:txBody>
+      </p:sp>
+      <p:sp>
+        <p:nvSpPr>
+          <p:cNvPr id="7" name="Slide Number Placeholder 6"/>
+          <p:cNvSpPr>
+            <a:spLocks noGrp="1"/>
+          </p:cNvSpPr>
+          <p:nvPr>
+            <p:ph type="sldNum" sz="quarter" idx="5"/>
+          </p:nvPr>
+        </p:nvSpPr>
+        <p:spPr>
+          <a:xfrm>
+            <a:off x="3884613" y="8685213"/>
+            <a:ext cx="2971800" cy="458787"/>
+          </a:xfrm>
+          <a:prstGeom prst="rect">
+            <a:avLst/>
+          </a:prstGeom>
+        </p:spPr>
+        <p:txBody>
+          <a:bodyPr vert="horz" lIns="91440" tIns="45720" rIns="91440" bIns="45720" rtlCol="0" anchor="b"/>
+          <a:lstStyle>
+            <a:lvl1pPr algn="r">
+              <a:defRPr sz="1200"/>
+            </a:lvl1pPr>
+          </a:lstStyle>
+          <a:p>
+            <a:fld id="{039BEC91-62E0-4E9A-97E9-982E21C8E179}" type="slidenum">
+              <a:rPr lang="en-CA" smtClean="0"/>
+              <a:t>‹#›</a:t>
+            </a:fld>
+            <a:endParaRPr lang="en-CA"/>
+          </a:p>
+        </p:txBody>
+      </p:sp>
+    </p:spTree>
+    <p:extLst>
+      <p:ext uri="{BB962C8B-B14F-4D97-AF65-F5344CB8AC3E}">
+        <p14:creationId xmlns:p14="http://schemas.microsoft.com/office/powerpoint/2010/main" val="3265064097"/>
+      </p:ext>
+    </p:extLst>
+  </p:cSld>
+  <p:clrMap bg1="lt1" tx1="dk1" bg2="lt2" tx2="dk2" accent1="accent1" accent2="accent2" accent3="accent3" accent4="accent4" accent5="accent5" accent6="accent6" hlink="hlink" folHlink="folHlink"/>
+  <p:notesStyle>
+    <a:lvl1pPr marL="0" algn="l" defTabSz="914400" rtl="0" eaLnBrk="1" latinLnBrk="0" hangingPunct="1">
+      <a:defRPr sz="1200" kern="1200">
+        <a:solidFill>
+          <a:schemeClr val="tx1"/>
+        </a:solidFill>
+        <a:latin typeface="+mn-lt"/>
+        <a:ea typeface="+mn-ea"/>
+        <a:cs typeface="+mn-cs"/>
+      </a:defRPr>
+    </a:lvl1pPr>
+    <a:lvl2pPr marL="457200" algn="l" defTabSz="914400" rtl="0" eaLnBrk="1" latinLnBrk="0" hangingPunct="1">
+      <a:defRPr sz="1200" kern="1200">
+        <a:solidFill>
+          <a:schemeClr val="tx1"/>
+        </a:solidFill>
+        <a:latin typeface="+mn-lt"/>
+        <a:ea typeface="+mn-ea"/>
+        <a:cs typeface="+mn-cs"/>
+      </a:defRPr>
+    </a:lvl2pPr>
+    <a:lvl3pPr marL="914400" algn="l" defTabSz="914400" rtl="0" eaLnBrk="1" latinLnBrk="0" hangingPunct="1">
+      <a:defRPr sz="1200" kern="1200">
+        <a:solidFill>
+          <a:schemeClr val="tx1"/>
+        </a:solidFill>
+        <a:latin typeface="+mn-lt"/>
+        <a:ea typeface="+mn-ea"/>
+        <a:cs typeface="+mn-cs"/>
+      </a:defRPr>
+    </a:lvl3pPr>
+    <a:lvl4pPr marL="1371600" algn="l" defTabSz="914400" rtl="0" eaLnBrk="1" latinLnBrk="0" hangingPunct="1">
+      <a:defRPr sz="1200" kern="1200">
+        <a:solidFill>
+          <a:schemeClr val="tx1"/>
+        </a:solidFill>
+        <a:latin typeface="+mn-lt"/>
+        <a:ea typeface="+mn-ea"/>
+        <a:cs typeface="+mn-cs"/>
+      </a:defRPr>
+    </a:lvl4pPr>
+    <a:lvl5pPr marL="1828800" algn="l" defTabSz="914400" rtl="0" eaLnBrk="1" latinLnBrk="0" hangingPunct="1">
+      <a:defRPr sz="1200" kern="1200">
+        <a:solidFill>
+          <a:schemeClr val="tx1"/>
+        </a:solidFill>
+        <a:latin typeface="+mn-lt"/>
+        <a:ea typeface="+mn-ea"/>
+        <a:cs typeface="+mn-cs"/>
+      </a:defRPr>
+    </a:lvl5pPr>
+    <a:lvl6pPr marL="2286000" algn="l" defTabSz="914400" rtl="0" eaLnBrk="1" latinLnBrk="0" hangingPunct="1">
+      <a:defRPr sz="1200" kern="1200">
+        <a:solidFill>
+          <a:schemeClr val="tx1"/>
+        </a:solidFill>
+        <a:latin typeface="+mn-lt"/>
+        <a:ea typeface="+mn-ea"/>
+        <a:cs typeface="+mn-cs"/>
+      </a:defRPr>
+    </a:lvl6pPr>
+    <a:lvl7pPr marL="2743200" algn="l" defTabSz="914400" rtl="0" eaLnBrk="1" latinLnBrk="0" hangingPunct="1">
+      <a:defRPr sz="1200" kern="1200">
+        <a:solidFill>
+          <a:schemeClr val="tx1"/>
+        </a:solidFill>
+        <a:latin typeface="+mn-lt"/>
+        <a:ea typeface="+mn-ea"/>
+        <a:cs typeface="+mn-cs"/>
+      </a:defRPr>
+    </a:lvl7pPr>
+    <a:lvl8pPr marL="3200400" algn="l" defTabSz="914400" rtl="0" eaLnBrk="1" latinLnBrk="0" hangingPunct="1">
+      <a:defRPr sz="1200" kern="1200">
+        <a:solidFill>
+          <a:schemeClr val="tx1"/>
+        </a:solidFill>
+        <a:latin typeface="+mn-lt"/>
+        <a:ea typeface="+mn-ea"/>
+        <a:cs typeface="+mn-cs"/>
+      </a:defRPr>
+    </a:lvl8pPr>
+    <a:lvl9pPr marL="3657600" algn="l" defTabSz="914400" rtl="0" eaLnBrk="1" latinLnBrk="0" hangingPunct="1">
+      <a:defRPr sz="1200" kern="1200">
+        <a:solidFill>
+          <a:schemeClr val="tx1"/>
+        </a:solidFill>
+        <a:latin typeface="+mn-lt"/>
+        <a:ea typeface="+mn-ea"/>
+        <a:cs typeface="+mn-cs"/>
+      </a:defRPr>
+    </a:lvl9pPr>
+  </p:notesStyle>
+</p:notesMaster>
+</file>
+
+<file path=ppt/notesSlides/notesSlide1.xml><?xml version="1.0" encoding="utf-8"?>
+<p:notes xmlns:a="http://schemas.openxmlformats.org/drawingml/2006/main" xmlns:r="http://schemas.openxmlformats.org/officeDocument/2006/relationships" xmlns:p="http://schemas.openxmlformats.org/presentationml/2006/main">
+  <p:cSld>
+    <p:spTree>
+      <p:nvGrpSpPr>
+        <p:cNvPr id="1" name=""/>
+        <p:cNvGrpSpPr/>
+        <p:nvPr/>
+      </p:nvGrpSpPr>
+      <p:grpSpPr>
+        <a:xfrm>
+          <a:off x="0" y="0"/>
+          <a:ext cx="0" cy="0"/>
+          <a:chOff x="0" y="0"/>
+          <a:chExt cx="0" cy="0"/>
+        </a:xfrm>
+      </p:grpSpPr>
+      <p:sp>
+        <p:nvSpPr>
+          <p:cNvPr id="2" name="Slide Image Placeholder 1"/>
+          <p:cNvSpPr>
+            <a:spLocks noGrp="1" noRot="1" noChangeAspect="1"/>
+          </p:cNvSpPr>
+          <p:nvPr>
+            <p:ph type="sldImg"/>
+          </p:nvPr>
+        </p:nvSpPr>
+        <p:spPr/>
+      </p:sp>
+      <p:sp>
+        <p:nvSpPr>
+          <p:cNvPr id="3" name="Notes Placeholder 2"/>
+          <p:cNvSpPr>
+            <a:spLocks noGrp="1"/>
+          </p:cNvSpPr>
+          <p:nvPr>
+            <p:ph type="body" idx="1"/>
+          </p:nvPr>
+        </p:nvSpPr>
+        <p:spPr/>
+        <p:txBody>
+          <a:bodyPr/>
+          <a:lstStyle/>
+          <a:p>
+            <a:endParaRPr lang="en-CA" dirty="0"/>
+          </a:p>
+        </p:txBody>
+      </p:sp>
+      <p:sp>
+        <p:nvSpPr>
+          <p:cNvPr id="4" name="Slide Number Placeholder 3"/>
+          <p:cNvSpPr>
+            <a:spLocks noGrp="1"/>
+          </p:cNvSpPr>
+          <p:nvPr>
+            <p:ph type="sldNum" sz="quarter" idx="5"/>
+          </p:nvPr>
+        </p:nvSpPr>
+        <p:spPr/>
+        <p:txBody>
+          <a:bodyPr/>
+          <a:lstStyle/>
+          <a:p>
+            <a:fld id="{039BEC91-62E0-4E9A-97E9-982E21C8E179}" type="slidenum">
+              <a:rPr lang="en-CA" smtClean="0"/>
+              <a:t>7</a:t>
+            </a:fld>
+            <a:endParaRPr lang="en-CA"/>
+          </a:p>
+        </p:txBody>
+      </p:sp>
+    </p:spTree>
+    <p:extLst>
+      <p:ext uri="{BB962C8B-B14F-4D97-AF65-F5344CB8AC3E}">
+        <p14:creationId xmlns:p14="http://schemas.microsoft.com/office/powerpoint/2010/main" val="1356219900"/>
+      </p:ext>
+    </p:extLst>
+  </p:cSld>
+  <p:clrMapOvr>
+    <a:masterClrMapping/>
+  </p:clrMapOvr>
+</p:notes>
 </file>
 
 <file path=ppt/slideLayouts/slideLayout1.xml><?xml version="1.0" encoding="utf-8"?>
@@ -3367,10 +3815,17 @@
           <a:lstStyle/>
           <a:p>
             <a:r>
-              <a:rPr lang="en-US" sz="4400" dirty="0"/>
-              <a:t>Take-Home Assignment: Senior Systems Integrator (Data Science and Visualization) (48634)</a:t>
-            </a:r>
-            <a:endParaRPr lang="en-CA" sz="4400" dirty="0"/>
+              <a:rPr lang="en-US" sz="4000" dirty="0"/>
+              <a:t>Data Analytics and Visualization Approach</a:t>
+            </a:r>
+            <a:br>
+              <a:rPr lang="en-US" sz="4000" dirty="0"/>
+            </a:br>
+            <a:r>
+              <a:rPr lang="en-US" sz="3600" dirty="0"/>
+              <a:t>Application to Service Division Dashboard</a:t>
+            </a:r>
+            <a:endParaRPr lang="en-CA" sz="4000" dirty="0"/>
           </a:p>
         </p:txBody>
       </p:sp>
@@ -3438,6 +3893,444 @@
           <p:cNvPr id="2" name="Title 1">
             <a:extLst>
               <a:ext uri="{FF2B5EF4-FFF2-40B4-BE49-F238E27FC236}">
+                <a16:creationId xmlns:a16="http://schemas.microsoft.com/office/drawing/2014/main" id="{CF80463B-6FA0-B6DE-2288-251DC1925C93}"/>
+              </a:ext>
+            </a:extLst>
+          </p:cNvPr>
+          <p:cNvSpPr>
+            <a:spLocks noGrp="1"/>
+          </p:cNvSpPr>
+          <p:nvPr>
+            <p:ph type="title"/>
+          </p:nvPr>
+        </p:nvSpPr>
+        <p:spPr/>
+        <p:txBody>
+          <a:bodyPr/>
+          <a:lstStyle/>
+          <a:p>
+            <a:r>
+              <a:rPr lang="en-CA" dirty="0"/>
+              <a:t>Introduction</a:t>
+            </a:r>
+          </a:p>
+        </p:txBody>
+      </p:sp>
+      <p:sp>
+        <p:nvSpPr>
+          <p:cNvPr id="3" name="Content Placeholder 2">
+            <a:extLst>
+              <a:ext uri="{FF2B5EF4-FFF2-40B4-BE49-F238E27FC236}">
+                <a16:creationId xmlns:a16="http://schemas.microsoft.com/office/drawing/2014/main" id="{8C0FCCA7-79F9-D95B-B62F-7FE145B6E57B}"/>
+              </a:ext>
+            </a:extLst>
+          </p:cNvPr>
+          <p:cNvSpPr>
+            <a:spLocks noGrp="1"/>
+          </p:cNvSpPr>
+          <p:nvPr>
+            <p:ph idx="1"/>
+          </p:nvPr>
+        </p:nvSpPr>
+        <p:spPr/>
+        <p:txBody>
+          <a:bodyPr/>
+          <a:lstStyle/>
+          <a:p>
+            <a:r>
+              <a:rPr lang="en-CA" dirty="0"/>
+              <a:t>Overview of Data Analytics and Visualization</a:t>
+            </a:r>
+          </a:p>
+          <a:p>
+            <a:pPr lvl="1"/>
+            <a:r>
+              <a:rPr lang="en-CA" dirty="0"/>
+              <a:t>Importance of data-driven decision making</a:t>
+            </a:r>
+          </a:p>
+          <a:p>
+            <a:pPr lvl="1"/>
+            <a:r>
+              <a:rPr lang="en-CA" dirty="0"/>
+              <a:t>Role of visualization in understanding complex data</a:t>
+            </a:r>
+          </a:p>
+        </p:txBody>
+      </p:sp>
+    </p:spTree>
+    <p:extLst>
+      <p:ext uri="{BB962C8B-B14F-4D97-AF65-F5344CB8AC3E}">
+        <p14:creationId xmlns:p14="http://schemas.microsoft.com/office/powerpoint/2010/main" val="4135964657"/>
+      </p:ext>
+    </p:extLst>
+  </p:cSld>
+  <p:clrMapOvr>
+    <a:masterClrMapping/>
+  </p:clrMapOvr>
+</p:sld>
+</file>
+
+<file path=ppt/slides/slide3.xml><?xml version="1.0" encoding="utf-8"?>
+<p:sld xmlns:a="http://schemas.openxmlformats.org/drawingml/2006/main" xmlns:r="http://schemas.openxmlformats.org/officeDocument/2006/relationships" xmlns:p="http://schemas.openxmlformats.org/presentationml/2006/main">
+  <p:cSld>
+    <p:spTree>
+      <p:nvGrpSpPr>
+        <p:cNvPr id="1" name=""/>
+        <p:cNvGrpSpPr/>
+        <p:nvPr/>
+      </p:nvGrpSpPr>
+      <p:grpSpPr>
+        <a:xfrm>
+          <a:off x="0" y="0"/>
+          <a:ext cx="0" cy="0"/>
+          <a:chOff x="0" y="0"/>
+          <a:chExt cx="0" cy="0"/>
+        </a:xfrm>
+      </p:grpSpPr>
+      <p:sp>
+        <p:nvSpPr>
+          <p:cNvPr id="2" name="Title 1">
+            <a:extLst>
+              <a:ext uri="{FF2B5EF4-FFF2-40B4-BE49-F238E27FC236}">
+                <a16:creationId xmlns:a16="http://schemas.microsoft.com/office/drawing/2014/main" id="{AD268984-2E43-7DAE-2423-BCCC10C373DD}"/>
+              </a:ext>
+            </a:extLst>
+          </p:cNvPr>
+          <p:cNvSpPr>
+            <a:spLocks noGrp="1"/>
+          </p:cNvSpPr>
+          <p:nvPr>
+            <p:ph type="title"/>
+          </p:nvPr>
+        </p:nvSpPr>
+        <p:spPr/>
+        <p:txBody>
+          <a:bodyPr/>
+          <a:lstStyle/>
+          <a:p>
+            <a:r>
+              <a:rPr lang="en-CA" dirty="0"/>
+              <a:t>My Approach to Data Analytics</a:t>
+            </a:r>
+          </a:p>
+        </p:txBody>
+      </p:sp>
+      <p:sp>
+        <p:nvSpPr>
+          <p:cNvPr id="3" name="Content Placeholder 2">
+            <a:extLst>
+              <a:ext uri="{FF2B5EF4-FFF2-40B4-BE49-F238E27FC236}">
+                <a16:creationId xmlns:a16="http://schemas.microsoft.com/office/drawing/2014/main" id="{045A9FD9-85B5-FAFB-1BED-D95224F1C200}"/>
+              </a:ext>
+            </a:extLst>
+          </p:cNvPr>
+          <p:cNvSpPr>
+            <a:spLocks noGrp="1"/>
+          </p:cNvSpPr>
+          <p:nvPr>
+            <p:ph idx="1"/>
+          </p:nvPr>
+        </p:nvSpPr>
+        <p:spPr/>
+        <p:txBody>
+          <a:bodyPr>
+            <a:normAutofit fontScale="92500" lnSpcReduction="20000"/>
+          </a:bodyPr>
+          <a:lstStyle/>
+          <a:p>
+            <a:pPr marL="514350" indent="-514350">
+              <a:buFont typeface="+mj-lt"/>
+              <a:buAutoNum type="arabicPeriod"/>
+            </a:pPr>
+            <a:r>
+              <a:rPr lang="en-CA" dirty="0"/>
+              <a:t>Define Objectives</a:t>
+            </a:r>
+          </a:p>
+          <a:p>
+            <a:pPr marL="971550" lvl="1" indent="-514350">
+              <a:buFont typeface="+mj-lt"/>
+              <a:buAutoNum type="arabicPeriod"/>
+            </a:pPr>
+            <a:r>
+              <a:rPr lang="en-CA" dirty="0"/>
+              <a:t>Identify key metrics to track</a:t>
+            </a:r>
+          </a:p>
+          <a:p>
+            <a:pPr marL="971550" lvl="1" indent="-514350">
+              <a:buFont typeface="+mj-lt"/>
+              <a:buAutoNum type="arabicPeriod"/>
+            </a:pPr>
+            <a:r>
+              <a:rPr lang="en-CA" dirty="0"/>
+              <a:t>Understand who the target audience is and what are the questions they’re trying to answer</a:t>
+            </a:r>
+          </a:p>
+          <a:p>
+            <a:pPr marL="514350" indent="-514350">
+              <a:buFont typeface="+mj-lt"/>
+              <a:buAutoNum type="arabicPeriod"/>
+            </a:pPr>
+            <a:r>
+              <a:rPr lang="en-CA" dirty="0"/>
+              <a:t>Data Collection</a:t>
+            </a:r>
+          </a:p>
+          <a:p>
+            <a:pPr marL="971550" lvl="1" indent="-514350">
+              <a:buFont typeface="+mj-lt"/>
+              <a:buAutoNum type="arabicPeriod"/>
+            </a:pPr>
+            <a:r>
+              <a:rPr lang="en-CA" dirty="0"/>
+              <a:t>Gather data from various sources</a:t>
+            </a:r>
+          </a:p>
+          <a:p>
+            <a:pPr marL="971550" lvl="1" indent="-514350">
+              <a:buFont typeface="+mj-lt"/>
+              <a:buAutoNum type="arabicPeriod"/>
+            </a:pPr>
+            <a:r>
+              <a:rPr lang="en-CA" dirty="0"/>
+              <a:t>Ensure data is formatted correctly and has a method to be updated regularly</a:t>
+            </a:r>
+          </a:p>
+          <a:p>
+            <a:pPr marL="514350" indent="-514350">
+              <a:buFont typeface="+mj-lt"/>
+              <a:buAutoNum type="arabicPeriod"/>
+            </a:pPr>
+            <a:r>
+              <a:rPr lang="en-CA" dirty="0"/>
+              <a:t>Data Processing and Transformation</a:t>
+            </a:r>
+          </a:p>
+          <a:p>
+            <a:pPr marL="971550" lvl="1" indent="-514350">
+              <a:buFont typeface="+mj-lt"/>
+              <a:buAutoNum type="arabicPeriod"/>
+            </a:pPr>
+            <a:r>
+              <a:rPr lang="en-CA" dirty="0"/>
+              <a:t>Use tools like Python and Apache Airflow to schedule jobs that clean and transform the data</a:t>
+            </a:r>
+          </a:p>
+          <a:p>
+            <a:pPr marL="514350" indent="-514350">
+              <a:buFont typeface="+mj-lt"/>
+              <a:buAutoNum type="arabicPeriod"/>
+            </a:pPr>
+            <a:r>
+              <a:rPr lang="en-CA" dirty="0"/>
+              <a:t>Visualization</a:t>
+            </a:r>
+          </a:p>
+          <a:p>
+            <a:pPr marL="971550" lvl="1" indent="-514350">
+              <a:buFont typeface="+mj-lt"/>
+              <a:buAutoNum type="arabicPeriod"/>
+            </a:pPr>
+            <a:r>
+              <a:rPr lang="en-CA" dirty="0"/>
+              <a:t>Create interactive dashboards using Tableau that answer the questions and keep users coming back</a:t>
+            </a:r>
+          </a:p>
+        </p:txBody>
+      </p:sp>
+    </p:spTree>
+    <p:extLst>
+      <p:ext uri="{BB962C8B-B14F-4D97-AF65-F5344CB8AC3E}">
+        <p14:creationId xmlns:p14="http://schemas.microsoft.com/office/powerpoint/2010/main" val="1206110206"/>
+      </p:ext>
+    </p:extLst>
+  </p:cSld>
+  <p:clrMapOvr>
+    <a:masterClrMapping/>
+  </p:clrMapOvr>
+</p:sld>
+</file>
+
+<file path=ppt/slides/slide4.xml><?xml version="1.0" encoding="utf-8"?>
+<p:sld xmlns:a="http://schemas.openxmlformats.org/drawingml/2006/main" xmlns:r="http://schemas.openxmlformats.org/officeDocument/2006/relationships" xmlns:p="http://schemas.openxmlformats.org/presentationml/2006/main">
+  <p:cSld>
+    <p:spTree>
+      <p:nvGrpSpPr>
+        <p:cNvPr id="1" name=""/>
+        <p:cNvGrpSpPr/>
+        <p:nvPr/>
+      </p:nvGrpSpPr>
+      <p:grpSpPr>
+        <a:xfrm>
+          <a:off x="0" y="0"/>
+          <a:ext cx="0" cy="0"/>
+          <a:chOff x="0" y="0"/>
+          <a:chExt cx="0" cy="0"/>
+        </a:xfrm>
+      </p:grpSpPr>
+      <p:sp>
+        <p:nvSpPr>
+          <p:cNvPr id="2" name="Title 1">
+            <a:extLst>
+              <a:ext uri="{FF2B5EF4-FFF2-40B4-BE49-F238E27FC236}">
+                <a16:creationId xmlns:a16="http://schemas.microsoft.com/office/drawing/2014/main" id="{FA21DBBB-D55F-2C98-2E92-C92B430B8D37}"/>
+              </a:ext>
+            </a:extLst>
+          </p:cNvPr>
+          <p:cNvSpPr>
+            <a:spLocks noGrp="1"/>
+          </p:cNvSpPr>
+          <p:nvPr>
+            <p:ph type="title"/>
+          </p:nvPr>
+        </p:nvSpPr>
+        <p:spPr/>
+        <p:txBody>
+          <a:bodyPr/>
+          <a:lstStyle/>
+          <a:p>
+            <a:r>
+              <a:rPr lang="en-CA" dirty="0"/>
+              <a:t>Application of My Approach</a:t>
+            </a:r>
+          </a:p>
+        </p:txBody>
+      </p:sp>
+      <p:sp>
+        <p:nvSpPr>
+          <p:cNvPr id="3" name="Content Placeholder 2">
+            <a:extLst>
+              <a:ext uri="{FF2B5EF4-FFF2-40B4-BE49-F238E27FC236}">
+                <a16:creationId xmlns:a16="http://schemas.microsoft.com/office/drawing/2014/main" id="{CB9AA9DE-DB86-D3E8-E715-FFF1B51E9100}"/>
+              </a:ext>
+            </a:extLst>
+          </p:cNvPr>
+          <p:cNvSpPr>
+            <a:spLocks noGrp="1"/>
+          </p:cNvSpPr>
+          <p:nvPr>
+            <p:ph idx="1"/>
+          </p:nvPr>
+        </p:nvSpPr>
+        <p:spPr/>
+        <p:txBody>
+          <a:bodyPr>
+            <a:normAutofit lnSpcReduction="10000"/>
+          </a:bodyPr>
+          <a:lstStyle/>
+          <a:p>
+            <a:r>
+              <a:rPr lang="en-CA" dirty="0"/>
+              <a:t>Purpose: Monitor Service Requests (SRs) across </a:t>
+            </a:r>
+            <a:r>
+              <a:rPr lang="en-CA" dirty="0" err="1"/>
+              <a:t>divsions</a:t>
+            </a:r>
+            <a:endParaRPr lang="en-CA" dirty="0"/>
+          </a:p>
+          <a:p>
+            <a:r>
+              <a:rPr lang="en-CA" dirty="0"/>
+              <a:t>Key stakeholders:</a:t>
+            </a:r>
+          </a:p>
+          <a:p>
+            <a:pPr lvl="1"/>
+            <a:r>
+              <a:rPr lang="en-CA" dirty="0"/>
+              <a:t>311</a:t>
+            </a:r>
+          </a:p>
+          <a:p>
+            <a:pPr lvl="1"/>
+            <a:r>
+              <a:rPr lang="en-CA" dirty="0"/>
+              <a:t>Divisions</a:t>
+            </a:r>
+          </a:p>
+          <a:p>
+            <a:pPr lvl="1"/>
+            <a:r>
+              <a:rPr lang="en-CA" dirty="0"/>
+              <a:t>Councillors (Wards)</a:t>
+            </a:r>
+          </a:p>
+          <a:p>
+            <a:r>
+              <a:rPr lang="en-CA" dirty="0"/>
+              <a:t>Key Performance Indicators (KPIs)</a:t>
+            </a:r>
+          </a:p>
+          <a:p>
+            <a:pPr lvl="1"/>
+            <a:r>
+              <a:rPr lang="en-CA" dirty="0"/>
+              <a:t>Frequency of requests</a:t>
+            </a:r>
+          </a:p>
+          <a:p>
+            <a:pPr lvl="1"/>
+            <a:r>
+              <a:rPr lang="en-CA" dirty="0"/>
+              <a:t>Turnaround Time</a:t>
+            </a:r>
+          </a:p>
+          <a:p>
+            <a:pPr lvl="1"/>
+            <a:r>
+              <a:rPr lang="en-CA" dirty="0"/>
+              <a:t>Estimated Cost</a:t>
+            </a:r>
+          </a:p>
+          <a:p>
+            <a:pPr marL="0" indent="0">
+              <a:buNone/>
+            </a:pPr>
+            <a:r>
+              <a:rPr lang="en-CA" dirty="0"/>
+              <a:t>How can we address all the stakeholder’s needs and provide a fair comparison between different requests?</a:t>
+            </a:r>
+          </a:p>
+        </p:txBody>
+      </p:sp>
+    </p:spTree>
+    <p:extLst>
+      <p:ext uri="{BB962C8B-B14F-4D97-AF65-F5344CB8AC3E}">
+        <p14:creationId xmlns:p14="http://schemas.microsoft.com/office/powerpoint/2010/main" val="870377519"/>
+      </p:ext>
+    </p:extLst>
+  </p:cSld>
+  <p:clrMapOvr>
+    <a:masterClrMapping/>
+  </p:clrMapOvr>
+</p:sld>
+</file>
+
+<file path=ppt/slides/slide5.xml><?xml version="1.0" encoding="utf-8"?>
+<p:sld xmlns:a="http://schemas.openxmlformats.org/drawingml/2006/main" xmlns:r="http://schemas.openxmlformats.org/officeDocument/2006/relationships" xmlns:p="http://schemas.openxmlformats.org/presentationml/2006/main">
+  <p:cSld>
+    <p:spTree>
+      <p:nvGrpSpPr>
+        <p:cNvPr id="1" name=""/>
+        <p:cNvGrpSpPr/>
+        <p:nvPr/>
+      </p:nvGrpSpPr>
+      <p:grpSpPr>
+        <a:xfrm>
+          <a:off x="0" y="0"/>
+          <a:ext cx="0" cy="0"/>
+          <a:chOff x="0" y="0"/>
+          <a:chExt cx="0" cy="0"/>
+        </a:xfrm>
+      </p:grpSpPr>
+      <p:sp>
+        <p:nvSpPr>
+          <p:cNvPr id="2" name="Title 1">
+            <a:extLst>
+              <a:ext uri="{FF2B5EF4-FFF2-40B4-BE49-F238E27FC236}">
                 <a16:creationId xmlns:a16="http://schemas.microsoft.com/office/drawing/2014/main" id="{6B211D83-CED2-5A83-C2D4-536EF48B2C6E}"/>
               </a:ext>
             </a:extLst>
@@ -3456,7 +4349,7 @@
           <a:p>
             <a:r>
               <a:rPr lang="en-US" dirty="0"/>
-              <a:t>The Pipeline</a:t>
+              <a:t>Data Pipeline Automation</a:t>
             </a:r>
             <a:endParaRPr lang="en-CA" dirty="0"/>
           </a:p>
@@ -3636,10 +4529,726 @@
           </a:fontRef>
         </p:style>
       </p:cxnSp>
+      <p:sp>
+        <p:nvSpPr>
+          <p:cNvPr id="3" name="TextBox 2">
+            <a:extLst>
+              <a:ext uri="{FF2B5EF4-FFF2-40B4-BE49-F238E27FC236}">
+                <a16:creationId xmlns:a16="http://schemas.microsoft.com/office/drawing/2014/main" id="{4D79117A-33CD-A2EF-93A4-60AFAC0F9A74}"/>
+              </a:ext>
+            </a:extLst>
+          </p:cNvPr>
+          <p:cNvSpPr txBox="1"/>
+          <p:nvPr/>
+        </p:nvSpPr>
+        <p:spPr>
+          <a:xfrm>
+            <a:off x="375586" y="4399005"/>
+            <a:ext cx="2496064" cy="1200329"/>
+          </a:xfrm>
+          <a:prstGeom prst="rect">
+            <a:avLst/>
+          </a:prstGeom>
+          <a:noFill/>
+        </p:spPr>
+        <p:txBody>
+          <a:bodyPr wrap="square" rtlCol="0">
+            <a:spAutoFit/>
+          </a:bodyPr>
+          <a:lstStyle/>
+          <a:p>
+            <a:r>
+              <a:rPr lang="en-CA" dirty="0"/>
+              <a:t>Python script for efficient file uploads and avoiding duplicate uploads</a:t>
+            </a:r>
+          </a:p>
+        </p:txBody>
+      </p:sp>
+      <p:sp>
+        <p:nvSpPr>
+          <p:cNvPr id="4" name="TextBox 3">
+            <a:extLst>
+              <a:ext uri="{FF2B5EF4-FFF2-40B4-BE49-F238E27FC236}">
+                <a16:creationId xmlns:a16="http://schemas.microsoft.com/office/drawing/2014/main" id="{52DC2E7A-DBA0-5276-BA54-0C22DCA9FB7A}"/>
+              </a:ext>
+            </a:extLst>
+          </p:cNvPr>
+          <p:cNvSpPr txBox="1"/>
+          <p:nvPr/>
+        </p:nvSpPr>
+        <p:spPr>
+          <a:xfrm>
+            <a:off x="6439141" y="4312100"/>
+            <a:ext cx="3141463" cy="1200329"/>
+          </a:xfrm>
+          <a:prstGeom prst="rect">
+            <a:avLst/>
+          </a:prstGeom>
+          <a:noFill/>
+        </p:spPr>
+        <p:txBody>
+          <a:bodyPr wrap="square" rtlCol="0">
+            <a:spAutoFit/>
+          </a:bodyPr>
+          <a:lstStyle/>
+          <a:p>
+            <a:r>
+              <a:rPr lang="en-CA" dirty="0"/>
+              <a:t>Airflow automates data ingestion and transformation irrespective of where the source data is coming from</a:t>
+            </a:r>
+          </a:p>
+        </p:txBody>
+      </p:sp>
     </p:spTree>
     <p:extLst>
       <p:ext uri="{BB962C8B-B14F-4D97-AF65-F5344CB8AC3E}">
         <p14:creationId xmlns:p14="http://schemas.microsoft.com/office/powerpoint/2010/main" val="4050520767"/>
+      </p:ext>
+    </p:extLst>
+  </p:cSld>
+  <p:clrMapOvr>
+    <a:masterClrMapping/>
+  </p:clrMapOvr>
+</p:sld>
+</file>
+
+<file path=ppt/slides/slide6.xml><?xml version="1.0" encoding="utf-8"?>
+<p:sld xmlns:a="http://schemas.openxmlformats.org/drawingml/2006/main" xmlns:r="http://schemas.openxmlformats.org/officeDocument/2006/relationships" xmlns:p="http://schemas.openxmlformats.org/presentationml/2006/main">
+  <p:cSld>
+    <p:spTree>
+      <p:nvGrpSpPr>
+        <p:cNvPr id="1" name=""/>
+        <p:cNvGrpSpPr/>
+        <p:nvPr/>
+      </p:nvGrpSpPr>
+      <p:grpSpPr>
+        <a:xfrm>
+          <a:off x="0" y="0"/>
+          <a:ext cx="0" cy="0"/>
+          <a:chOff x="0" y="0"/>
+          <a:chExt cx="0" cy="0"/>
+        </a:xfrm>
+      </p:grpSpPr>
+      <p:sp>
+        <p:nvSpPr>
+          <p:cNvPr id="2" name="Title 1">
+            <a:extLst>
+              <a:ext uri="{FF2B5EF4-FFF2-40B4-BE49-F238E27FC236}">
+                <a16:creationId xmlns:a16="http://schemas.microsoft.com/office/drawing/2014/main" id="{AEA49C18-B528-746B-AAE6-166F3E06EB5F}"/>
+              </a:ext>
+            </a:extLst>
+          </p:cNvPr>
+          <p:cNvSpPr>
+            <a:spLocks noGrp="1"/>
+          </p:cNvSpPr>
+          <p:nvPr>
+            <p:ph type="title"/>
+          </p:nvPr>
+        </p:nvSpPr>
+        <p:spPr/>
+        <p:txBody>
+          <a:bodyPr/>
+          <a:lstStyle/>
+          <a:p>
+            <a:r>
+              <a:rPr lang="en-CA" dirty="0"/>
+              <a:t>Tools and Techniques Justification</a:t>
+            </a:r>
+          </a:p>
+        </p:txBody>
+      </p:sp>
+      <p:sp>
+        <p:nvSpPr>
+          <p:cNvPr id="3" name="Content Placeholder 2">
+            <a:extLst>
+              <a:ext uri="{FF2B5EF4-FFF2-40B4-BE49-F238E27FC236}">
+                <a16:creationId xmlns:a16="http://schemas.microsoft.com/office/drawing/2014/main" id="{35175819-E717-75F3-B3AD-E8484B7211AE}"/>
+              </a:ext>
+            </a:extLst>
+          </p:cNvPr>
+          <p:cNvSpPr>
+            <a:spLocks noGrp="1"/>
+          </p:cNvSpPr>
+          <p:nvPr>
+            <p:ph idx="1"/>
+          </p:nvPr>
+        </p:nvSpPr>
+        <p:spPr/>
+        <p:txBody>
+          <a:bodyPr>
+            <a:normAutofit lnSpcReduction="10000"/>
+          </a:bodyPr>
+          <a:lstStyle/>
+          <a:p>
+            <a:r>
+              <a:rPr lang="en-CA" dirty="0"/>
+              <a:t>Python for Scripting</a:t>
+            </a:r>
+          </a:p>
+          <a:p>
+            <a:pPr lvl="1"/>
+            <a:r>
+              <a:rPr lang="en-CA" dirty="0"/>
+              <a:t>Versatile and widely used for data manipulation</a:t>
+            </a:r>
+          </a:p>
+          <a:p>
+            <a:pPr lvl="1"/>
+            <a:r>
+              <a:rPr lang="en-CA" dirty="0"/>
+              <a:t>Open source libraries that allow for future-proofing work</a:t>
+            </a:r>
+          </a:p>
+          <a:p>
+            <a:r>
+              <a:rPr lang="en-CA" dirty="0"/>
+              <a:t>Apache Airflow for Automation</a:t>
+            </a:r>
+          </a:p>
+          <a:p>
+            <a:pPr lvl="1"/>
+            <a:r>
+              <a:rPr lang="en-CA" dirty="0"/>
+              <a:t>Robust orchestration tool for scheduling and monitoring workflows</a:t>
+            </a:r>
+          </a:p>
+          <a:p>
+            <a:r>
+              <a:rPr lang="en-CA" dirty="0"/>
+              <a:t>Amazon S3 for Cloud Storage</a:t>
+            </a:r>
+          </a:p>
+          <a:p>
+            <a:pPr lvl="1"/>
+            <a:r>
+              <a:rPr lang="en-CA" dirty="0"/>
+              <a:t>Scalable and cost-effective cloud storage solution</a:t>
+            </a:r>
+          </a:p>
+          <a:p>
+            <a:pPr lvl="1"/>
+            <a:r>
+              <a:rPr lang="en-CA" dirty="0"/>
+              <a:t>Amazon Redshift allows users to analyze data efficiently</a:t>
+            </a:r>
+          </a:p>
+          <a:p>
+            <a:r>
+              <a:rPr lang="en-CA" dirty="0"/>
+              <a:t>Tableau for Visualization</a:t>
+            </a:r>
+          </a:p>
+          <a:p>
+            <a:pPr lvl="1"/>
+            <a:r>
+              <a:rPr lang="en-CA" dirty="0"/>
+              <a:t>Powerful tool for creating interactive, always-on (live) dashboards</a:t>
+            </a:r>
+          </a:p>
+        </p:txBody>
+      </p:sp>
+    </p:spTree>
+    <p:extLst>
+      <p:ext uri="{BB962C8B-B14F-4D97-AF65-F5344CB8AC3E}">
+        <p14:creationId xmlns:p14="http://schemas.microsoft.com/office/powerpoint/2010/main" val="4115213159"/>
+      </p:ext>
+    </p:extLst>
+  </p:cSld>
+  <p:clrMapOvr>
+    <a:masterClrMapping/>
+  </p:clrMapOvr>
+</p:sld>
+</file>
+
+<file path=ppt/slides/slide7.xml><?xml version="1.0" encoding="utf-8"?>
+<p:sld xmlns:a="http://schemas.openxmlformats.org/drawingml/2006/main" xmlns:r="http://schemas.openxmlformats.org/officeDocument/2006/relationships" xmlns:p="http://schemas.openxmlformats.org/presentationml/2006/main">
+  <p:cSld>
+    <p:bg>
+      <p:bgPr>
+        <a:solidFill>
+          <a:schemeClr val="bg1"/>
+        </a:solidFill>
+        <a:effectLst/>
+      </p:bgPr>
+    </p:bg>
+    <p:spTree>
+      <p:nvGrpSpPr>
+        <p:cNvPr id="1" name=""/>
+        <p:cNvGrpSpPr/>
+        <p:nvPr/>
+      </p:nvGrpSpPr>
+      <p:grpSpPr>
+        <a:xfrm>
+          <a:off x="0" y="0"/>
+          <a:ext cx="0" cy="0"/>
+          <a:chOff x="0" y="0"/>
+          <a:chExt cx="0" cy="0"/>
+        </a:xfrm>
+      </p:grpSpPr>
+      <p:sp useBgFill="1">
+        <p:nvSpPr>
+          <p:cNvPr id="1033" name="Rectangle 1032">
+            <a:extLst>
+              <a:ext uri="{FF2B5EF4-FFF2-40B4-BE49-F238E27FC236}">
+                <a16:creationId xmlns:a16="http://schemas.microsoft.com/office/drawing/2014/main" id="{6F828D28-8E09-41CC-8229-3070B5467A96}"/>
+              </a:ext>
+              <a:ext uri="{C183D7F6-B498-43B3-948B-1728B52AA6E4}">
+                <adec:decorative xmlns:adec="http://schemas.microsoft.com/office/drawing/2017/decorative" val="1"/>
+              </a:ext>
+            </a:extLst>
+          </p:cNvPr>
+          <p:cNvSpPr>
+            <a:spLocks noGrp="1" noRot="1" noChangeAspect="1" noMove="1" noResize="1" noEditPoints="1" noAdjustHandles="1" noChangeArrowheads="1" noChangeShapeType="1" noTextEdit="1"/>
+          </p:cNvSpPr>
+          <p:nvPr>
+            <p:extLst>
+              <p:ext uri="{386F3935-93C4-4BCD-93E2-E3B085C9AB24}">
+                <p16:designElem xmlns:p16="http://schemas.microsoft.com/office/powerpoint/2015/main" val="1"/>
+              </p:ext>
+            </p:extLst>
+          </p:nvPr>
+        </p:nvSpPr>
+        <p:spPr>
+          <a:xfrm>
+            <a:off x="-1" y="0"/>
+            <a:ext cx="12188952" cy="6858000"/>
+          </a:xfrm>
+          <a:prstGeom prst="rect">
+            <a:avLst/>
+          </a:prstGeom>
+          <a:ln>
+            <a:noFill/>
+          </a:ln>
+        </p:spPr>
+        <p:style>
+          <a:lnRef idx="2">
+            <a:schemeClr val="accent1">
+              <a:shade val="50000"/>
+            </a:schemeClr>
+          </a:lnRef>
+          <a:fillRef idx="1">
+            <a:schemeClr val="accent1"/>
+          </a:fillRef>
+          <a:effectRef idx="0">
+            <a:schemeClr val="accent1"/>
+          </a:effectRef>
+          <a:fontRef idx="minor">
+            <a:schemeClr val="lt1"/>
+          </a:fontRef>
+        </p:style>
+        <p:txBody>
+          <a:bodyPr rtlCol="0" anchor="ctr"/>
+          <a:lstStyle/>
+          <a:p>
+            <a:pPr algn="ctr"/>
+            <a:endParaRPr lang="en-US"/>
+          </a:p>
+        </p:txBody>
+      </p:sp>
+      <p:pic>
+        <p:nvPicPr>
+          <p:cNvPr id="1028" name="Picture 4">
+            <a:extLst>
+              <a:ext uri="{FF2B5EF4-FFF2-40B4-BE49-F238E27FC236}">
+                <a16:creationId xmlns:a16="http://schemas.microsoft.com/office/drawing/2014/main" id="{7C6255E4-4AB8-2CEA-F095-F91601A870D6}"/>
+              </a:ext>
+            </a:extLst>
+          </p:cNvPr>
+          <p:cNvPicPr>
+            <a:picLocks noChangeAspect="1" noChangeArrowheads="1"/>
+          </p:cNvPicPr>
+          <p:nvPr/>
+        </p:nvPicPr>
+        <p:blipFill>
+          <a:blip r:embed="rId3">
+            <a:extLst>
+              <a:ext uri="{28A0092B-C50C-407E-A947-70E740481C1C}">
+                <a14:useLocalDpi xmlns:a14="http://schemas.microsoft.com/office/drawing/2010/main" val="0"/>
+              </a:ext>
+            </a:extLst>
+          </a:blip>
+          <a:srcRect t="1746"/>
+          <a:stretch/>
+        </p:blipFill>
+        <p:spPr bwMode="auto">
+          <a:xfrm>
+            <a:off x="20" y="-22"/>
+            <a:ext cx="12191977" cy="6858022"/>
+          </a:xfrm>
+          <a:prstGeom prst="rect">
+            <a:avLst/>
+          </a:prstGeom>
+          <a:noFill/>
+          <a:extLst>
+            <a:ext uri="{909E8E84-426E-40DD-AFC4-6F175D3DCCD1}">
+              <a14:hiddenFill xmlns:a14="http://schemas.microsoft.com/office/drawing/2010/main">
+                <a:solidFill>
+                  <a:srgbClr val="FFFFFF"/>
+                </a:solidFill>
+              </a14:hiddenFill>
+            </a:ext>
+          </a:extLst>
+        </p:spPr>
+      </p:pic>
+      <p:sp>
+        <p:nvSpPr>
+          <p:cNvPr id="1035" name="Rectangle 1034">
+            <a:extLst>
+              <a:ext uri="{FF2B5EF4-FFF2-40B4-BE49-F238E27FC236}">
+                <a16:creationId xmlns:a16="http://schemas.microsoft.com/office/drawing/2014/main" id="{D5B012D8-7F27-4758-9AC6-C889B154BD73}"/>
+              </a:ext>
+              <a:ext uri="{C183D7F6-B498-43B3-948B-1728B52AA6E4}">
+                <adec:decorative xmlns:adec="http://schemas.microsoft.com/office/drawing/2017/decorative" val="1"/>
+              </a:ext>
+            </a:extLst>
+          </p:cNvPr>
+          <p:cNvSpPr>
+            <a:spLocks noGrp="1" noRot="1" noChangeAspect="1" noMove="1" noResize="1" noEditPoints="1" noAdjustHandles="1" noChangeArrowheads="1" noChangeShapeType="1" noTextEdit="1"/>
+          </p:cNvSpPr>
+          <p:nvPr>
+            <p:extLst>
+              <p:ext uri="{386F3935-93C4-4BCD-93E2-E3B085C9AB24}">
+                <p16:designElem xmlns:p16="http://schemas.microsoft.com/office/powerpoint/2015/main" val="1"/>
+              </p:ext>
+            </p:extLst>
+          </p:nvPr>
+        </p:nvSpPr>
+        <p:spPr>
+          <a:xfrm rot="16200000">
+            <a:off x="-1103377" y="1100316"/>
+            <a:ext cx="6858003" cy="4657347"/>
+          </a:xfrm>
+          <a:prstGeom prst="rect">
+            <a:avLst/>
+          </a:prstGeom>
+          <a:gradFill flip="none" rotWithShape="1">
+            <a:gsLst>
+              <a:gs pos="48000">
+                <a:srgbClr val="000000">
+                  <a:alpha val="24000"/>
+                </a:srgbClr>
+              </a:gs>
+              <a:gs pos="85000">
+                <a:srgbClr val="000000">
+                  <a:alpha val="45000"/>
+                </a:srgbClr>
+              </a:gs>
+              <a:gs pos="0">
+                <a:srgbClr val="000000">
+                  <a:alpha val="0"/>
+                </a:srgbClr>
+              </a:gs>
+            </a:gsLst>
+            <a:lin ang="16200000" scaled="1"/>
+            <a:tileRect/>
+          </a:gradFill>
+          <a:ln>
+            <a:noFill/>
+          </a:ln>
+        </p:spPr>
+        <p:style>
+          <a:lnRef idx="2">
+            <a:schemeClr val="accent1">
+              <a:shade val="50000"/>
+            </a:schemeClr>
+          </a:lnRef>
+          <a:fillRef idx="1">
+            <a:schemeClr val="accent1"/>
+          </a:fillRef>
+          <a:effectRef idx="0">
+            <a:schemeClr val="accent1"/>
+          </a:effectRef>
+          <a:fontRef idx="minor">
+            <a:schemeClr val="lt1"/>
+          </a:fontRef>
+        </p:style>
+        <p:txBody>
+          <a:bodyPr rtlCol="0" anchor="ctr"/>
+          <a:lstStyle/>
+          <a:p>
+            <a:pPr algn="ctr"/>
+            <a:endParaRPr lang="en-US"/>
+          </a:p>
+        </p:txBody>
+      </p:sp>
+      <p:sp>
+        <p:nvSpPr>
+          <p:cNvPr id="2" name="Title 1">
+            <a:extLst>
+              <a:ext uri="{FF2B5EF4-FFF2-40B4-BE49-F238E27FC236}">
+                <a16:creationId xmlns:a16="http://schemas.microsoft.com/office/drawing/2014/main" id="{4AA3598C-F462-6CFE-717E-FFF150F0B9BE}"/>
+              </a:ext>
+            </a:extLst>
+          </p:cNvPr>
+          <p:cNvSpPr>
+            <a:spLocks noGrp="1"/>
+          </p:cNvSpPr>
+          <p:nvPr>
+            <p:ph type="title"/>
+          </p:nvPr>
+        </p:nvSpPr>
+        <p:spPr>
+          <a:xfrm>
+            <a:off x="898839" y="4770624"/>
+            <a:ext cx="3360123" cy="1514847"/>
+          </a:xfrm>
+          <a:solidFill>
+            <a:srgbClr val="111111">
+              <a:alpha val="43922"/>
+            </a:srgbClr>
+          </a:solidFill>
+        </p:spPr>
+        <p:txBody>
+          <a:bodyPr vert="horz" lIns="91440" tIns="45720" rIns="91440" bIns="45720" rtlCol="0" anchor="t">
+            <a:normAutofit fontScale="90000"/>
+          </a:bodyPr>
+          <a:lstStyle/>
+          <a:p>
+            <a:r>
+              <a:rPr lang="en-US" sz="5200" dirty="0">
+                <a:solidFill>
+                  <a:srgbClr val="FFFFFF"/>
+                </a:solidFill>
+              </a:rPr>
+              <a:t>Key Metrics Visualized</a:t>
+            </a:r>
+          </a:p>
+        </p:txBody>
+      </p:sp>
+      <p:sp>
+        <p:nvSpPr>
+          <p:cNvPr id="1037" name="Rectangle 1036">
+            <a:extLst>
+              <a:ext uri="{FF2B5EF4-FFF2-40B4-BE49-F238E27FC236}">
+                <a16:creationId xmlns:a16="http://schemas.microsoft.com/office/drawing/2014/main" id="{4063B759-00FC-46D1-9898-8E8625268FAF}"/>
+              </a:ext>
+              <a:ext uri="{C183D7F6-B498-43B3-948B-1728B52AA6E4}">
+                <adec:decorative xmlns:adec="http://schemas.microsoft.com/office/drawing/2017/decorative" val="1"/>
+              </a:ext>
+            </a:extLst>
+          </p:cNvPr>
+          <p:cNvSpPr>
+            <a:spLocks noGrp="1" noRot="1" noChangeAspect="1" noMove="1" noResize="1" noEditPoints="1" noAdjustHandles="1" noChangeArrowheads="1" noChangeShapeType="1" noTextEdit="1"/>
+          </p:cNvSpPr>
+          <p:nvPr>
+            <p:extLst>
+              <p:ext uri="{386F3935-93C4-4BCD-93E2-E3B085C9AB24}">
+                <p16:designElem xmlns:p16="http://schemas.microsoft.com/office/powerpoint/2015/main" val="1"/>
+              </p:ext>
+            </p:extLst>
+          </p:nvPr>
+        </p:nvSpPr>
+        <p:spPr>
+          <a:xfrm rot="5400000">
+            <a:off x="7540187" y="2206184"/>
+            <a:ext cx="6858003" cy="2445624"/>
+          </a:xfrm>
+          <a:prstGeom prst="rect">
+            <a:avLst/>
+          </a:prstGeom>
+          <a:gradFill flip="none" rotWithShape="1">
+            <a:gsLst>
+              <a:gs pos="48000">
+                <a:srgbClr val="000000">
+                  <a:alpha val="24000"/>
+                </a:srgbClr>
+              </a:gs>
+              <a:gs pos="85000">
+                <a:srgbClr val="000000">
+                  <a:alpha val="45000"/>
+                </a:srgbClr>
+              </a:gs>
+              <a:gs pos="0">
+                <a:srgbClr val="000000">
+                  <a:alpha val="0"/>
+                </a:srgbClr>
+              </a:gs>
+            </a:gsLst>
+            <a:lin ang="16200000" scaled="1"/>
+            <a:tileRect/>
+          </a:gradFill>
+          <a:ln>
+            <a:noFill/>
+          </a:ln>
+        </p:spPr>
+        <p:style>
+          <a:lnRef idx="2">
+            <a:schemeClr val="accent1">
+              <a:shade val="50000"/>
+            </a:schemeClr>
+          </a:lnRef>
+          <a:fillRef idx="1">
+            <a:schemeClr val="accent1"/>
+          </a:fillRef>
+          <a:effectRef idx="0">
+            <a:schemeClr val="accent1"/>
+          </a:effectRef>
+          <a:fontRef idx="minor">
+            <a:schemeClr val="lt1"/>
+          </a:fontRef>
+        </p:style>
+        <p:txBody>
+          <a:bodyPr rtlCol="0" anchor="ctr"/>
+          <a:lstStyle/>
+          <a:p>
+            <a:pPr algn="ctr"/>
+            <a:endParaRPr lang="en-US"/>
+          </a:p>
+        </p:txBody>
+      </p:sp>
+    </p:spTree>
+    <p:extLst>
+      <p:ext uri="{BB962C8B-B14F-4D97-AF65-F5344CB8AC3E}">
+        <p14:creationId xmlns:p14="http://schemas.microsoft.com/office/powerpoint/2010/main" val="2637331885"/>
+      </p:ext>
+    </p:extLst>
+  </p:cSld>
+  <p:clrMapOvr>
+    <a:masterClrMapping/>
+  </p:clrMapOvr>
+</p:sld>
+</file>
+
+<file path=ppt/slides/slide8.xml><?xml version="1.0" encoding="utf-8"?>
+<p:sld xmlns:a="http://schemas.openxmlformats.org/drawingml/2006/main" xmlns:r="http://schemas.openxmlformats.org/officeDocument/2006/relationships" xmlns:p="http://schemas.openxmlformats.org/presentationml/2006/main">
+  <p:cSld>
+    <p:spTree>
+      <p:nvGrpSpPr>
+        <p:cNvPr id="1" name=""/>
+        <p:cNvGrpSpPr/>
+        <p:nvPr/>
+      </p:nvGrpSpPr>
+      <p:grpSpPr>
+        <a:xfrm>
+          <a:off x="0" y="0"/>
+          <a:ext cx="0" cy="0"/>
+          <a:chOff x="0" y="0"/>
+          <a:chExt cx="0" cy="0"/>
+        </a:xfrm>
+      </p:grpSpPr>
+      <p:sp>
+        <p:nvSpPr>
+          <p:cNvPr id="2" name="Title 1">
+            <a:extLst>
+              <a:ext uri="{FF2B5EF4-FFF2-40B4-BE49-F238E27FC236}">
+                <a16:creationId xmlns:a16="http://schemas.microsoft.com/office/drawing/2014/main" id="{76F99A67-25AF-E6DA-8F5B-B895686A0469}"/>
+              </a:ext>
+            </a:extLst>
+          </p:cNvPr>
+          <p:cNvSpPr>
+            <a:spLocks noGrp="1"/>
+          </p:cNvSpPr>
+          <p:nvPr>
+            <p:ph type="title"/>
+          </p:nvPr>
+        </p:nvSpPr>
+        <p:spPr/>
+        <p:txBody>
+          <a:bodyPr/>
+          <a:lstStyle/>
+          <a:p>
+            <a:r>
+              <a:rPr lang="en-CA" dirty="0"/>
+              <a:t>Insights and Results</a:t>
+            </a:r>
+          </a:p>
+        </p:txBody>
+      </p:sp>
+      <p:sp>
+        <p:nvSpPr>
+          <p:cNvPr id="3" name="Content Placeholder 2">
+            <a:extLst>
+              <a:ext uri="{FF2B5EF4-FFF2-40B4-BE49-F238E27FC236}">
+                <a16:creationId xmlns:a16="http://schemas.microsoft.com/office/drawing/2014/main" id="{58BC2BF2-B0B2-DB65-5C0F-DF228F033135}"/>
+              </a:ext>
+            </a:extLst>
+          </p:cNvPr>
+          <p:cNvSpPr>
+            <a:spLocks noGrp="1"/>
+          </p:cNvSpPr>
+          <p:nvPr>
+            <p:ph idx="1"/>
+          </p:nvPr>
+        </p:nvSpPr>
+        <p:spPr/>
+        <p:txBody>
+          <a:bodyPr>
+            <a:normAutofit lnSpcReduction="10000"/>
+          </a:bodyPr>
+          <a:lstStyle/>
+          <a:p>
+            <a:r>
+              <a:rPr lang="en-CA" dirty="0"/>
+              <a:t>PFR has the highest turnaround time (~70 business days) – 75% more than other divisions</a:t>
+            </a:r>
+          </a:p>
+          <a:p>
+            <a:r>
+              <a:rPr lang="en-CA" dirty="0"/>
+              <a:t>2006 and 2020 had a significant decrease in Service requests</a:t>
+            </a:r>
+          </a:p>
+          <a:p>
+            <a:pPr lvl="1"/>
+            <a:r>
+              <a:rPr lang="en-CA" dirty="0"/>
+              <a:t>2020 is probably due to lockdowns. 2006 is worth looking into</a:t>
+            </a:r>
+          </a:p>
+          <a:p>
+            <a:r>
+              <a:rPr lang="en-CA" dirty="0"/>
+              <a:t>Estimated Costs have skyrocketed in the last couple of years</a:t>
+            </a:r>
+          </a:p>
+          <a:p>
+            <a:pPr lvl="1"/>
+            <a:r>
+              <a:rPr lang="en-CA" dirty="0"/>
+              <a:t>~90M prior to 2021 -&gt; ~4B in 2023</a:t>
+            </a:r>
+          </a:p>
+          <a:p>
+            <a:pPr lvl="1"/>
+            <a:r>
+              <a:rPr lang="en-CA" dirty="0"/>
+              <a:t>Mainly due to MLS, PFR, and TS across all wards</a:t>
+            </a:r>
+          </a:p>
+          <a:p>
+            <a:r>
+              <a:rPr lang="en-CA" dirty="0"/>
+              <a:t>Scarborough Centre has a relatively high cost per business day</a:t>
+            </a:r>
+          </a:p>
+          <a:p>
+            <a:pPr lvl="1"/>
+            <a:r>
+              <a:rPr lang="en-CA" dirty="0"/>
+              <a:t>This means that the costs were high given the amount of time it took to finish services in this Ward.</a:t>
+            </a:r>
+          </a:p>
+          <a:p>
+            <a:pPr lvl="1"/>
+            <a:r>
+              <a:rPr lang="en-CA" dirty="0"/>
+              <a:t>This </a:t>
+            </a:r>
+            <a:r>
+              <a:rPr lang="en-CA"/>
+              <a:t>is relative to the rest of the city.</a:t>
+            </a:r>
+            <a:endParaRPr lang="en-CA" dirty="0"/>
+          </a:p>
+          <a:p>
+            <a:endParaRPr lang="en-CA" dirty="0"/>
+          </a:p>
+        </p:txBody>
+      </p:sp>
+    </p:spTree>
+    <p:extLst>
+      <p:ext uri="{BB962C8B-B14F-4D97-AF65-F5344CB8AC3E}">
+        <p14:creationId xmlns:p14="http://schemas.microsoft.com/office/powerpoint/2010/main" val="496165637"/>
       </p:ext>
     </p:extLst>
   </p:cSld>
@@ -3942,4 +5551,299 @@
     </a:ext>
   </a:extLst>
 </a:theme>
+</file>
+
+<file path=ppt/theme/theme2.xml><?xml version="1.0" encoding="utf-8"?>
+<a:theme xmlns:a="http://schemas.openxmlformats.org/drawingml/2006/main" name="Office Theme">
+  <a:themeElements>
+    <a:clrScheme name="Office">
+      <a:dk1>
+        <a:sysClr val="windowText" lastClr="000000"/>
+      </a:dk1>
+      <a:lt1>
+        <a:sysClr val="window" lastClr="FFFFFF"/>
+      </a:lt1>
+      <a:dk2>
+        <a:srgbClr val="44546A"/>
+      </a:dk2>
+      <a:lt2>
+        <a:srgbClr val="E7E6E6"/>
+      </a:lt2>
+      <a:accent1>
+        <a:srgbClr val="4472C4"/>
+      </a:accent1>
+      <a:accent2>
+        <a:srgbClr val="ED7D31"/>
+      </a:accent2>
+      <a:accent3>
+        <a:srgbClr val="A5A5A5"/>
+      </a:accent3>
+      <a:accent4>
+        <a:srgbClr val="FFC000"/>
+      </a:accent4>
+      <a:accent5>
+        <a:srgbClr val="5B9BD5"/>
+      </a:accent5>
+      <a:accent6>
+        <a:srgbClr val="70AD47"/>
+      </a:accent6>
+      <a:hlink>
+        <a:srgbClr val="0563C1"/>
+      </a:hlink>
+      <a:folHlink>
+        <a:srgbClr val="954F72"/>
+      </a:folHlink>
+    </a:clrScheme>
+    <a:fontScheme name="Office">
+      <a:majorFont>
+        <a:latin typeface="Calibri Light" panose="020F0302020204030204"/>
+        <a:ea typeface=""/>
+        <a:cs typeface=""/>
+        <a:font script="Jpan" typeface="游ゴシック Light"/>
+        <a:font script="Hang" typeface="맑은 고딕"/>
+        <a:font script="Hans" typeface="等线 Light"/>
+        <a:font script="Hant" typeface="新細明體"/>
+        <a:font script="Arab" typeface="Times New Roman"/>
+        <a:font script="Hebr" typeface="Times New Roman"/>
+        <a:font script="Thai" typeface="Angsana New"/>
+        <a:font script="Ethi" typeface="Nyala"/>
+        <a:font script="Beng" typeface="Vrinda"/>
+        <a:font script="Gujr" typeface="Shruti"/>
+        <a:font script="Khmr" typeface="MoolBoran"/>
+        <a:font script="Knda" typeface="Tunga"/>
+        <a:font script="Guru" typeface="Raavi"/>
+        <a:font script="Cans" typeface="Euphemia"/>
+        <a:font script="Cher" typeface="Plantagenet Cherokee"/>
+        <a:font script="Yiii" typeface="Microsoft Yi Baiti"/>
+        <a:font script="Tibt" typeface="Microsoft Himalaya"/>
+        <a:font script="Thaa" typeface="MV Boli"/>
+        <a:font script="Deva" typeface="Mangal"/>
+        <a:font script="Telu" typeface="Gautami"/>
+        <a:font script="Taml" typeface="Latha"/>
+        <a:font script="Syrc" typeface="Estrangelo Edessa"/>
+        <a:font script="Orya" typeface="Kalinga"/>
+        <a:font script="Mlym" typeface="Kartika"/>
+        <a:font script="Laoo" typeface="DokChampa"/>
+        <a:font script="Sinh" typeface="Iskoola Pota"/>
+        <a:font script="Mong" typeface="Mongolian Baiti"/>
+        <a:font script="Viet" typeface="Times New Roman"/>
+        <a:font script="Uigh" typeface="Microsoft Uighur"/>
+        <a:font script="Geor" typeface="Sylfaen"/>
+        <a:font script="Armn" typeface="Arial"/>
+        <a:font script="Bugi" typeface="Leelawadee UI"/>
+        <a:font script="Bopo" typeface="Microsoft JhengHei"/>
+        <a:font script="Java" typeface="Javanese Text"/>
+        <a:font script="Lisu" typeface="Segoe UI"/>
+        <a:font script="Mymr" typeface="Myanmar Text"/>
+        <a:font script="Nkoo" typeface="Ebrima"/>
+        <a:font script="Olck" typeface="Nirmala UI"/>
+        <a:font script="Osma" typeface="Ebrima"/>
+        <a:font script="Phag" typeface="Phagspa"/>
+        <a:font script="Syrn" typeface="Estrangelo Edessa"/>
+        <a:font script="Syrj" typeface="Estrangelo Edessa"/>
+        <a:font script="Syre" typeface="Estrangelo Edessa"/>
+        <a:font script="Sora" typeface="Nirmala UI"/>
+        <a:font script="Tale" typeface="Microsoft Tai Le"/>
+        <a:font script="Talu" typeface="Microsoft New Tai Lue"/>
+        <a:font script="Tfng" typeface="Ebrima"/>
+      </a:majorFont>
+      <a:minorFont>
+        <a:latin typeface="Calibri" panose="020F0502020204030204"/>
+        <a:ea typeface=""/>
+        <a:cs typeface=""/>
+        <a:font script="Jpan" typeface="游ゴシック"/>
+        <a:font script="Hang" typeface="맑은 고딕"/>
+        <a:font script="Hans" typeface="等线"/>
+        <a:font script="Hant" typeface="新細明體"/>
+        <a:font script="Arab" typeface="Arial"/>
+        <a:font script="Hebr" typeface="Arial"/>
+        <a:font script="Thai" typeface="Cordia New"/>
+        <a:font script="Ethi" typeface="Nyala"/>
+        <a:font script="Beng" typeface="Vrinda"/>
+        <a:font script="Gujr" typeface="Shruti"/>
+        <a:font script="Khmr" typeface="DaunPenh"/>
+        <a:font script="Knda" typeface="Tunga"/>
+        <a:font script="Guru" typeface="Raavi"/>
+        <a:font script="Cans" typeface="Euphemia"/>
+        <a:font script="Cher" typeface="Plantagenet Cherokee"/>
+        <a:font script="Yiii" typeface="Microsoft Yi Baiti"/>
+        <a:font script="Tibt" typeface="Microsoft Himalaya"/>
+        <a:font script="Thaa" typeface="MV Boli"/>
+        <a:font script="Deva" typeface="Mangal"/>
+        <a:font script="Telu" typeface="Gautami"/>
+        <a:font script="Taml" typeface="Latha"/>
+        <a:font script="Syrc" typeface="Estrangelo Edessa"/>
+        <a:font script="Orya" typeface="Kalinga"/>
+        <a:font script="Mlym" typeface="Kartika"/>
+        <a:font script="Laoo" typeface="DokChampa"/>
+        <a:font script="Sinh" typeface="Iskoola Pota"/>
+        <a:font script="Mong" typeface="Mongolian Baiti"/>
+        <a:font script="Viet" typeface="Arial"/>
+        <a:font script="Uigh" typeface="Microsoft Uighur"/>
+        <a:font script="Geor" typeface="Sylfaen"/>
+        <a:font script="Armn" typeface="Arial"/>
+        <a:font script="Bugi" typeface="Leelawadee UI"/>
+        <a:font script="Bopo" typeface="Microsoft JhengHei"/>
+        <a:font script="Java" typeface="Javanese Text"/>
+        <a:font script="Lisu" typeface="Segoe UI"/>
+        <a:font script="Mymr" typeface="Myanmar Text"/>
+        <a:font script="Nkoo" typeface="Ebrima"/>
+        <a:font script="Olck" typeface="Nirmala UI"/>
+        <a:font script="Osma" typeface="Ebrima"/>
+        <a:font script="Phag" typeface="Phagspa"/>
+        <a:font script="Syrn" typeface="Estrangelo Edessa"/>
+        <a:font script="Syrj" typeface="Estrangelo Edessa"/>
+        <a:font script="Syre" typeface="Estrangelo Edessa"/>
+        <a:font script="Sora" typeface="Nirmala UI"/>
+        <a:font script="Tale" typeface="Microsoft Tai Le"/>
+        <a:font script="Talu" typeface="Microsoft New Tai Lue"/>
+        <a:font script="Tfng" typeface="Ebrima"/>
+      </a:minorFont>
+    </a:fontScheme>
+    <a:fmtScheme name="Office">
+      <a:fillStyleLst>
+        <a:solidFill>
+          <a:schemeClr val="phClr"/>
+        </a:solidFill>
+        <a:gradFill rotWithShape="1">
+          <a:gsLst>
+            <a:gs pos="0">
+              <a:schemeClr val="phClr">
+                <a:lumMod val="110000"/>
+                <a:satMod val="105000"/>
+                <a:tint val="67000"/>
+              </a:schemeClr>
+            </a:gs>
+            <a:gs pos="50000">
+              <a:schemeClr val="phClr">
+                <a:lumMod val="105000"/>
+                <a:satMod val="103000"/>
+                <a:tint val="73000"/>
+              </a:schemeClr>
+            </a:gs>
+            <a:gs pos="100000">
+              <a:schemeClr val="phClr">
+                <a:lumMod val="105000"/>
+                <a:satMod val="109000"/>
+                <a:tint val="81000"/>
+              </a:schemeClr>
+            </a:gs>
+          </a:gsLst>
+          <a:lin ang="5400000" scaled="0"/>
+        </a:gradFill>
+        <a:gradFill rotWithShape="1">
+          <a:gsLst>
+            <a:gs pos="0">
+              <a:schemeClr val="phClr">
+                <a:satMod val="103000"/>
+                <a:lumMod val="102000"/>
+                <a:tint val="94000"/>
+              </a:schemeClr>
+            </a:gs>
+            <a:gs pos="50000">
+              <a:schemeClr val="phClr">
+                <a:satMod val="110000"/>
+                <a:lumMod val="100000"/>
+                <a:shade val="100000"/>
+              </a:schemeClr>
+            </a:gs>
+            <a:gs pos="100000">
+              <a:schemeClr val="phClr">
+                <a:lumMod val="99000"/>
+                <a:satMod val="120000"/>
+                <a:shade val="78000"/>
+              </a:schemeClr>
+            </a:gs>
+          </a:gsLst>
+          <a:lin ang="5400000" scaled="0"/>
+        </a:gradFill>
+      </a:fillStyleLst>
+      <a:lnStyleLst>
+        <a:ln w="6350" cap="flat" cmpd="sng" algn="ctr">
+          <a:solidFill>
+            <a:schemeClr val="phClr"/>
+          </a:solidFill>
+          <a:prstDash val="solid"/>
+          <a:miter lim="800000"/>
+        </a:ln>
+        <a:ln w="12700" cap="flat" cmpd="sng" algn="ctr">
+          <a:solidFill>
+            <a:schemeClr val="phClr"/>
+          </a:solidFill>
+          <a:prstDash val="solid"/>
+          <a:miter lim="800000"/>
+        </a:ln>
+        <a:ln w="19050" cap="flat" cmpd="sng" algn="ctr">
+          <a:solidFill>
+            <a:schemeClr val="phClr"/>
+          </a:solidFill>
+          <a:prstDash val="solid"/>
+          <a:miter lim="800000"/>
+        </a:ln>
+      </a:lnStyleLst>
+      <a:effectStyleLst>
+        <a:effectStyle>
+          <a:effectLst/>
+        </a:effectStyle>
+        <a:effectStyle>
+          <a:effectLst/>
+        </a:effectStyle>
+        <a:effectStyle>
+          <a:effectLst>
+            <a:outerShdw blurRad="57150" dist="19050" dir="5400000" algn="ctr" rotWithShape="0">
+              <a:srgbClr val="000000">
+                <a:alpha val="63000"/>
+              </a:srgbClr>
+            </a:outerShdw>
+          </a:effectLst>
+        </a:effectStyle>
+      </a:effectStyleLst>
+      <a:bgFillStyleLst>
+        <a:solidFill>
+          <a:schemeClr val="phClr"/>
+        </a:solidFill>
+        <a:solidFill>
+          <a:schemeClr val="phClr">
+            <a:tint val="95000"/>
+            <a:satMod val="170000"/>
+          </a:schemeClr>
+        </a:solidFill>
+        <a:gradFill rotWithShape="1">
+          <a:gsLst>
+            <a:gs pos="0">
+              <a:schemeClr val="phClr">
+                <a:tint val="93000"/>
+                <a:satMod val="150000"/>
+                <a:shade val="98000"/>
+                <a:lumMod val="102000"/>
+              </a:schemeClr>
+            </a:gs>
+            <a:gs pos="50000">
+              <a:schemeClr val="phClr">
+                <a:tint val="98000"/>
+                <a:satMod val="130000"/>
+                <a:shade val="90000"/>
+                <a:lumMod val="103000"/>
+              </a:schemeClr>
+            </a:gs>
+            <a:gs pos="100000">
+              <a:schemeClr val="phClr">
+                <a:shade val="63000"/>
+                <a:satMod val="120000"/>
+              </a:schemeClr>
+            </a:gs>
+          </a:gsLst>
+          <a:lin ang="5400000" scaled="0"/>
+        </a:gradFill>
+      </a:bgFillStyleLst>
+    </a:fmtScheme>
+  </a:themeElements>
+  <a:objectDefaults/>
+  <a:extraClrSchemeLst/>
+  <a:extLst>
+    <a:ext uri="{05A4C25C-085E-4340-85A3-A5531E510DB2}">
+      <thm15:themeFamily xmlns:thm15="http://schemas.microsoft.com/office/thememl/2012/main" name="Office Theme" id="{62F939B6-93AF-4DB8-9C6B-D6C7DFDC589F}" vid="{4A3C46E8-61CC-4603-A589-7422A47A8E4A}"/>
+    </a:ext>
+  </a:extLst>
+</a:theme>
 </file>
--- a/presentation/Take-Home Assignment.pptx
+++ b/presentation/Take-Home Assignment.pptx
@@ -2,10 +2,10 @@
 <file path=ppt/presentation.xml><?xml version="1.0" encoding="utf-8"?>
 <p:presentation xmlns:a="http://schemas.openxmlformats.org/drawingml/2006/main" xmlns:r="http://schemas.openxmlformats.org/officeDocument/2006/relationships" xmlns:p="http://schemas.openxmlformats.org/presentationml/2006/main" saveSubsetFonts="1">
   <p:sldMasterIdLst>
-    <p:sldMasterId id="2147483648" r:id="rId1"/>
+    <p:sldMasterId id="2147483702" r:id="rId1"/>
   </p:sldMasterIdLst>
   <p:notesMasterIdLst>
-    <p:notesMasterId r:id="rId10"/>
+    <p:notesMasterId r:id="rId12"/>
   </p:notesMasterIdLst>
   <p:sldIdLst>
     <p:sldId id="256" r:id="rId2"/>
@@ -16,6 +16,8 @@
     <p:sldId id="261" r:id="rId7"/>
     <p:sldId id="262" r:id="rId8"/>
     <p:sldId id="263" r:id="rId9"/>
+    <p:sldId id="264" r:id="rId10"/>
+    <p:sldId id="265" r:id="rId11"/>
   </p:sldIdLst>
   <p:sldSz cx="12192000" cy="6858000"/>
   <p:notesSz cx="6858000" cy="9144000"/>
@@ -23,7 +25,7 @@
     <a:defPPr>
       <a:defRPr lang="en-US"/>
     </a:defPPr>
-    <a:lvl1pPr marL="0" algn="l" defTabSz="914400" rtl="0" eaLnBrk="1" latinLnBrk="0" hangingPunct="1">
+    <a:lvl1pPr marL="0" algn="l" defTabSz="457200" rtl="0" eaLnBrk="1" latinLnBrk="0" hangingPunct="1">
       <a:defRPr sz="1800" kern="1200">
         <a:solidFill>
           <a:schemeClr val="tx1"/>
@@ -33,7 +35,7 @@
         <a:cs typeface="+mn-cs"/>
       </a:defRPr>
     </a:lvl1pPr>
-    <a:lvl2pPr marL="457200" algn="l" defTabSz="914400" rtl="0" eaLnBrk="1" latinLnBrk="0" hangingPunct="1">
+    <a:lvl2pPr marL="457200" algn="l" defTabSz="457200" rtl="0" eaLnBrk="1" latinLnBrk="0" hangingPunct="1">
       <a:defRPr sz="1800" kern="1200">
         <a:solidFill>
           <a:schemeClr val="tx1"/>
@@ -43,7 +45,7 @@
         <a:cs typeface="+mn-cs"/>
       </a:defRPr>
     </a:lvl2pPr>
-    <a:lvl3pPr marL="914400" algn="l" defTabSz="914400" rtl="0" eaLnBrk="1" latinLnBrk="0" hangingPunct="1">
+    <a:lvl3pPr marL="914400" algn="l" defTabSz="457200" rtl="0" eaLnBrk="1" latinLnBrk="0" hangingPunct="1">
       <a:defRPr sz="1800" kern="1200">
         <a:solidFill>
           <a:schemeClr val="tx1"/>
@@ -53,7 +55,7 @@
         <a:cs typeface="+mn-cs"/>
       </a:defRPr>
     </a:lvl3pPr>
-    <a:lvl4pPr marL="1371600" algn="l" defTabSz="914400" rtl="0" eaLnBrk="1" latinLnBrk="0" hangingPunct="1">
+    <a:lvl4pPr marL="1371600" algn="l" defTabSz="457200" rtl="0" eaLnBrk="1" latinLnBrk="0" hangingPunct="1">
       <a:defRPr sz="1800" kern="1200">
         <a:solidFill>
           <a:schemeClr val="tx1"/>
@@ -63,7 +65,7 @@
         <a:cs typeface="+mn-cs"/>
       </a:defRPr>
     </a:lvl4pPr>
-    <a:lvl5pPr marL="1828800" algn="l" defTabSz="914400" rtl="0" eaLnBrk="1" latinLnBrk="0" hangingPunct="1">
+    <a:lvl5pPr marL="1828800" algn="l" defTabSz="457200" rtl="0" eaLnBrk="1" latinLnBrk="0" hangingPunct="1">
       <a:defRPr sz="1800" kern="1200">
         <a:solidFill>
           <a:schemeClr val="tx1"/>
@@ -73,7 +75,7 @@
         <a:cs typeface="+mn-cs"/>
       </a:defRPr>
     </a:lvl5pPr>
-    <a:lvl6pPr marL="2286000" algn="l" defTabSz="914400" rtl="0" eaLnBrk="1" latinLnBrk="0" hangingPunct="1">
+    <a:lvl6pPr marL="2286000" algn="l" defTabSz="457200" rtl="0" eaLnBrk="1" latinLnBrk="0" hangingPunct="1">
       <a:defRPr sz="1800" kern="1200">
         <a:solidFill>
           <a:schemeClr val="tx1"/>
@@ -83,7 +85,7 @@
         <a:cs typeface="+mn-cs"/>
       </a:defRPr>
     </a:lvl6pPr>
-    <a:lvl7pPr marL="2743200" algn="l" defTabSz="914400" rtl="0" eaLnBrk="1" latinLnBrk="0" hangingPunct="1">
+    <a:lvl7pPr marL="2743200" algn="l" defTabSz="457200" rtl="0" eaLnBrk="1" latinLnBrk="0" hangingPunct="1">
       <a:defRPr sz="1800" kern="1200">
         <a:solidFill>
           <a:schemeClr val="tx1"/>
@@ -93,7 +95,7 @@
         <a:cs typeface="+mn-cs"/>
       </a:defRPr>
     </a:lvl7pPr>
-    <a:lvl8pPr marL="3200400" algn="l" defTabSz="914400" rtl="0" eaLnBrk="1" latinLnBrk="0" hangingPunct="1">
+    <a:lvl8pPr marL="3200400" algn="l" defTabSz="457200" rtl="0" eaLnBrk="1" latinLnBrk="0" hangingPunct="1">
       <a:defRPr sz="1800" kern="1200">
         <a:solidFill>
           <a:schemeClr val="tx1"/>
@@ -103,7 +105,7 @@
         <a:cs typeface="+mn-cs"/>
       </a:defRPr>
     </a:lvl8pPr>
-    <a:lvl9pPr marL="3657600" algn="l" defTabSz="914400" rtl="0" eaLnBrk="1" latinLnBrk="0" hangingPunct="1">
+    <a:lvl9pPr marL="3657600" algn="l" defTabSz="457200" rtl="0" eaLnBrk="1" latinLnBrk="0" hangingPunct="1">
       <a:defRPr sz="1800" kern="1200">
         <a:solidFill>
           <a:schemeClr val="tx1"/>
@@ -204,7 +206,7 @@
           <a:p>
             <a:fld id="{928BAFFE-61F5-4143-99C7-7085B1B1AD66}" type="datetimeFigureOut">
               <a:rPr lang="en-CA" smtClean="0"/>
-              <a:t>2025-01-02</a:t>
+              <a:t>2025-01-03</a:t>
             </a:fld>
             <a:endParaRPr lang="en-CA"/>
           </a:p>
@@ -557,7 +559,7 @@
 </file>
 
 <file path=ppt/slideLayouts/slideLayout1.xml><?xml version="1.0" encoding="utf-8"?>
-<p:sldLayout xmlns:a="http://schemas.openxmlformats.org/drawingml/2006/main" xmlns:r="http://schemas.openxmlformats.org/officeDocument/2006/relationships" xmlns:p="http://schemas.openxmlformats.org/presentationml/2006/main" type="title" preserve="1">
+<p:sldLayout xmlns:a="http://schemas.openxmlformats.org/drawingml/2006/main" xmlns:r="http://schemas.openxmlformats.org/officeDocument/2006/relationships" xmlns:p="http://schemas.openxmlformats.org/presentationml/2006/main" showMasterSp="0" type="title" preserve="1">
   <p:cSld name="Title Slide">
     <p:spTree>
       <p:nvGrpSpPr>
@@ -575,31 +577,113 @@
       </p:grpSpPr>
       <p:sp>
         <p:nvSpPr>
-          <p:cNvPr id="2" name="Title 1">
-            <a:extLst>
-              <a:ext uri="{FF2B5EF4-FFF2-40B4-BE49-F238E27FC236}">
-                <a16:creationId xmlns:a16="http://schemas.microsoft.com/office/drawing/2014/main" id="{57E531F6-B764-8E4E-B207-4366C44B01E6}"/>
-              </a:ext>
-            </a:extLst>
-          </p:cNvPr>
-          <p:cNvSpPr>
-            <a:spLocks noGrp="1"/>
-          </p:cNvSpPr>
-          <p:nvPr>
-            <p:ph type="ctrTitle"/>
-          </p:nvPr>
+          <p:cNvPr id="7" name="Rectangle 6"/>
+          <p:cNvSpPr/>
+          <p:nvPr/>
         </p:nvSpPr>
         <p:spPr>
           <a:xfrm>
-            <a:off x="1524000" y="1122363"/>
-            <a:ext cx="9144000" cy="2387600"/>
+            <a:off x="3175" y="6400800"/>
+            <a:ext cx="12188825" cy="457200"/>
+          </a:xfrm>
+          <a:prstGeom prst="rect">
+            <a:avLst/>
+          </a:prstGeom>
+          <a:solidFill>
+            <a:schemeClr val="accent2"/>
+          </a:solidFill>
+          <a:ln>
+            <a:noFill/>
+          </a:ln>
+        </p:spPr>
+        <p:style>
+          <a:lnRef idx="2">
+            <a:schemeClr val="accent1">
+              <a:shade val="50000"/>
+            </a:schemeClr>
+          </a:lnRef>
+          <a:fillRef idx="1">
+            <a:schemeClr val="accent1"/>
+          </a:fillRef>
+          <a:effectRef idx="0">
+            <a:schemeClr val="accent1"/>
+          </a:effectRef>
+          <a:fontRef idx="minor">
+            <a:schemeClr val="lt1"/>
+          </a:fontRef>
+        </p:style>
+      </p:sp>
+      <p:sp>
+        <p:nvSpPr>
+          <p:cNvPr id="8" name="Rectangle 7"/>
+          <p:cNvSpPr/>
+          <p:nvPr/>
+        </p:nvSpPr>
+        <p:spPr>
+          <a:xfrm>
+            <a:off x="15" y="6334316"/>
+            <a:ext cx="12188825" cy="64008"/>
+          </a:xfrm>
+          <a:prstGeom prst="rect">
+            <a:avLst/>
+          </a:prstGeom>
+          <a:solidFill>
+            <a:schemeClr val="accent1"/>
+          </a:solidFill>
+          <a:ln>
+            <a:noFill/>
+          </a:ln>
+        </p:spPr>
+        <p:style>
+          <a:lnRef idx="2">
+            <a:schemeClr val="accent1">
+              <a:shade val="50000"/>
+            </a:schemeClr>
+          </a:lnRef>
+          <a:fillRef idx="1">
+            <a:schemeClr val="accent1"/>
+          </a:fillRef>
+          <a:effectRef idx="0">
+            <a:schemeClr val="accent1"/>
+          </a:effectRef>
+          <a:fontRef idx="minor">
+            <a:schemeClr val="lt1"/>
+          </a:fontRef>
+        </p:style>
+      </p:sp>
+      <p:sp>
+        <p:nvSpPr>
+          <p:cNvPr id="2" name="Title 1"/>
+          <p:cNvSpPr>
+            <a:spLocks noGrp="1"/>
+          </p:cNvSpPr>
+          <p:nvPr>
+            <p:ph type="ctrTitle"/>
+          </p:nvPr>
+        </p:nvSpPr>
+        <p:spPr>
+          <a:xfrm>
+            <a:off x="1097280" y="758952"/>
+            <a:ext cx="10058400" cy="3566160"/>
           </a:xfrm>
         </p:spPr>
         <p:txBody>
-          <a:bodyPr anchor="b"/>
+          <a:bodyPr anchor="b">
+            <a:normAutofit/>
+          </a:bodyPr>
           <a:lstStyle>
-            <a:lvl1pPr algn="ctr">
-              <a:defRPr sz="6000"/>
+            <a:lvl1pPr algn="l">
+              <a:lnSpc>
+                <a:spcPct val="85000"/>
+              </a:lnSpc>
+              <a:defRPr sz="8000" spc="-50" baseline="0">
+                <a:solidFill>
+                  <a:schemeClr val="tx1">
+                    <a:lumMod val="85000"/>
+                    <a:lumOff val="15000"/>
+                  </a:schemeClr>
+                </a:solidFill>
+              </a:defRPr>
             </a:lvl1pPr>
           </a:lstStyle>
           <a:p>
@@ -607,19 +691,13 @@
               <a:rPr lang="en-US"/>
               <a:t>Click to edit Master title style</a:t>
             </a:r>
-            <a:endParaRPr lang="en-CA"/>
-          </a:p>
-        </p:txBody>
-      </p:sp>
-      <p:sp>
-        <p:nvSpPr>
-          <p:cNvPr id="3" name="Subtitle 2">
-            <a:extLst>
-              <a:ext uri="{FF2B5EF4-FFF2-40B4-BE49-F238E27FC236}">
-                <a16:creationId xmlns:a16="http://schemas.microsoft.com/office/drawing/2014/main" id="{3D5458C9-E349-61A4-60A1-CC979E1ABABB}"/>
-              </a:ext>
-            </a:extLst>
-          </p:cNvPr>
+            <a:endParaRPr lang="en-US" dirty="0"/>
+          </a:p>
+        </p:txBody>
+      </p:sp>
+      <p:sp>
+        <p:nvSpPr>
+          <p:cNvPr id="3" name="Subtitle 2"/>
           <p:cNvSpPr>
             <a:spLocks noGrp="1"/>
           </p:cNvSpPr>
@@ -629,48 +707,55 @@
         </p:nvSpPr>
         <p:spPr>
           <a:xfrm>
-            <a:off x="1524000" y="3602038"/>
-            <a:ext cx="9144000" cy="1655762"/>
+            <a:off x="1100051" y="4455620"/>
+            <a:ext cx="10058400" cy="1143000"/>
           </a:xfrm>
         </p:spPr>
         <p:txBody>
-          <a:bodyPr/>
+          <a:bodyPr lIns="91440" rIns="91440">
+            <a:normAutofit/>
+          </a:bodyPr>
           <a:lstStyle>
-            <a:lvl1pPr marL="0" indent="0" algn="ctr">
+            <a:lvl1pPr marL="0" indent="0" algn="l">
               <a:buNone/>
-              <a:defRPr sz="2400"/>
+              <a:defRPr sz="2400" cap="all" spc="200" baseline="0">
+                <a:solidFill>
+                  <a:schemeClr val="tx2"/>
+                </a:solidFill>
+                <a:latin typeface="+mj-lt"/>
+              </a:defRPr>
             </a:lvl1pPr>
             <a:lvl2pPr marL="457200" indent="0" algn="ctr">
               <a:buNone/>
-              <a:defRPr sz="2000"/>
+              <a:defRPr sz="2400"/>
             </a:lvl2pPr>
             <a:lvl3pPr marL="914400" indent="0" algn="ctr">
               <a:buNone/>
-              <a:defRPr sz="1800"/>
+              <a:defRPr sz="2400"/>
             </a:lvl3pPr>
             <a:lvl4pPr marL="1371600" indent="0" algn="ctr">
               <a:buNone/>
-              <a:defRPr sz="1600"/>
+              <a:defRPr sz="2000"/>
             </a:lvl4pPr>
             <a:lvl5pPr marL="1828800" indent="0" algn="ctr">
               <a:buNone/>
-              <a:defRPr sz="1600"/>
+              <a:defRPr sz="2000"/>
             </a:lvl5pPr>
             <a:lvl6pPr marL="2286000" indent="0" algn="ctr">
               <a:buNone/>
-              <a:defRPr sz="1600"/>
+              <a:defRPr sz="2000"/>
             </a:lvl6pPr>
             <a:lvl7pPr marL="2743200" indent="0" algn="ctr">
               <a:buNone/>
-              <a:defRPr sz="1600"/>
+              <a:defRPr sz="2000"/>
             </a:lvl7pPr>
             <a:lvl8pPr marL="3200400" indent="0" algn="ctr">
               <a:buNone/>
-              <a:defRPr sz="1600"/>
+              <a:defRPr sz="2000"/>
             </a:lvl8pPr>
             <a:lvl9pPr marL="3657600" indent="0" algn="ctr">
               <a:buNone/>
-              <a:defRPr sz="1600"/>
+              <a:defRPr sz="2000"/>
             </a:lvl9pPr>
           </a:lstStyle>
           <a:p>
@@ -678,19 +763,13 @@
               <a:rPr lang="en-US"/>
               <a:t>Click to edit Master subtitle style</a:t>
             </a:r>
-            <a:endParaRPr lang="en-CA"/>
-          </a:p>
-        </p:txBody>
-      </p:sp>
-      <p:sp>
-        <p:nvSpPr>
-          <p:cNvPr id="4" name="Date Placeholder 3">
-            <a:extLst>
-              <a:ext uri="{FF2B5EF4-FFF2-40B4-BE49-F238E27FC236}">
-                <a16:creationId xmlns:a16="http://schemas.microsoft.com/office/drawing/2014/main" id="{6095009C-9E0E-332E-BE25-D870BFD3B475}"/>
-              </a:ext>
-            </a:extLst>
-          </p:cNvPr>
+            <a:endParaRPr lang="en-US" dirty="0"/>
+          </a:p>
+        </p:txBody>
+      </p:sp>
+      <p:sp>
+        <p:nvSpPr>
+          <p:cNvPr id="4" name="Date Placeholder 3"/>
           <p:cNvSpPr>
             <a:spLocks noGrp="1"/>
           </p:cNvSpPr>
@@ -705,7 +784,7 @@
           <a:p>
             <a:fld id="{B53E77E9-A14F-480D-95BD-890CFC1F89A7}" type="datetimeFigureOut">
               <a:rPr lang="en-CA" smtClean="0"/>
-              <a:t>2025-01-02</a:t>
+              <a:t>2025-01-03</a:t>
             </a:fld>
             <a:endParaRPr lang="en-CA"/>
           </a:p>
@@ -713,13 +792,7 @@
       </p:sp>
       <p:sp>
         <p:nvSpPr>
-          <p:cNvPr id="5" name="Footer Placeholder 4">
-            <a:extLst>
-              <a:ext uri="{FF2B5EF4-FFF2-40B4-BE49-F238E27FC236}">
-                <a16:creationId xmlns:a16="http://schemas.microsoft.com/office/drawing/2014/main" id="{79ECFF06-DED8-108B-30DA-08FAE1F5C097}"/>
-              </a:ext>
-            </a:extLst>
-          </p:cNvPr>
+          <p:cNvPr id="5" name="Footer Placeholder 4"/>
           <p:cNvSpPr>
             <a:spLocks noGrp="1"/>
           </p:cNvSpPr>
@@ -738,13 +811,7 @@
       </p:sp>
       <p:sp>
         <p:nvSpPr>
-          <p:cNvPr id="6" name="Slide Number Placeholder 5">
-            <a:extLst>
-              <a:ext uri="{FF2B5EF4-FFF2-40B4-BE49-F238E27FC236}">
-                <a16:creationId xmlns:a16="http://schemas.microsoft.com/office/drawing/2014/main" id="{33F9CADF-DF92-4670-FF0D-B57D49DA8AF3}"/>
-              </a:ext>
-            </a:extLst>
-          </p:cNvPr>
+          <p:cNvPr id="6" name="Slide Number Placeholder 5"/>
           <p:cNvSpPr>
             <a:spLocks noGrp="1"/>
           </p:cNvSpPr>
@@ -765,10 +832,48 @@
           </a:p>
         </p:txBody>
       </p:sp>
+      <p:cxnSp>
+        <p:nvCxnSpPr>
+          <p:cNvPr id="9" name="Straight Connector 8"/>
+          <p:cNvCxnSpPr/>
+          <p:nvPr/>
+        </p:nvCxnSpPr>
+        <p:spPr>
+          <a:xfrm>
+            <a:off x="1207658" y="4343400"/>
+            <a:ext cx="9875520" cy="0"/>
+          </a:xfrm>
+          <a:prstGeom prst="line">
+            <a:avLst/>
+          </a:prstGeom>
+          <a:ln w="6350">
+            <a:solidFill>
+              <a:schemeClr val="tx1">
+                <a:lumMod val="50000"/>
+                <a:lumOff val="50000"/>
+              </a:schemeClr>
+            </a:solidFill>
+          </a:ln>
+        </p:spPr>
+        <p:style>
+          <a:lnRef idx="1">
+            <a:schemeClr val="accent1"/>
+          </a:lnRef>
+          <a:fillRef idx="0">
+            <a:schemeClr val="accent1"/>
+          </a:fillRef>
+          <a:effectRef idx="0">
+            <a:schemeClr val="accent1"/>
+          </a:effectRef>
+          <a:fontRef idx="minor">
+            <a:schemeClr val="tx1"/>
+          </a:fontRef>
+        </p:style>
+      </p:cxnSp>
     </p:spTree>
     <p:extLst>
       <p:ext uri="{BB962C8B-B14F-4D97-AF65-F5344CB8AC3E}">
-        <p14:creationId xmlns:p14="http://schemas.microsoft.com/office/powerpoint/2010/main" val="1343471404"/>
+        <p14:creationId xmlns:p14="http://schemas.microsoft.com/office/powerpoint/2010/main" val="1271808958"/>
       </p:ext>
     </p:extLst>
   </p:cSld>
@@ -797,13 +902,7 @@
       </p:grpSpPr>
       <p:sp>
         <p:nvSpPr>
-          <p:cNvPr id="2" name="Title 1">
-            <a:extLst>
-              <a:ext uri="{FF2B5EF4-FFF2-40B4-BE49-F238E27FC236}">
-                <a16:creationId xmlns:a16="http://schemas.microsoft.com/office/drawing/2014/main" id="{31AAAE0A-8A15-A4F7-06E6-B1683FE4D834}"/>
-              </a:ext>
-            </a:extLst>
-          </p:cNvPr>
+          <p:cNvPr id="2" name="Title 1"/>
           <p:cNvSpPr>
             <a:spLocks noGrp="1"/>
           </p:cNvSpPr>
@@ -820,19 +919,13 @@
               <a:rPr lang="en-US"/>
               <a:t>Click to edit Master title style</a:t>
             </a:r>
-            <a:endParaRPr lang="en-CA"/>
-          </a:p>
-        </p:txBody>
-      </p:sp>
-      <p:sp>
-        <p:nvSpPr>
-          <p:cNvPr id="3" name="Vertical Text Placeholder 2">
-            <a:extLst>
-              <a:ext uri="{FF2B5EF4-FFF2-40B4-BE49-F238E27FC236}">
-                <a16:creationId xmlns:a16="http://schemas.microsoft.com/office/drawing/2014/main" id="{4D3E3323-C7F8-9D16-0530-8C92981BCEB7}"/>
-              </a:ext>
-            </a:extLst>
-          </p:cNvPr>
+            <a:endParaRPr lang="en-US" dirty="0"/>
+          </a:p>
+        </p:txBody>
+      </p:sp>
+      <p:sp>
+        <p:nvSpPr>
+          <p:cNvPr id="3" name="Vertical Text Placeholder 2"/>
           <p:cNvSpPr>
             <a:spLocks noGrp="1"/>
           </p:cNvSpPr>
@@ -842,7 +935,7 @@
         </p:nvSpPr>
         <p:spPr/>
         <p:txBody>
-          <a:bodyPr vert="eaVert"/>
+          <a:bodyPr vert="eaVert" lIns="45720" tIns="0" rIns="45720" bIns="0"/>
           <a:lstStyle/>
           <a:p>
             <a:pPr lvl="0"/>
@@ -878,19 +971,13 @@
               <a:rPr lang="en-US"/>
               <a:t>Fifth level</a:t>
             </a:r>
-            <a:endParaRPr lang="en-CA"/>
-          </a:p>
-        </p:txBody>
-      </p:sp>
-      <p:sp>
-        <p:nvSpPr>
-          <p:cNvPr id="4" name="Date Placeholder 3">
-            <a:extLst>
-              <a:ext uri="{FF2B5EF4-FFF2-40B4-BE49-F238E27FC236}">
-                <a16:creationId xmlns:a16="http://schemas.microsoft.com/office/drawing/2014/main" id="{24E3B3D7-3565-0493-3BBB-7848FBE0BFA8}"/>
-              </a:ext>
-            </a:extLst>
-          </p:cNvPr>
+            <a:endParaRPr lang="en-US" dirty="0"/>
+          </a:p>
+        </p:txBody>
+      </p:sp>
+      <p:sp>
+        <p:nvSpPr>
+          <p:cNvPr id="4" name="Date Placeholder 3"/>
           <p:cNvSpPr>
             <a:spLocks noGrp="1"/>
           </p:cNvSpPr>
@@ -905,7 +992,7 @@
           <a:p>
             <a:fld id="{B53E77E9-A14F-480D-95BD-890CFC1F89A7}" type="datetimeFigureOut">
               <a:rPr lang="en-CA" smtClean="0"/>
-              <a:t>2025-01-02</a:t>
+              <a:t>2025-01-03</a:t>
             </a:fld>
             <a:endParaRPr lang="en-CA"/>
           </a:p>
@@ -913,13 +1000,7 @@
       </p:sp>
       <p:sp>
         <p:nvSpPr>
-          <p:cNvPr id="5" name="Footer Placeholder 4">
-            <a:extLst>
-              <a:ext uri="{FF2B5EF4-FFF2-40B4-BE49-F238E27FC236}">
-                <a16:creationId xmlns:a16="http://schemas.microsoft.com/office/drawing/2014/main" id="{96A54052-BFE5-1511-3516-94163FEBE161}"/>
-              </a:ext>
-            </a:extLst>
-          </p:cNvPr>
+          <p:cNvPr id="5" name="Footer Placeholder 4"/>
           <p:cNvSpPr>
             <a:spLocks noGrp="1"/>
           </p:cNvSpPr>
@@ -938,13 +1019,7 @@
       </p:sp>
       <p:sp>
         <p:nvSpPr>
-          <p:cNvPr id="6" name="Slide Number Placeholder 5">
-            <a:extLst>
-              <a:ext uri="{FF2B5EF4-FFF2-40B4-BE49-F238E27FC236}">
-                <a16:creationId xmlns:a16="http://schemas.microsoft.com/office/drawing/2014/main" id="{B9EB26C6-D0D0-FDBB-2452-1C9D70A3A16B}"/>
-              </a:ext>
-            </a:extLst>
-          </p:cNvPr>
+          <p:cNvPr id="6" name="Slide Number Placeholder 5"/>
           <p:cNvSpPr>
             <a:spLocks noGrp="1"/>
           </p:cNvSpPr>
@@ -968,7 +1043,7 @@
     </p:spTree>
     <p:extLst>
       <p:ext uri="{BB962C8B-B14F-4D97-AF65-F5344CB8AC3E}">
-        <p14:creationId xmlns:p14="http://schemas.microsoft.com/office/powerpoint/2010/main" val="2799270166"/>
+        <p14:creationId xmlns:p14="http://schemas.microsoft.com/office/powerpoint/2010/main" val="733158429"/>
       </p:ext>
     </p:extLst>
   </p:cSld>
@@ -979,7 +1054,7 @@
 </file>
 
 <file path=ppt/slideLayouts/slideLayout11.xml><?xml version="1.0" encoding="utf-8"?>
-<p:sldLayout xmlns:a="http://schemas.openxmlformats.org/drawingml/2006/main" xmlns:r="http://schemas.openxmlformats.org/officeDocument/2006/relationships" xmlns:p="http://schemas.openxmlformats.org/presentationml/2006/main" type="vertTitleAndTx" preserve="1">
+<p:sldLayout xmlns:a="http://schemas.openxmlformats.org/drawingml/2006/main" xmlns:r="http://schemas.openxmlformats.org/officeDocument/2006/relationships" xmlns:p="http://schemas.openxmlformats.org/presentationml/2006/main" showMasterSp="0" type="vertTitleAndTx" preserve="1">
   <p:cSld name="Vertical Title and Text">
     <p:spTree>
       <p:nvGrpSpPr>
@@ -997,24 +1072,94 @@
       </p:grpSpPr>
       <p:sp>
         <p:nvSpPr>
-          <p:cNvPr id="2" name="Vertical Title 1">
-            <a:extLst>
-              <a:ext uri="{FF2B5EF4-FFF2-40B4-BE49-F238E27FC236}">
-                <a16:creationId xmlns:a16="http://schemas.microsoft.com/office/drawing/2014/main" id="{999287C7-FC2F-79AF-D576-FF4DE613C209}"/>
-              </a:ext>
-            </a:extLst>
-          </p:cNvPr>
-          <p:cNvSpPr>
-            <a:spLocks noGrp="1"/>
-          </p:cNvSpPr>
-          <p:nvPr>
-            <p:ph type="title" orient="vert"/>
-          </p:nvPr>
+          <p:cNvPr id="7" name="Rectangle 6"/>
+          <p:cNvSpPr/>
+          <p:nvPr/>
         </p:nvSpPr>
         <p:spPr>
           <a:xfrm>
-            <a:off x="8724900" y="365125"/>
-            <a:ext cx="2628900" cy="5811838"/>
+            <a:off x="3175" y="6400800"/>
+            <a:ext cx="12188825" cy="457200"/>
+          </a:xfrm>
+          <a:prstGeom prst="rect">
+            <a:avLst/>
+          </a:prstGeom>
+          <a:solidFill>
+            <a:schemeClr val="accent2"/>
+          </a:solidFill>
+          <a:ln>
+            <a:noFill/>
+          </a:ln>
+        </p:spPr>
+        <p:style>
+          <a:lnRef idx="2">
+            <a:schemeClr val="accent1">
+              <a:shade val="50000"/>
+            </a:schemeClr>
+          </a:lnRef>
+          <a:fillRef idx="1">
+            <a:schemeClr val="accent1"/>
+          </a:fillRef>
+          <a:effectRef idx="0">
+            <a:schemeClr val="accent1"/>
+          </a:effectRef>
+          <a:fontRef idx="minor">
+            <a:schemeClr val="lt1"/>
+          </a:fontRef>
+        </p:style>
+      </p:sp>
+      <p:sp>
+        <p:nvSpPr>
+          <p:cNvPr id="8" name="Rectangle 7"/>
+          <p:cNvSpPr/>
+          <p:nvPr/>
+        </p:nvSpPr>
+        <p:spPr>
+          <a:xfrm>
+            <a:off x="15" y="6334316"/>
+            <a:ext cx="12188825" cy="64008"/>
+          </a:xfrm>
+          <a:prstGeom prst="rect">
+            <a:avLst/>
+          </a:prstGeom>
+          <a:solidFill>
+            <a:schemeClr val="accent1"/>
+          </a:solidFill>
+          <a:ln>
+            <a:noFill/>
+          </a:ln>
+        </p:spPr>
+        <p:style>
+          <a:lnRef idx="2">
+            <a:schemeClr val="accent1">
+              <a:shade val="50000"/>
+            </a:schemeClr>
+          </a:lnRef>
+          <a:fillRef idx="1">
+            <a:schemeClr val="accent1"/>
+          </a:fillRef>
+          <a:effectRef idx="0">
+            <a:schemeClr val="accent1"/>
+          </a:effectRef>
+          <a:fontRef idx="minor">
+            <a:schemeClr val="lt1"/>
+          </a:fontRef>
+        </p:style>
+      </p:sp>
+      <p:sp>
+        <p:nvSpPr>
+          <p:cNvPr id="2" name="Vertical Title 1"/>
+          <p:cNvSpPr>
+            <a:spLocks noGrp="1"/>
+          </p:cNvSpPr>
+          <p:nvPr>
+            <p:ph type="title" orient="vert"/>
+          </p:nvPr>
+        </p:nvSpPr>
+        <p:spPr>
+          <a:xfrm>
+            <a:off x="8724900" y="414778"/>
+            <a:ext cx="2628900" cy="5757421"/>
           </a:xfrm>
         </p:spPr>
         <p:txBody>
@@ -1025,19 +1170,13 @@
               <a:rPr lang="en-US"/>
               <a:t>Click to edit Master title style</a:t>
             </a:r>
-            <a:endParaRPr lang="en-CA"/>
-          </a:p>
-        </p:txBody>
-      </p:sp>
-      <p:sp>
-        <p:nvSpPr>
-          <p:cNvPr id="3" name="Vertical Text Placeholder 2">
-            <a:extLst>
-              <a:ext uri="{FF2B5EF4-FFF2-40B4-BE49-F238E27FC236}">
-                <a16:creationId xmlns:a16="http://schemas.microsoft.com/office/drawing/2014/main" id="{B31EEB14-6959-20A6-FEF6-21FFB089D573}"/>
-              </a:ext>
-            </a:extLst>
-          </p:cNvPr>
+            <a:endParaRPr lang="en-US" dirty="0"/>
+          </a:p>
+        </p:txBody>
+      </p:sp>
+      <p:sp>
+        <p:nvSpPr>
+          <p:cNvPr id="3" name="Vertical Text Placeholder 2"/>
           <p:cNvSpPr>
             <a:spLocks noGrp="1"/>
           </p:cNvSpPr>
@@ -1047,12 +1186,12 @@
         </p:nvSpPr>
         <p:spPr>
           <a:xfrm>
-            <a:off x="838200" y="365125"/>
-            <a:ext cx="7734300" cy="5811838"/>
+            <a:off x="838200" y="414778"/>
+            <a:ext cx="7734300" cy="5757422"/>
           </a:xfrm>
         </p:spPr>
         <p:txBody>
-          <a:bodyPr vert="eaVert"/>
+          <a:bodyPr vert="eaVert" lIns="45720" tIns="0" rIns="45720" bIns="0"/>
           <a:lstStyle/>
           <a:p>
             <a:pPr lvl="0"/>
@@ -1088,19 +1227,13 @@
               <a:rPr lang="en-US"/>
               <a:t>Fifth level</a:t>
             </a:r>
-            <a:endParaRPr lang="en-CA"/>
-          </a:p>
-        </p:txBody>
-      </p:sp>
-      <p:sp>
-        <p:nvSpPr>
-          <p:cNvPr id="4" name="Date Placeholder 3">
-            <a:extLst>
-              <a:ext uri="{FF2B5EF4-FFF2-40B4-BE49-F238E27FC236}">
-                <a16:creationId xmlns:a16="http://schemas.microsoft.com/office/drawing/2014/main" id="{0BD4868E-48BA-F974-5CFF-A4F468C0DCB8}"/>
-              </a:ext>
-            </a:extLst>
-          </p:cNvPr>
+            <a:endParaRPr lang="en-US" dirty="0"/>
+          </a:p>
+        </p:txBody>
+      </p:sp>
+      <p:sp>
+        <p:nvSpPr>
+          <p:cNvPr id="4" name="Date Placeholder 3"/>
           <p:cNvSpPr>
             <a:spLocks noGrp="1"/>
           </p:cNvSpPr>
@@ -1115,7 +1248,7 @@
           <a:p>
             <a:fld id="{B53E77E9-A14F-480D-95BD-890CFC1F89A7}" type="datetimeFigureOut">
               <a:rPr lang="en-CA" smtClean="0"/>
-              <a:t>2025-01-02</a:t>
+              <a:t>2025-01-03</a:t>
             </a:fld>
             <a:endParaRPr lang="en-CA"/>
           </a:p>
@@ -1123,13 +1256,7 @@
       </p:sp>
       <p:sp>
         <p:nvSpPr>
-          <p:cNvPr id="5" name="Footer Placeholder 4">
-            <a:extLst>
-              <a:ext uri="{FF2B5EF4-FFF2-40B4-BE49-F238E27FC236}">
-                <a16:creationId xmlns:a16="http://schemas.microsoft.com/office/drawing/2014/main" id="{671997F9-2D19-CC8F-6A29-0703FF5DFD6E}"/>
-              </a:ext>
-            </a:extLst>
-          </p:cNvPr>
+          <p:cNvPr id="5" name="Footer Placeholder 4"/>
           <p:cNvSpPr>
             <a:spLocks noGrp="1"/>
           </p:cNvSpPr>
@@ -1148,13 +1275,7 @@
       </p:sp>
       <p:sp>
         <p:nvSpPr>
-          <p:cNvPr id="6" name="Slide Number Placeholder 5">
-            <a:extLst>
-              <a:ext uri="{FF2B5EF4-FFF2-40B4-BE49-F238E27FC236}">
-                <a16:creationId xmlns:a16="http://schemas.microsoft.com/office/drawing/2014/main" id="{2BBF5958-CE01-A635-5CCF-A75D67BBED68}"/>
-              </a:ext>
-            </a:extLst>
-          </p:cNvPr>
+          <p:cNvPr id="6" name="Slide Number Placeholder 5"/>
           <p:cNvSpPr>
             <a:spLocks noGrp="1"/>
           </p:cNvSpPr>
@@ -1178,7 +1299,7 @@
     </p:spTree>
     <p:extLst>
       <p:ext uri="{BB962C8B-B14F-4D97-AF65-F5344CB8AC3E}">
-        <p14:creationId xmlns:p14="http://schemas.microsoft.com/office/powerpoint/2010/main" val="3135542873"/>
+        <p14:creationId xmlns:p14="http://schemas.microsoft.com/office/powerpoint/2010/main" val="424392456"/>
       </p:ext>
     </p:extLst>
   </p:cSld>
@@ -1207,13 +1328,7 @@
       </p:grpSpPr>
       <p:sp>
         <p:nvSpPr>
-          <p:cNvPr id="2" name="Title 1">
-            <a:extLst>
-              <a:ext uri="{FF2B5EF4-FFF2-40B4-BE49-F238E27FC236}">
-                <a16:creationId xmlns:a16="http://schemas.microsoft.com/office/drawing/2014/main" id="{695366D8-D340-DEB8-C95F-14EC1F3283A1}"/>
-              </a:ext>
-            </a:extLst>
-          </p:cNvPr>
+          <p:cNvPr id="2" name="Title 1"/>
           <p:cNvSpPr>
             <a:spLocks noGrp="1"/>
           </p:cNvSpPr>
@@ -1224,25 +1339,23 @@
         <p:spPr/>
         <p:txBody>
           <a:bodyPr/>
-          <a:lstStyle/>
+          <a:lstStyle>
+            <a:lvl1pPr marL="0">
+              <a:defRPr/>
+            </a:lvl1pPr>
+          </a:lstStyle>
           <a:p>
             <a:r>
               <a:rPr lang="en-US"/>
               <a:t>Click to edit Master title style</a:t>
             </a:r>
-            <a:endParaRPr lang="en-CA"/>
-          </a:p>
-        </p:txBody>
-      </p:sp>
-      <p:sp>
-        <p:nvSpPr>
-          <p:cNvPr id="3" name="Content Placeholder 2">
-            <a:extLst>
-              <a:ext uri="{FF2B5EF4-FFF2-40B4-BE49-F238E27FC236}">
-                <a16:creationId xmlns:a16="http://schemas.microsoft.com/office/drawing/2014/main" id="{98D5439C-121C-A88C-D0A0-AF925E001455}"/>
-              </a:ext>
-            </a:extLst>
-          </p:cNvPr>
+            <a:endParaRPr lang="en-US" dirty="0"/>
+          </a:p>
+        </p:txBody>
+      </p:sp>
+      <p:sp>
+        <p:nvSpPr>
+          <p:cNvPr id="3" name="Content Placeholder 2"/>
           <p:cNvSpPr>
             <a:spLocks noGrp="1"/>
           </p:cNvSpPr>
@@ -1288,19 +1401,13 @@
               <a:rPr lang="en-US"/>
               <a:t>Fifth level</a:t>
             </a:r>
-            <a:endParaRPr lang="en-CA"/>
-          </a:p>
-        </p:txBody>
-      </p:sp>
-      <p:sp>
-        <p:nvSpPr>
-          <p:cNvPr id="4" name="Date Placeholder 3">
-            <a:extLst>
-              <a:ext uri="{FF2B5EF4-FFF2-40B4-BE49-F238E27FC236}">
-                <a16:creationId xmlns:a16="http://schemas.microsoft.com/office/drawing/2014/main" id="{BE5E2B8F-1AAE-B9B2-7DBF-DD506A9AE704}"/>
-              </a:ext>
-            </a:extLst>
-          </p:cNvPr>
+            <a:endParaRPr lang="en-US" dirty="0"/>
+          </a:p>
+        </p:txBody>
+      </p:sp>
+      <p:sp>
+        <p:nvSpPr>
+          <p:cNvPr id="4" name="Date Placeholder 3"/>
           <p:cNvSpPr>
             <a:spLocks noGrp="1"/>
           </p:cNvSpPr>
@@ -1315,7 +1422,7 @@
           <a:p>
             <a:fld id="{B53E77E9-A14F-480D-95BD-890CFC1F89A7}" type="datetimeFigureOut">
               <a:rPr lang="en-CA" smtClean="0"/>
-              <a:t>2025-01-02</a:t>
+              <a:t>2025-01-03</a:t>
             </a:fld>
             <a:endParaRPr lang="en-CA"/>
           </a:p>
@@ -1323,13 +1430,7 @@
       </p:sp>
       <p:sp>
         <p:nvSpPr>
-          <p:cNvPr id="5" name="Footer Placeholder 4">
-            <a:extLst>
-              <a:ext uri="{FF2B5EF4-FFF2-40B4-BE49-F238E27FC236}">
-                <a16:creationId xmlns:a16="http://schemas.microsoft.com/office/drawing/2014/main" id="{A24F0E88-B1A8-9014-0BE5-C6A9CA8BAFAD}"/>
-              </a:ext>
-            </a:extLst>
-          </p:cNvPr>
+          <p:cNvPr id="5" name="Footer Placeholder 4"/>
           <p:cNvSpPr>
             <a:spLocks noGrp="1"/>
           </p:cNvSpPr>
@@ -1348,13 +1449,7 @@
       </p:sp>
       <p:sp>
         <p:nvSpPr>
-          <p:cNvPr id="6" name="Slide Number Placeholder 5">
-            <a:extLst>
-              <a:ext uri="{FF2B5EF4-FFF2-40B4-BE49-F238E27FC236}">
-                <a16:creationId xmlns:a16="http://schemas.microsoft.com/office/drawing/2014/main" id="{A2A7D207-B0E2-D1A8-F04E-54A4C6C371D3}"/>
-              </a:ext>
-            </a:extLst>
-          </p:cNvPr>
+          <p:cNvPr id="6" name="Slide Number Placeholder 5"/>
           <p:cNvSpPr>
             <a:spLocks noGrp="1"/>
           </p:cNvSpPr>
@@ -1378,7 +1473,7 @@
     </p:spTree>
     <p:extLst>
       <p:ext uri="{BB962C8B-B14F-4D97-AF65-F5344CB8AC3E}">
-        <p14:creationId xmlns:p14="http://schemas.microsoft.com/office/powerpoint/2010/main" val="3943577209"/>
+        <p14:creationId xmlns:p14="http://schemas.microsoft.com/office/powerpoint/2010/main" val="546063275"/>
       </p:ext>
     </p:extLst>
   </p:cSld>
@@ -1389,8 +1484,16 @@
 </file>
 
 <file path=ppt/slideLayouts/slideLayout3.xml><?xml version="1.0" encoding="utf-8"?>
-<p:sldLayout xmlns:a="http://schemas.openxmlformats.org/drawingml/2006/main" xmlns:r="http://schemas.openxmlformats.org/officeDocument/2006/relationships" xmlns:p="http://schemas.openxmlformats.org/presentationml/2006/main" type="secHead" preserve="1">
+<p:sldLayout xmlns:a="http://schemas.openxmlformats.org/drawingml/2006/main" xmlns:r="http://schemas.openxmlformats.org/officeDocument/2006/relationships" xmlns:p="http://schemas.openxmlformats.org/presentationml/2006/main" showMasterSp="0" type="secHead" preserve="1">
   <p:cSld name="Section Header">
+    <p:bg>
+      <p:bgPr>
+        <a:solidFill>
+          <a:schemeClr val="bg1"/>
+        </a:solidFill>
+        <a:effectLst/>
+      </p:bgPr>
+    </p:bg>
     <p:spTree>
       <p:nvGrpSpPr>
         <p:cNvPr id="1" name=""/>
@@ -1407,80 +1510,157 @@
       </p:grpSpPr>
       <p:sp>
         <p:nvSpPr>
-          <p:cNvPr id="2" name="Title 1">
-            <a:extLst>
-              <a:ext uri="{FF2B5EF4-FFF2-40B4-BE49-F238E27FC236}">
-                <a16:creationId xmlns:a16="http://schemas.microsoft.com/office/drawing/2014/main" id="{3CD96F0F-A316-CEF1-B899-65366D4D0E39}"/>
-              </a:ext>
-            </a:extLst>
-          </p:cNvPr>
-          <p:cNvSpPr>
-            <a:spLocks noGrp="1"/>
-          </p:cNvSpPr>
-          <p:nvPr>
-            <p:ph type="title"/>
-          </p:nvPr>
+          <p:cNvPr id="7" name="Rectangle 6"/>
+          <p:cNvSpPr/>
+          <p:nvPr/>
         </p:nvSpPr>
         <p:spPr>
           <a:xfrm>
-            <a:off x="831850" y="1709738"/>
-            <a:ext cx="10515600" cy="2852737"/>
+            <a:off x="3175" y="6400800"/>
+            <a:ext cx="12188825" cy="457200"/>
+          </a:xfrm>
+          <a:prstGeom prst="rect">
+            <a:avLst/>
+          </a:prstGeom>
+          <a:solidFill>
+            <a:schemeClr val="accent2"/>
+          </a:solidFill>
+          <a:ln>
+            <a:noFill/>
+          </a:ln>
+        </p:spPr>
+        <p:style>
+          <a:lnRef idx="2">
+            <a:schemeClr val="accent1">
+              <a:shade val="50000"/>
+            </a:schemeClr>
+          </a:lnRef>
+          <a:fillRef idx="1">
+            <a:schemeClr val="accent1"/>
+          </a:fillRef>
+          <a:effectRef idx="0">
+            <a:schemeClr val="accent1"/>
+          </a:effectRef>
+          <a:fontRef idx="minor">
+            <a:schemeClr val="lt1"/>
+          </a:fontRef>
+        </p:style>
+      </p:sp>
+      <p:sp>
+        <p:nvSpPr>
+          <p:cNvPr id="8" name="Rectangle 7"/>
+          <p:cNvSpPr/>
+          <p:nvPr/>
+        </p:nvSpPr>
+        <p:spPr>
+          <a:xfrm>
+            <a:off x="15" y="6334316"/>
+            <a:ext cx="12188825" cy="64008"/>
+          </a:xfrm>
+          <a:prstGeom prst="rect">
+            <a:avLst/>
+          </a:prstGeom>
+          <a:solidFill>
+            <a:schemeClr val="accent1"/>
+          </a:solidFill>
+          <a:ln>
+            <a:noFill/>
+          </a:ln>
+        </p:spPr>
+        <p:style>
+          <a:lnRef idx="2">
+            <a:schemeClr val="accent1">
+              <a:shade val="50000"/>
+            </a:schemeClr>
+          </a:lnRef>
+          <a:fillRef idx="1">
+            <a:schemeClr val="accent1"/>
+          </a:fillRef>
+          <a:effectRef idx="0">
+            <a:schemeClr val="accent1"/>
+          </a:effectRef>
+          <a:fontRef idx="minor">
+            <a:schemeClr val="lt1"/>
+          </a:fontRef>
+        </p:style>
+      </p:sp>
+      <p:sp>
+        <p:nvSpPr>
+          <p:cNvPr id="2" name="Title 1"/>
+          <p:cNvSpPr>
+            <a:spLocks noGrp="1"/>
+          </p:cNvSpPr>
+          <p:nvPr>
+            <p:ph type="title"/>
+          </p:nvPr>
+        </p:nvSpPr>
+        <p:spPr>
+          <a:xfrm>
+            <a:off x="1097280" y="758952"/>
+            <a:ext cx="10058400" cy="3566160"/>
           </a:xfrm>
         </p:spPr>
         <p:txBody>
-          <a:bodyPr anchor="b"/>
+          <a:bodyPr anchor="b" anchorCtr="0">
+            <a:normAutofit/>
+          </a:bodyPr>
           <a:lstStyle>
             <a:lvl1pPr>
-              <a:defRPr sz="6000"/>
-            </a:lvl1pPr>
-          </a:lstStyle>
-          <a:p>
-            <a:r>
-              <a:rPr lang="en-US"/>
-              <a:t>Click to edit Master title style</a:t>
-            </a:r>
-            <a:endParaRPr lang="en-CA"/>
-          </a:p>
-        </p:txBody>
-      </p:sp>
-      <p:sp>
-        <p:nvSpPr>
-          <p:cNvPr id="3" name="Text Placeholder 2">
-            <a:extLst>
-              <a:ext uri="{FF2B5EF4-FFF2-40B4-BE49-F238E27FC236}">
-                <a16:creationId xmlns:a16="http://schemas.microsoft.com/office/drawing/2014/main" id="{9B98B941-BFE4-9681-5E12-FB17A33B9943}"/>
-              </a:ext>
-            </a:extLst>
-          </p:cNvPr>
-          <p:cNvSpPr>
-            <a:spLocks noGrp="1"/>
-          </p:cNvSpPr>
-          <p:nvPr>
-            <p:ph type="body" idx="1"/>
-          </p:nvPr>
-        </p:nvSpPr>
-        <p:spPr>
-          <a:xfrm>
-            <a:off x="831850" y="4589463"/>
-            <a:ext cx="10515600" cy="1500187"/>
-          </a:xfrm>
-        </p:spPr>
-        <p:txBody>
-          <a:bodyPr/>
-          <a:lstStyle>
-            <a:lvl1pPr marL="0" indent="0">
-              <a:buNone/>
-              <a:defRPr sz="2400">
+              <a:lnSpc>
+                <a:spcPct val="85000"/>
+              </a:lnSpc>
+              <a:defRPr sz="8000" b="0">
                 <a:solidFill>
                   <a:schemeClr val="tx1">
-                    <a:tint val="75000"/>
+                    <a:lumMod val="85000"/>
+                    <a:lumOff val="15000"/>
                   </a:schemeClr>
                 </a:solidFill>
               </a:defRPr>
             </a:lvl1pPr>
+          </a:lstStyle>
+          <a:p>
+            <a:r>
+              <a:rPr lang="en-US"/>
+              <a:t>Click to edit Master title style</a:t>
+            </a:r>
+            <a:endParaRPr lang="en-US" dirty="0"/>
+          </a:p>
+        </p:txBody>
+      </p:sp>
+      <p:sp>
+        <p:nvSpPr>
+          <p:cNvPr id="3" name="Text Placeholder 2"/>
+          <p:cNvSpPr>
+            <a:spLocks noGrp="1"/>
+          </p:cNvSpPr>
+          <p:nvPr>
+            <p:ph type="body" idx="1"/>
+          </p:nvPr>
+        </p:nvSpPr>
+        <p:spPr>
+          <a:xfrm>
+            <a:off x="1097280" y="4453128"/>
+            <a:ext cx="10058400" cy="1143000"/>
+          </a:xfrm>
+        </p:spPr>
+        <p:txBody>
+          <a:bodyPr lIns="91440" rIns="91440" anchor="t" anchorCtr="0">
+            <a:normAutofit/>
+          </a:bodyPr>
+          <a:lstStyle>
+            <a:lvl1pPr marL="0" indent="0">
+              <a:buNone/>
+              <a:defRPr sz="2400" cap="all" spc="200" baseline="0">
+                <a:solidFill>
+                  <a:schemeClr val="tx2"/>
+                </a:solidFill>
+                <a:latin typeface="+mj-lt"/>
+              </a:defRPr>
+            </a:lvl1pPr>
             <a:lvl2pPr marL="457200" indent="0">
               <a:buNone/>
-              <a:defRPr sz="2000">
+              <a:defRPr sz="1800">
                 <a:solidFill>
                   <a:schemeClr val="tx1">
                     <a:tint val="75000"/>
@@ -1490,7 +1670,7 @@
             </a:lvl2pPr>
             <a:lvl3pPr marL="914400" indent="0">
               <a:buNone/>
-              <a:defRPr sz="1800">
+              <a:defRPr sz="1600">
                 <a:solidFill>
                   <a:schemeClr val="tx1">
                     <a:tint val="75000"/>
@@ -1500,7 +1680,7 @@
             </a:lvl3pPr>
             <a:lvl4pPr marL="1371600" indent="0">
               <a:buNone/>
-              <a:defRPr sz="1600">
+              <a:defRPr sz="1400">
                 <a:solidFill>
                   <a:schemeClr val="tx1">
                     <a:tint val="75000"/>
@@ -1510,7 +1690,7 @@
             </a:lvl4pPr>
             <a:lvl5pPr marL="1828800" indent="0">
               <a:buNone/>
-              <a:defRPr sz="1600">
+              <a:defRPr sz="1400">
                 <a:solidFill>
                   <a:schemeClr val="tx1">
                     <a:tint val="75000"/>
@@ -1520,7 +1700,7 @@
             </a:lvl5pPr>
             <a:lvl6pPr marL="2286000" indent="0">
               <a:buNone/>
-              <a:defRPr sz="1600">
+              <a:defRPr sz="1400">
                 <a:solidFill>
                   <a:schemeClr val="tx1">
                     <a:tint val="75000"/>
@@ -1530,7 +1710,7 @@
             </a:lvl6pPr>
             <a:lvl7pPr marL="2743200" indent="0">
               <a:buNone/>
-              <a:defRPr sz="1600">
+              <a:defRPr sz="1400">
                 <a:solidFill>
                   <a:schemeClr val="tx1">
                     <a:tint val="75000"/>
@@ -1540,7 +1720,7 @@
             </a:lvl7pPr>
             <a:lvl8pPr marL="3200400" indent="0">
               <a:buNone/>
-              <a:defRPr sz="1600">
+              <a:defRPr sz="1400">
                 <a:solidFill>
                   <a:schemeClr val="tx1">
                     <a:tint val="75000"/>
@@ -1550,7 +1730,7 @@
             </a:lvl8pPr>
             <a:lvl9pPr marL="3657600" indent="0">
               <a:buNone/>
-              <a:defRPr sz="1600">
+              <a:defRPr sz="1400">
                 <a:solidFill>
                   <a:schemeClr val="tx1">
                     <a:tint val="75000"/>
@@ -1570,13 +1750,7 @@
       </p:sp>
       <p:sp>
         <p:nvSpPr>
-          <p:cNvPr id="4" name="Date Placeholder 3">
-            <a:extLst>
-              <a:ext uri="{FF2B5EF4-FFF2-40B4-BE49-F238E27FC236}">
-                <a16:creationId xmlns:a16="http://schemas.microsoft.com/office/drawing/2014/main" id="{610CB43A-AE3D-6028-42AE-CD8EE3806A99}"/>
-              </a:ext>
-            </a:extLst>
-          </p:cNvPr>
+          <p:cNvPr id="4" name="Date Placeholder 3"/>
           <p:cNvSpPr>
             <a:spLocks noGrp="1"/>
           </p:cNvSpPr>
@@ -1591,7 +1765,7 @@
           <a:p>
             <a:fld id="{B53E77E9-A14F-480D-95BD-890CFC1F89A7}" type="datetimeFigureOut">
               <a:rPr lang="en-CA" smtClean="0"/>
-              <a:t>2025-01-02</a:t>
+              <a:t>2025-01-03</a:t>
             </a:fld>
             <a:endParaRPr lang="en-CA"/>
           </a:p>
@@ -1599,13 +1773,7 @@
       </p:sp>
       <p:sp>
         <p:nvSpPr>
-          <p:cNvPr id="5" name="Footer Placeholder 4">
-            <a:extLst>
-              <a:ext uri="{FF2B5EF4-FFF2-40B4-BE49-F238E27FC236}">
-                <a16:creationId xmlns:a16="http://schemas.microsoft.com/office/drawing/2014/main" id="{DB54B127-C611-1449-2773-DFFA4488546D}"/>
-              </a:ext>
-            </a:extLst>
-          </p:cNvPr>
+          <p:cNvPr id="5" name="Footer Placeholder 4"/>
           <p:cNvSpPr>
             <a:spLocks noGrp="1"/>
           </p:cNvSpPr>
@@ -1624,13 +1792,7 @@
       </p:sp>
       <p:sp>
         <p:nvSpPr>
-          <p:cNvPr id="6" name="Slide Number Placeholder 5">
-            <a:extLst>
-              <a:ext uri="{FF2B5EF4-FFF2-40B4-BE49-F238E27FC236}">
-                <a16:creationId xmlns:a16="http://schemas.microsoft.com/office/drawing/2014/main" id="{BE640C57-CD0E-57AB-D8F8-1A1182C302AE}"/>
-              </a:ext>
-            </a:extLst>
-          </p:cNvPr>
+          <p:cNvPr id="6" name="Slide Number Placeholder 5"/>
           <p:cNvSpPr>
             <a:spLocks noGrp="1"/>
           </p:cNvSpPr>
@@ -1651,10 +1813,48 @@
           </a:p>
         </p:txBody>
       </p:sp>
+      <p:cxnSp>
+        <p:nvCxnSpPr>
+          <p:cNvPr id="9" name="Straight Connector 8"/>
+          <p:cNvCxnSpPr/>
+          <p:nvPr/>
+        </p:nvCxnSpPr>
+        <p:spPr>
+          <a:xfrm>
+            <a:off x="1207658" y="4343400"/>
+            <a:ext cx="9875520" cy="0"/>
+          </a:xfrm>
+          <a:prstGeom prst="line">
+            <a:avLst/>
+          </a:prstGeom>
+          <a:ln w="6350">
+            <a:solidFill>
+              <a:schemeClr val="tx1">
+                <a:lumMod val="50000"/>
+                <a:lumOff val="50000"/>
+              </a:schemeClr>
+            </a:solidFill>
+          </a:ln>
+        </p:spPr>
+        <p:style>
+          <a:lnRef idx="1">
+            <a:schemeClr val="accent1"/>
+          </a:lnRef>
+          <a:fillRef idx="0">
+            <a:schemeClr val="accent1"/>
+          </a:fillRef>
+          <a:effectRef idx="0">
+            <a:schemeClr val="accent1"/>
+          </a:effectRef>
+          <a:fontRef idx="minor">
+            <a:schemeClr val="tx1"/>
+          </a:fontRef>
+        </p:style>
+      </p:cxnSp>
     </p:spTree>
     <p:extLst>
       <p:ext uri="{BB962C8B-B14F-4D97-AF65-F5344CB8AC3E}">
-        <p14:creationId xmlns:p14="http://schemas.microsoft.com/office/powerpoint/2010/main" val="3586203049"/>
+        <p14:creationId xmlns:p14="http://schemas.microsoft.com/office/powerpoint/2010/main" val="1069803623"/>
       </p:ext>
     </p:extLst>
   </p:cSld>
@@ -1683,116 +1883,46 @@
       </p:grpSpPr>
       <p:sp>
         <p:nvSpPr>
-          <p:cNvPr id="2" name="Title 1">
-            <a:extLst>
-              <a:ext uri="{FF2B5EF4-FFF2-40B4-BE49-F238E27FC236}">
-                <a16:creationId xmlns:a16="http://schemas.microsoft.com/office/drawing/2014/main" id="{3DCD6553-0A11-1867-07FF-D3FB767B6DDD}"/>
-              </a:ext>
-            </a:extLst>
-          </p:cNvPr>
+          <p:cNvPr id="8" name="Title 7"/>
           <p:cNvSpPr>
             <a:spLocks noGrp="1"/>
           </p:cNvSpPr>
           <p:nvPr>
             <p:ph type="title"/>
-          </p:nvPr>
-        </p:nvSpPr>
-        <p:spPr/>
-        <p:txBody>
-          <a:bodyPr/>
-          <a:lstStyle/>
-          <a:p>
-            <a:r>
-              <a:rPr lang="en-US"/>
-              <a:t>Click to edit Master title style</a:t>
-            </a:r>
-            <a:endParaRPr lang="en-CA"/>
-          </a:p>
-        </p:txBody>
-      </p:sp>
-      <p:sp>
-        <p:nvSpPr>
-          <p:cNvPr id="3" name="Content Placeholder 2">
-            <a:extLst>
-              <a:ext uri="{FF2B5EF4-FFF2-40B4-BE49-F238E27FC236}">
-                <a16:creationId xmlns:a16="http://schemas.microsoft.com/office/drawing/2014/main" id="{67C4CFB1-124C-1565-E833-7828C5197E69}"/>
-              </a:ext>
-            </a:extLst>
-          </p:cNvPr>
-          <p:cNvSpPr>
-            <a:spLocks noGrp="1"/>
-          </p:cNvSpPr>
-          <p:nvPr>
-            <p:ph sz="half" idx="1"/>
           </p:nvPr>
         </p:nvSpPr>
         <p:spPr>
           <a:xfrm>
-            <a:off x="838200" y="1825625"/>
-            <a:ext cx="5181600" cy="4351338"/>
+            <a:off x="1097280" y="286603"/>
+            <a:ext cx="10058400" cy="1450757"/>
           </a:xfrm>
         </p:spPr>
         <p:txBody>
           <a:bodyPr/>
           <a:lstStyle/>
           <a:p>
-            <a:pPr lvl="0"/>
-            <a:r>
-              <a:rPr lang="en-US"/>
-              <a:t>Click to edit Master text styles</a:t>
-            </a:r>
-          </a:p>
-          <a:p>
-            <a:pPr lvl="1"/>
-            <a:r>
-              <a:rPr lang="en-US"/>
-              <a:t>Second level</a:t>
-            </a:r>
-          </a:p>
-          <a:p>
-            <a:pPr lvl="2"/>
-            <a:r>
-              <a:rPr lang="en-US"/>
-              <a:t>Third level</a:t>
-            </a:r>
-          </a:p>
-          <a:p>
-            <a:pPr lvl="3"/>
-            <a:r>
-              <a:rPr lang="en-US"/>
-              <a:t>Fourth level</a:t>
-            </a:r>
-          </a:p>
-          <a:p>
-            <a:pPr lvl="4"/>
-            <a:r>
-              <a:rPr lang="en-US"/>
-              <a:t>Fifth level</a:t>
-            </a:r>
-            <a:endParaRPr lang="en-CA"/>
-          </a:p>
-        </p:txBody>
-      </p:sp>
-      <p:sp>
-        <p:nvSpPr>
-          <p:cNvPr id="4" name="Content Placeholder 3">
-            <a:extLst>
-              <a:ext uri="{FF2B5EF4-FFF2-40B4-BE49-F238E27FC236}">
-                <a16:creationId xmlns:a16="http://schemas.microsoft.com/office/drawing/2014/main" id="{9AD86D05-23C3-8DDF-6613-B8D6FC6C9C42}"/>
-              </a:ext>
-            </a:extLst>
-          </p:cNvPr>
-          <p:cNvSpPr>
-            <a:spLocks noGrp="1"/>
-          </p:cNvSpPr>
-          <p:nvPr>
-            <p:ph sz="half" idx="2"/>
+            <a:r>
+              <a:rPr lang="en-US"/>
+              <a:t>Click to edit Master title style</a:t>
+            </a:r>
+            <a:endParaRPr lang="en-US" dirty="0"/>
+          </a:p>
+        </p:txBody>
+      </p:sp>
+      <p:sp>
+        <p:nvSpPr>
+          <p:cNvPr id="3" name="Content Placeholder 2"/>
+          <p:cNvSpPr>
+            <a:spLocks noGrp="1"/>
+          </p:cNvSpPr>
+          <p:nvPr>
+            <p:ph sz="half" idx="1"/>
           </p:nvPr>
         </p:nvSpPr>
         <p:spPr>
           <a:xfrm>
-            <a:off x="6172200" y="1825625"/>
-            <a:ext cx="5181600" cy="4351338"/>
+            <a:off x="1097279" y="1845734"/>
+            <a:ext cx="4937760" cy="4023360"/>
           </a:xfrm>
         </p:spPr>
         <p:txBody>
@@ -1832,19 +1962,70 @@
               <a:rPr lang="en-US"/>
               <a:t>Fifth level</a:t>
             </a:r>
-            <a:endParaRPr lang="en-CA"/>
-          </a:p>
-        </p:txBody>
-      </p:sp>
-      <p:sp>
-        <p:nvSpPr>
-          <p:cNvPr id="5" name="Date Placeholder 4">
-            <a:extLst>
-              <a:ext uri="{FF2B5EF4-FFF2-40B4-BE49-F238E27FC236}">
-                <a16:creationId xmlns:a16="http://schemas.microsoft.com/office/drawing/2014/main" id="{908CAEAF-C6F7-F6C9-7487-D358DD80F6AC}"/>
-              </a:ext>
-            </a:extLst>
-          </p:cNvPr>
+            <a:endParaRPr lang="en-US" dirty="0"/>
+          </a:p>
+        </p:txBody>
+      </p:sp>
+      <p:sp>
+        <p:nvSpPr>
+          <p:cNvPr id="4" name="Content Placeholder 3"/>
+          <p:cNvSpPr>
+            <a:spLocks noGrp="1"/>
+          </p:cNvSpPr>
+          <p:nvPr>
+            <p:ph sz="half" idx="2"/>
+          </p:nvPr>
+        </p:nvSpPr>
+        <p:spPr>
+          <a:xfrm>
+            <a:off x="6217920" y="1845735"/>
+            <a:ext cx="4937760" cy="4023360"/>
+          </a:xfrm>
+        </p:spPr>
+        <p:txBody>
+          <a:bodyPr/>
+          <a:lstStyle/>
+          <a:p>
+            <a:pPr lvl="0"/>
+            <a:r>
+              <a:rPr lang="en-US"/>
+              <a:t>Click to edit Master text styles</a:t>
+            </a:r>
+          </a:p>
+          <a:p>
+            <a:pPr lvl="1"/>
+            <a:r>
+              <a:rPr lang="en-US"/>
+              <a:t>Second level</a:t>
+            </a:r>
+          </a:p>
+          <a:p>
+            <a:pPr lvl="2"/>
+            <a:r>
+              <a:rPr lang="en-US"/>
+              <a:t>Third level</a:t>
+            </a:r>
+          </a:p>
+          <a:p>
+            <a:pPr lvl="3"/>
+            <a:r>
+              <a:rPr lang="en-US"/>
+              <a:t>Fourth level</a:t>
+            </a:r>
+          </a:p>
+          <a:p>
+            <a:pPr lvl="4"/>
+            <a:r>
+              <a:rPr lang="en-US"/>
+              <a:t>Fifth level</a:t>
+            </a:r>
+            <a:endParaRPr lang="en-US" dirty="0"/>
+          </a:p>
+        </p:txBody>
+      </p:sp>
+      <p:sp>
+        <p:nvSpPr>
+          <p:cNvPr id="5" name="Date Placeholder 4"/>
           <p:cNvSpPr>
             <a:spLocks noGrp="1"/>
           </p:cNvSpPr>
@@ -1859,7 +2040,7 @@
           <a:p>
             <a:fld id="{B53E77E9-A14F-480D-95BD-890CFC1F89A7}" type="datetimeFigureOut">
               <a:rPr lang="en-CA" smtClean="0"/>
-              <a:t>2025-01-02</a:t>
+              <a:t>2025-01-03</a:t>
             </a:fld>
             <a:endParaRPr lang="en-CA"/>
           </a:p>
@@ -1867,13 +2048,7 @@
       </p:sp>
       <p:sp>
         <p:nvSpPr>
-          <p:cNvPr id="6" name="Footer Placeholder 5">
-            <a:extLst>
-              <a:ext uri="{FF2B5EF4-FFF2-40B4-BE49-F238E27FC236}">
-                <a16:creationId xmlns:a16="http://schemas.microsoft.com/office/drawing/2014/main" id="{98C9FF59-FE00-B6AA-F09C-E46A4AE67156}"/>
-              </a:ext>
-            </a:extLst>
-          </p:cNvPr>
+          <p:cNvPr id="6" name="Footer Placeholder 5"/>
           <p:cNvSpPr>
             <a:spLocks noGrp="1"/>
           </p:cNvSpPr>
@@ -1892,13 +2067,7 @@
       </p:sp>
       <p:sp>
         <p:nvSpPr>
-          <p:cNvPr id="7" name="Slide Number Placeholder 6">
-            <a:extLst>
-              <a:ext uri="{FF2B5EF4-FFF2-40B4-BE49-F238E27FC236}">
-                <a16:creationId xmlns:a16="http://schemas.microsoft.com/office/drawing/2014/main" id="{D0D381BB-7CDE-1EE5-76D4-311BBAE13996}"/>
-              </a:ext>
-            </a:extLst>
-          </p:cNvPr>
+          <p:cNvPr id="7" name="Slide Number Placeholder 6"/>
           <p:cNvSpPr>
             <a:spLocks noGrp="1"/>
           </p:cNvSpPr>
@@ -1922,7 +2091,7 @@
     </p:spTree>
     <p:extLst>
       <p:ext uri="{BB962C8B-B14F-4D97-AF65-F5344CB8AC3E}">
-        <p14:creationId xmlns:p14="http://schemas.microsoft.com/office/powerpoint/2010/main" val="3138026218"/>
+        <p14:creationId xmlns:p14="http://schemas.microsoft.com/office/powerpoint/2010/main" val="4066473389"/>
       </p:ext>
     </p:extLst>
   </p:cSld>
@@ -1951,13 +2120,7 @@
       </p:grpSpPr>
       <p:sp>
         <p:nvSpPr>
-          <p:cNvPr id="2" name="Title 1">
-            <a:extLst>
-              <a:ext uri="{FF2B5EF4-FFF2-40B4-BE49-F238E27FC236}">
-                <a16:creationId xmlns:a16="http://schemas.microsoft.com/office/drawing/2014/main" id="{DF116C5B-9EA8-FDDB-FAA6-A4F9DC20D3AA}"/>
-              </a:ext>
-            </a:extLst>
-          </p:cNvPr>
+          <p:cNvPr id="10" name="Title 9"/>
           <p:cNvSpPr>
             <a:spLocks noGrp="1"/>
           </p:cNvSpPr>
@@ -1967,8 +2130,8 @@
         </p:nvSpPr>
         <p:spPr>
           <a:xfrm>
-            <a:off x="839788" y="365125"/>
-            <a:ext cx="10515600" cy="1325563"/>
+            <a:off x="1097280" y="286603"/>
+            <a:ext cx="10058400" cy="1450757"/>
           </a:xfrm>
         </p:spPr>
         <p:txBody>
@@ -1979,19 +2142,13 @@
               <a:rPr lang="en-US"/>
               <a:t>Click to edit Master title style</a:t>
             </a:r>
-            <a:endParaRPr lang="en-CA"/>
-          </a:p>
-        </p:txBody>
-      </p:sp>
-      <p:sp>
-        <p:nvSpPr>
-          <p:cNvPr id="3" name="Text Placeholder 2">
-            <a:extLst>
-              <a:ext uri="{FF2B5EF4-FFF2-40B4-BE49-F238E27FC236}">
-                <a16:creationId xmlns:a16="http://schemas.microsoft.com/office/drawing/2014/main" id="{D1AC6492-E95C-AA3A-38DF-6B206B91ECBA}"/>
-              </a:ext>
-            </a:extLst>
-          </p:cNvPr>
+            <a:endParaRPr lang="en-US" dirty="0"/>
+          </a:p>
+        </p:txBody>
+      </p:sp>
+      <p:sp>
+        <p:nvSpPr>
+          <p:cNvPr id="3" name="Text Placeholder 2"/>
           <p:cNvSpPr>
             <a:spLocks noGrp="1"/>
           </p:cNvSpPr>
@@ -2001,16 +2158,22 @@
         </p:nvSpPr>
         <p:spPr>
           <a:xfrm>
-            <a:off x="839788" y="1681163"/>
-            <a:ext cx="5157787" cy="823912"/>
+            <a:off x="1097280" y="1846052"/>
+            <a:ext cx="4937760" cy="736282"/>
           </a:xfrm>
         </p:spPr>
         <p:txBody>
-          <a:bodyPr anchor="b"/>
+          <a:bodyPr lIns="91440" rIns="91440" anchor="ctr">
+            <a:normAutofit/>
+          </a:bodyPr>
           <a:lstStyle>
             <a:lvl1pPr marL="0" indent="0">
               <a:buNone/>
-              <a:defRPr sz="2400" b="1"/>
+              <a:defRPr sz="2000" b="0" cap="all" baseline="0">
+                <a:solidFill>
+                  <a:schemeClr val="tx2"/>
+                </a:solidFill>
+              </a:defRPr>
             </a:lvl1pPr>
             <a:lvl2pPr marL="457200" indent="0">
               <a:buNone/>
@@ -2056,13 +2219,7 @@
       </p:sp>
       <p:sp>
         <p:nvSpPr>
-          <p:cNvPr id="4" name="Content Placeholder 3">
-            <a:extLst>
-              <a:ext uri="{FF2B5EF4-FFF2-40B4-BE49-F238E27FC236}">
-                <a16:creationId xmlns:a16="http://schemas.microsoft.com/office/drawing/2014/main" id="{0F30D585-3091-84FF-019A-7D4E69F5D9AE}"/>
-              </a:ext>
-            </a:extLst>
-          </p:cNvPr>
+          <p:cNvPr id="4" name="Content Placeholder 3"/>
           <p:cNvSpPr>
             <a:spLocks noGrp="1"/>
           </p:cNvSpPr>
@@ -2072,8 +2229,8 @@
         </p:nvSpPr>
         <p:spPr>
           <a:xfrm>
-            <a:off x="839788" y="2505075"/>
-            <a:ext cx="5157787" cy="3684588"/>
+            <a:off x="1097280" y="2582334"/>
+            <a:ext cx="4937760" cy="3378200"/>
           </a:xfrm>
         </p:spPr>
         <p:txBody>
@@ -2113,19 +2270,13 @@
               <a:rPr lang="en-US"/>
               <a:t>Fifth level</a:t>
             </a:r>
-            <a:endParaRPr lang="en-CA"/>
-          </a:p>
-        </p:txBody>
-      </p:sp>
-      <p:sp>
-        <p:nvSpPr>
-          <p:cNvPr id="5" name="Text Placeholder 4">
-            <a:extLst>
-              <a:ext uri="{FF2B5EF4-FFF2-40B4-BE49-F238E27FC236}">
-                <a16:creationId xmlns:a16="http://schemas.microsoft.com/office/drawing/2014/main" id="{250869A7-B386-B851-C07E-D7249E3DA3B8}"/>
-              </a:ext>
-            </a:extLst>
-          </p:cNvPr>
+            <a:endParaRPr lang="en-US" dirty="0"/>
+          </a:p>
+        </p:txBody>
+      </p:sp>
+      <p:sp>
+        <p:nvSpPr>
+          <p:cNvPr id="5" name="Text Placeholder 4"/>
           <p:cNvSpPr>
             <a:spLocks noGrp="1"/>
           </p:cNvSpPr>
@@ -2135,16 +2286,22 @@
         </p:nvSpPr>
         <p:spPr>
           <a:xfrm>
-            <a:off x="6172200" y="1681163"/>
-            <a:ext cx="5183188" cy="823912"/>
+            <a:off x="6217920" y="1846052"/>
+            <a:ext cx="4937760" cy="736282"/>
           </a:xfrm>
         </p:spPr>
         <p:txBody>
-          <a:bodyPr anchor="b"/>
+          <a:bodyPr lIns="91440" rIns="91440" anchor="ctr">
+            <a:normAutofit/>
+          </a:bodyPr>
           <a:lstStyle>
             <a:lvl1pPr marL="0" indent="0">
               <a:buNone/>
-              <a:defRPr sz="2400" b="1"/>
+              <a:defRPr sz="2000" b="0" cap="all" baseline="0">
+                <a:solidFill>
+                  <a:schemeClr val="tx2"/>
+                </a:solidFill>
+              </a:defRPr>
             </a:lvl1pPr>
             <a:lvl2pPr marL="457200" indent="0">
               <a:buNone/>
@@ -2190,13 +2347,7 @@
       </p:sp>
       <p:sp>
         <p:nvSpPr>
-          <p:cNvPr id="6" name="Content Placeholder 5">
-            <a:extLst>
-              <a:ext uri="{FF2B5EF4-FFF2-40B4-BE49-F238E27FC236}">
-                <a16:creationId xmlns:a16="http://schemas.microsoft.com/office/drawing/2014/main" id="{B645DE28-5DAC-D219-5323-79F51B634467}"/>
-              </a:ext>
-            </a:extLst>
-          </p:cNvPr>
+          <p:cNvPr id="6" name="Content Placeholder 5"/>
           <p:cNvSpPr>
             <a:spLocks noGrp="1"/>
           </p:cNvSpPr>
@@ -2206,8 +2357,8 @@
         </p:nvSpPr>
         <p:spPr>
           <a:xfrm>
-            <a:off x="6172200" y="2505075"/>
-            <a:ext cx="5183188" cy="3684588"/>
+            <a:off x="6217920" y="2582334"/>
+            <a:ext cx="4937760" cy="3378200"/>
           </a:xfrm>
         </p:spPr>
         <p:txBody>
@@ -2247,19 +2398,13 @@
               <a:rPr lang="en-US"/>
               <a:t>Fifth level</a:t>
             </a:r>
-            <a:endParaRPr lang="en-CA"/>
-          </a:p>
-        </p:txBody>
-      </p:sp>
-      <p:sp>
-        <p:nvSpPr>
-          <p:cNvPr id="7" name="Date Placeholder 6">
-            <a:extLst>
-              <a:ext uri="{FF2B5EF4-FFF2-40B4-BE49-F238E27FC236}">
-                <a16:creationId xmlns:a16="http://schemas.microsoft.com/office/drawing/2014/main" id="{EE8E1CDE-404F-B449-F006-A89EF050D697}"/>
-              </a:ext>
-            </a:extLst>
-          </p:cNvPr>
+            <a:endParaRPr lang="en-US" dirty="0"/>
+          </a:p>
+        </p:txBody>
+      </p:sp>
+      <p:sp>
+        <p:nvSpPr>
+          <p:cNvPr id="7" name="Date Placeholder 6"/>
           <p:cNvSpPr>
             <a:spLocks noGrp="1"/>
           </p:cNvSpPr>
@@ -2274,7 +2419,7 @@
           <a:p>
             <a:fld id="{B53E77E9-A14F-480D-95BD-890CFC1F89A7}" type="datetimeFigureOut">
               <a:rPr lang="en-CA" smtClean="0"/>
-              <a:t>2025-01-02</a:t>
+              <a:t>2025-01-03</a:t>
             </a:fld>
             <a:endParaRPr lang="en-CA"/>
           </a:p>
@@ -2282,13 +2427,7 @@
       </p:sp>
       <p:sp>
         <p:nvSpPr>
-          <p:cNvPr id="8" name="Footer Placeholder 7">
-            <a:extLst>
-              <a:ext uri="{FF2B5EF4-FFF2-40B4-BE49-F238E27FC236}">
-                <a16:creationId xmlns:a16="http://schemas.microsoft.com/office/drawing/2014/main" id="{15B31B61-3658-A04B-36A1-6D15DCB64A96}"/>
-              </a:ext>
-            </a:extLst>
-          </p:cNvPr>
+          <p:cNvPr id="8" name="Footer Placeholder 7"/>
           <p:cNvSpPr>
             <a:spLocks noGrp="1"/>
           </p:cNvSpPr>
@@ -2307,13 +2446,7 @@
       </p:sp>
       <p:sp>
         <p:nvSpPr>
-          <p:cNvPr id="9" name="Slide Number Placeholder 8">
-            <a:extLst>
-              <a:ext uri="{FF2B5EF4-FFF2-40B4-BE49-F238E27FC236}">
-                <a16:creationId xmlns:a16="http://schemas.microsoft.com/office/drawing/2014/main" id="{9570C0C0-32AD-8B18-5CC6-BB2256FB2ACB}"/>
-              </a:ext>
-            </a:extLst>
-          </p:cNvPr>
+          <p:cNvPr id="9" name="Slide Number Placeholder 8"/>
           <p:cNvSpPr>
             <a:spLocks noGrp="1"/>
           </p:cNvSpPr>
@@ -2337,7 +2470,7 @@
     </p:spTree>
     <p:extLst>
       <p:ext uri="{BB962C8B-B14F-4D97-AF65-F5344CB8AC3E}">
-        <p14:creationId xmlns:p14="http://schemas.microsoft.com/office/powerpoint/2010/main" val="790212052"/>
+        <p14:creationId xmlns:p14="http://schemas.microsoft.com/office/powerpoint/2010/main" val="3073176849"/>
       </p:ext>
     </p:extLst>
   </p:cSld>
@@ -2366,13 +2499,7 @@
       </p:grpSpPr>
       <p:sp>
         <p:nvSpPr>
-          <p:cNvPr id="2" name="Title 1">
-            <a:extLst>
-              <a:ext uri="{FF2B5EF4-FFF2-40B4-BE49-F238E27FC236}">
-                <a16:creationId xmlns:a16="http://schemas.microsoft.com/office/drawing/2014/main" id="{171F5BEC-FB73-A78C-4927-871F633B1AA3}"/>
-              </a:ext>
-            </a:extLst>
-          </p:cNvPr>
+          <p:cNvPr id="2" name="Title 1"/>
           <p:cNvSpPr>
             <a:spLocks noGrp="1"/>
           </p:cNvSpPr>
@@ -2389,19 +2516,13 @@
               <a:rPr lang="en-US"/>
               <a:t>Click to edit Master title style</a:t>
             </a:r>
-            <a:endParaRPr lang="en-CA"/>
-          </a:p>
-        </p:txBody>
-      </p:sp>
-      <p:sp>
-        <p:nvSpPr>
-          <p:cNvPr id="3" name="Date Placeholder 2">
-            <a:extLst>
-              <a:ext uri="{FF2B5EF4-FFF2-40B4-BE49-F238E27FC236}">
-                <a16:creationId xmlns:a16="http://schemas.microsoft.com/office/drawing/2014/main" id="{85D5A27D-B5F1-8F57-66F3-E535B675D00C}"/>
-              </a:ext>
-            </a:extLst>
-          </p:cNvPr>
+            <a:endParaRPr lang="en-US" dirty="0"/>
+          </a:p>
+        </p:txBody>
+      </p:sp>
+      <p:sp>
+        <p:nvSpPr>
+          <p:cNvPr id="3" name="Date Placeholder 2"/>
           <p:cNvSpPr>
             <a:spLocks noGrp="1"/>
           </p:cNvSpPr>
@@ -2416,7 +2537,7 @@
           <a:p>
             <a:fld id="{B53E77E9-A14F-480D-95BD-890CFC1F89A7}" type="datetimeFigureOut">
               <a:rPr lang="en-CA" smtClean="0"/>
-              <a:t>2025-01-02</a:t>
+              <a:t>2025-01-03</a:t>
             </a:fld>
             <a:endParaRPr lang="en-CA"/>
           </a:p>
@@ -2424,13 +2545,7 @@
       </p:sp>
       <p:sp>
         <p:nvSpPr>
-          <p:cNvPr id="4" name="Footer Placeholder 3">
-            <a:extLst>
-              <a:ext uri="{FF2B5EF4-FFF2-40B4-BE49-F238E27FC236}">
-                <a16:creationId xmlns:a16="http://schemas.microsoft.com/office/drawing/2014/main" id="{B6B68983-3D28-8069-F6F7-978BED06F343}"/>
-              </a:ext>
-            </a:extLst>
-          </p:cNvPr>
+          <p:cNvPr id="4" name="Footer Placeholder 3"/>
           <p:cNvSpPr>
             <a:spLocks noGrp="1"/>
           </p:cNvSpPr>
@@ -2449,13 +2564,7 @@
       </p:sp>
       <p:sp>
         <p:nvSpPr>
-          <p:cNvPr id="5" name="Slide Number Placeholder 4">
-            <a:extLst>
-              <a:ext uri="{FF2B5EF4-FFF2-40B4-BE49-F238E27FC236}">
-                <a16:creationId xmlns:a16="http://schemas.microsoft.com/office/drawing/2014/main" id="{360BFD39-93C1-A60E-E1E1-C7A149DFF7D2}"/>
-              </a:ext>
-            </a:extLst>
-          </p:cNvPr>
+          <p:cNvPr id="5" name="Slide Number Placeholder 4"/>
           <p:cNvSpPr>
             <a:spLocks noGrp="1"/>
           </p:cNvSpPr>
@@ -2479,7 +2588,7 @@
     </p:spTree>
     <p:extLst>
       <p:ext uri="{BB962C8B-B14F-4D97-AF65-F5344CB8AC3E}">
-        <p14:creationId xmlns:p14="http://schemas.microsoft.com/office/powerpoint/2010/main" val="3694873044"/>
+        <p14:creationId xmlns:p14="http://schemas.microsoft.com/office/powerpoint/2010/main" val="2327124953"/>
       </p:ext>
     </p:extLst>
   </p:cSld>
@@ -2490,7 +2599,7 @@
 </file>
 
 <file path=ppt/slideLayouts/slideLayout7.xml><?xml version="1.0" encoding="utf-8"?>
-<p:sldLayout xmlns:a="http://schemas.openxmlformats.org/drawingml/2006/main" xmlns:r="http://schemas.openxmlformats.org/officeDocument/2006/relationships" xmlns:p="http://schemas.openxmlformats.org/presentationml/2006/main" type="blank" preserve="1">
+<p:sldLayout xmlns:a="http://schemas.openxmlformats.org/drawingml/2006/main" xmlns:r="http://schemas.openxmlformats.org/officeDocument/2006/relationships" xmlns:p="http://schemas.openxmlformats.org/presentationml/2006/main" showMasterSp="0" type="blank" preserve="1">
   <p:cSld name="Blank">
     <p:spTree>
       <p:nvGrpSpPr>
@@ -2508,13 +2617,83 @@
       </p:grpSpPr>
       <p:sp>
         <p:nvSpPr>
-          <p:cNvPr id="2" name="Date Placeholder 1">
-            <a:extLst>
-              <a:ext uri="{FF2B5EF4-FFF2-40B4-BE49-F238E27FC236}">
-                <a16:creationId xmlns:a16="http://schemas.microsoft.com/office/drawing/2014/main" id="{80B64604-3E57-D0D2-C635-AC4B4F398E9C}"/>
-              </a:ext>
-            </a:extLst>
-          </p:cNvPr>
+          <p:cNvPr id="5" name="Rectangle 4"/>
+          <p:cNvSpPr/>
+          <p:nvPr/>
+        </p:nvSpPr>
+        <p:spPr>
+          <a:xfrm>
+            <a:off x="3175" y="6400800"/>
+            <a:ext cx="12188825" cy="457200"/>
+          </a:xfrm>
+          <a:prstGeom prst="rect">
+            <a:avLst/>
+          </a:prstGeom>
+          <a:solidFill>
+            <a:schemeClr val="accent2"/>
+          </a:solidFill>
+          <a:ln>
+            <a:noFill/>
+          </a:ln>
+        </p:spPr>
+        <p:style>
+          <a:lnRef idx="2">
+            <a:schemeClr val="accent1">
+              <a:shade val="50000"/>
+            </a:schemeClr>
+          </a:lnRef>
+          <a:fillRef idx="1">
+            <a:schemeClr val="accent1"/>
+          </a:fillRef>
+          <a:effectRef idx="0">
+            <a:schemeClr val="accent1"/>
+          </a:effectRef>
+          <a:fontRef idx="minor">
+            <a:schemeClr val="lt1"/>
+          </a:fontRef>
+        </p:style>
+      </p:sp>
+      <p:sp>
+        <p:nvSpPr>
+          <p:cNvPr id="6" name="Rectangle 5"/>
+          <p:cNvSpPr/>
+          <p:nvPr/>
+        </p:nvSpPr>
+        <p:spPr>
+          <a:xfrm>
+            <a:off x="15" y="6334316"/>
+            <a:ext cx="12188825" cy="64008"/>
+          </a:xfrm>
+          <a:prstGeom prst="rect">
+            <a:avLst/>
+          </a:prstGeom>
+          <a:solidFill>
+            <a:schemeClr val="accent1"/>
+          </a:solidFill>
+          <a:ln>
+            <a:noFill/>
+          </a:ln>
+        </p:spPr>
+        <p:style>
+          <a:lnRef idx="2">
+            <a:schemeClr val="accent1">
+              <a:shade val="50000"/>
+            </a:schemeClr>
+          </a:lnRef>
+          <a:fillRef idx="1">
+            <a:schemeClr val="accent1"/>
+          </a:fillRef>
+          <a:effectRef idx="0">
+            <a:schemeClr val="accent1"/>
+          </a:effectRef>
+          <a:fontRef idx="minor">
+            <a:schemeClr val="lt1"/>
+          </a:fontRef>
+        </p:style>
+      </p:sp>
+      <p:sp>
+        <p:nvSpPr>
+          <p:cNvPr id="7" name="Date Placeholder 6"/>
           <p:cNvSpPr>
             <a:spLocks noGrp="1"/>
           </p:cNvSpPr>
@@ -2529,7 +2708,7 @@
           <a:p>
             <a:fld id="{B53E77E9-A14F-480D-95BD-890CFC1F89A7}" type="datetimeFigureOut">
               <a:rPr lang="en-CA" smtClean="0"/>
-              <a:t>2025-01-02</a:t>
+              <a:t>2025-01-03</a:t>
             </a:fld>
             <a:endParaRPr lang="en-CA"/>
           </a:p>
@@ -2537,13 +2716,7 @@
       </p:sp>
       <p:sp>
         <p:nvSpPr>
-          <p:cNvPr id="3" name="Footer Placeholder 2">
-            <a:extLst>
-              <a:ext uri="{FF2B5EF4-FFF2-40B4-BE49-F238E27FC236}">
-                <a16:creationId xmlns:a16="http://schemas.microsoft.com/office/drawing/2014/main" id="{140C9C20-B682-0AD6-D999-8C6E24A67E5D}"/>
-              </a:ext>
-            </a:extLst>
-          </p:cNvPr>
+          <p:cNvPr id="8" name="Footer Placeholder 7"/>
           <p:cNvSpPr>
             <a:spLocks noGrp="1"/>
           </p:cNvSpPr>
@@ -2554,7 +2727,15 @@
         <p:spPr/>
         <p:txBody>
           <a:bodyPr/>
-          <a:lstStyle/>
+          <a:lstStyle>
+            <a:lvl1pPr>
+              <a:defRPr>
+                <a:solidFill>
+                  <a:srgbClr val="FFFFFF"/>
+                </a:solidFill>
+              </a:defRPr>
+            </a:lvl1pPr>
+          </a:lstStyle>
           <a:p>
             <a:endParaRPr lang="en-CA"/>
           </a:p>
@@ -2562,13 +2743,7 @@
       </p:sp>
       <p:sp>
         <p:nvSpPr>
-          <p:cNvPr id="4" name="Slide Number Placeholder 3">
-            <a:extLst>
-              <a:ext uri="{FF2B5EF4-FFF2-40B4-BE49-F238E27FC236}">
-                <a16:creationId xmlns:a16="http://schemas.microsoft.com/office/drawing/2014/main" id="{C09570EE-C210-2A36-AEE6-80D28C1B8F48}"/>
-              </a:ext>
-            </a:extLst>
-          </p:cNvPr>
+          <p:cNvPr id="9" name="Slide Number Placeholder 8"/>
           <p:cNvSpPr>
             <a:spLocks noGrp="1"/>
           </p:cNvSpPr>
@@ -2592,7 +2767,7 @@
     </p:spTree>
     <p:extLst>
       <p:ext uri="{BB962C8B-B14F-4D97-AF65-F5344CB8AC3E}">
-        <p14:creationId xmlns:p14="http://schemas.microsoft.com/office/powerpoint/2010/main" val="3007547466"/>
+        <p14:creationId xmlns:p14="http://schemas.microsoft.com/office/powerpoint/2010/main" val="1585562503"/>
       </p:ext>
     </p:extLst>
   </p:cSld>
@@ -2603,7 +2778,7 @@
 </file>
 
 <file path=ppt/slideLayouts/slideLayout8.xml><?xml version="1.0" encoding="utf-8"?>
-<p:sldLayout xmlns:a="http://schemas.openxmlformats.org/drawingml/2006/main" xmlns:r="http://schemas.openxmlformats.org/officeDocument/2006/relationships" xmlns:p="http://schemas.openxmlformats.org/presentationml/2006/main" type="objTx" preserve="1">
+<p:sldLayout xmlns:a="http://schemas.openxmlformats.org/drawingml/2006/main" xmlns:r="http://schemas.openxmlformats.org/officeDocument/2006/relationships" xmlns:p="http://schemas.openxmlformats.org/presentationml/2006/main" showMasterSp="0" type="objTx" preserve="1">
   <p:cSld name="Content with Caption">
     <p:spTree>
       <p:nvGrpSpPr>
@@ -2621,31 +2796,107 @@
       </p:grpSpPr>
       <p:sp>
         <p:nvSpPr>
-          <p:cNvPr id="2" name="Title 1">
-            <a:extLst>
-              <a:ext uri="{FF2B5EF4-FFF2-40B4-BE49-F238E27FC236}">
-                <a16:creationId xmlns:a16="http://schemas.microsoft.com/office/drawing/2014/main" id="{7BB5B20A-E684-9C37-6779-88D1D5B65A9A}"/>
-              </a:ext>
-            </a:extLst>
-          </p:cNvPr>
-          <p:cNvSpPr>
-            <a:spLocks noGrp="1"/>
-          </p:cNvSpPr>
-          <p:nvPr>
-            <p:ph type="title"/>
-          </p:nvPr>
+          <p:cNvPr id="8" name="Rectangle 7"/>
+          <p:cNvSpPr/>
+          <p:nvPr/>
         </p:nvSpPr>
         <p:spPr>
           <a:xfrm>
-            <a:off x="839788" y="457200"/>
-            <a:ext cx="3932237" cy="1600200"/>
+            <a:off x="16" y="0"/>
+            <a:ext cx="4050791" cy="6858000"/>
+          </a:xfrm>
+          <a:prstGeom prst="rect">
+            <a:avLst/>
+          </a:prstGeom>
+          <a:solidFill>
+            <a:schemeClr val="accent2"/>
+          </a:solidFill>
+          <a:ln>
+            <a:noFill/>
+          </a:ln>
+        </p:spPr>
+        <p:style>
+          <a:lnRef idx="2">
+            <a:schemeClr val="accent1">
+              <a:shade val="50000"/>
+            </a:schemeClr>
+          </a:lnRef>
+          <a:fillRef idx="1">
+            <a:schemeClr val="accent1"/>
+          </a:fillRef>
+          <a:effectRef idx="0">
+            <a:schemeClr val="accent1"/>
+          </a:effectRef>
+          <a:fontRef idx="minor">
+            <a:schemeClr val="lt1"/>
+          </a:fontRef>
+        </p:style>
+      </p:sp>
+      <p:sp>
+        <p:nvSpPr>
+          <p:cNvPr id="9" name="Rectangle 8"/>
+          <p:cNvSpPr/>
+          <p:nvPr/>
+        </p:nvSpPr>
+        <p:spPr>
+          <a:xfrm>
+            <a:off x="4040071" y="0"/>
+            <a:ext cx="64008" cy="6858000"/>
+          </a:xfrm>
+          <a:prstGeom prst="rect">
+            <a:avLst/>
+          </a:prstGeom>
+          <a:solidFill>
+            <a:schemeClr val="accent1"/>
+          </a:solidFill>
+          <a:ln>
+            <a:noFill/>
+          </a:ln>
+        </p:spPr>
+        <p:style>
+          <a:lnRef idx="2">
+            <a:schemeClr val="accent1">
+              <a:shade val="50000"/>
+            </a:schemeClr>
+          </a:lnRef>
+          <a:fillRef idx="1">
+            <a:schemeClr val="accent1"/>
+          </a:fillRef>
+          <a:effectRef idx="0">
+            <a:schemeClr val="accent1"/>
+          </a:effectRef>
+          <a:fontRef idx="minor">
+            <a:schemeClr val="lt1"/>
+          </a:fontRef>
+        </p:style>
+      </p:sp>
+      <p:sp>
+        <p:nvSpPr>
+          <p:cNvPr id="2" name="Title 1"/>
+          <p:cNvSpPr>
+            <a:spLocks noGrp="1"/>
+          </p:cNvSpPr>
+          <p:nvPr>
+            <p:ph type="title"/>
+          </p:nvPr>
+        </p:nvSpPr>
+        <p:spPr>
+          <a:xfrm>
+            <a:off x="457200" y="594359"/>
+            <a:ext cx="3200400" cy="2286000"/>
           </a:xfrm>
         </p:spPr>
         <p:txBody>
-          <a:bodyPr anchor="b"/>
+          <a:bodyPr anchor="b">
+            <a:normAutofit/>
+          </a:bodyPr>
           <a:lstStyle>
             <a:lvl1pPr>
-              <a:defRPr sz="3200"/>
+              <a:defRPr sz="3600" b="0">
+                <a:solidFill>
+                  <a:srgbClr val="FFFFFF"/>
+                </a:solidFill>
+              </a:defRPr>
             </a:lvl1pPr>
           </a:lstStyle>
           <a:p>
@@ -2653,19 +2904,13 @@
               <a:rPr lang="en-US"/>
               <a:t>Click to edit Master title style</a:t>
             </a:r>
-            <a:endParaRPr lang="en-CA"/>
-          </a:p>
-        </p:txBody>
-      </p:sp>
-      <p:sp>
-        <p:nvSpPr>
-          <p:cNvPr id="3" name="Content Placeholder 2">
-            <a:extLst>
-              <a:ext uri="{FF2B5EF4-FFF2-40B4-BE49-F238E27FC236}">
-                <a16:creationId xmlns:a16="http://schemas.microsoft.com/office/drawing/2014/main" id="{D4193A7F-5743-AF93-EA8C-AA26FA7A13D1}"/>
-              </a:ext>
-            </a:extLst>
-          </p:cNvPr>
+            <a:endParaRPr lang="en-US" dirty="0"/>
+          </a:p>
+        </p:txBody>
+      </p:sp>
+      <p:sp>
+        <p:nvSpPr>
+          <p:cNvPr id="3" name="Content Placeholder 2"/>
           <p:cNvSpPr>
             <a:spLocks noGrp="1"/>
           </p:cNvSpPr>
@@ -2675,224 +2920,208 @@
         </p:nvSpPr>
         <p:spPr>
           <a:xfrm>
-            <a:off x="5183188" y="987425"/>
-            <a:ext cx="6172200" cy="4873625"/>
+            <a:off x="4800600" y="731520"/>
+            <a:ext cx="6492240" cy="5257800"/>
           </a:xfrm>
         </p:spPr>
+        <p:txBody>
+          <a:bodyPr/>
+          <a:lstStyle/>
+          <a:p>
+            <a:pPr lvl="0"/>
+            <a:r>
+              <a:rPr lang="en-US"/>
+              <a:t>Click to edit Master text styles</a:t>
+            </a:r>
+          </a:p>
+          <a:p>
+            <a:pPr lvl="1"/>
+            <a:r>
+              <a:rPr lang="en-US"/>
+              <a:t>Second level</a:t>
+            </a:r>
+          </a:p>
+          <a:p>
+            <a:pPr lvl="2"/>
+            <a:r>
+              <a:rPr lang="en-US"/>
+              <a:t>Third level</a:t>
+            </a:r>
+          </a:p>
+          <a:p>
+            <a:pPr lvl="3"/>
+            <a:r>
+              <a:rPr lang="en-US"/>
+              <a:t>Fourth level</a:t>
+            </a:r>
+          </a:p>
+          <a:p>
+            <a:pPr lvl="4"/>
+            <a:r>
+              <a:rPr lang="en-US"/>
+              <a:t>Fifth level</a:t>
+            </a:r>
+            <a:endParaRPr lang="en-US" dirty="0"/>
+          </a:p>
+        </p:txBody>
+      </p:sp>
+      <p:sp>
+        <p:nvSpPr>
+          <p:cNvPr id="4" name="Text Placeholder 3"/>
+          <p:cNvSpPr>
+            <a:spLocks noGrp="1"/>
+          </p:cNvSpPr>
+          <p:nvPr>
+            <p:ph type="body" sz="half" idx="2"/>
+          </p:nvPr>
+        </p:nvSpPr>
+        <p:spPr>
+          <a:xfrm>
+            <a:off x="457200" y="2926080"/>
+            <a:ext cx="3200400" cy="3379124"/>
+          </a:xfrm>
+        </p:spPr>
+        <p:txBody>
+          <a:bodyPr lIns="91440" rIns="91440">
+            <a:normAutofit/>
+          </a:bodyPr>
+          <a:lstStyle>
+            <a:lvl1pPr marL="0" indent="0">
+              <a:buNone/>
+              <a:defRPr sz="1500">
+                <a:solidFill>
+                  <a:srgbClr val="FFFFFF"/>
+                </a:solidFill>
+              </a:defRPr>
+            </a:lvl1pPr>
+            <a:lvl2pPr marL="457200" indent="0">
+              <a:buNone/>
+              <a:defRPr sz="1200"/>
+            </a:lvl2pPr>
+            <a:lvl3pPr marL="914400" indent="0">
+              <a:buNone/>
+              <a:defRPr sz="1000"/>
+            </a:lvl3pPr>
+            <a:lvl4pPr marL="1371600" indent="0">
+              <a:buNone/>
+              <a:defRPr sz="900"/>
+            </a:lvl4pPr>
+            <a:lvl5pPr marL="1828800" indent="0">
+              <a:buNone/>
+              <a:defRPr sz="900"/>
+            </a:lvl5pPr>
+            <a:lvl6pPr marL="2286000" indent="0">
+              <a:buNone/>
+              <a:defRPr sz="900"/>
+            </a:lvl6pPr>
+            <a:lvl7pPr marL="2743200" indent="0">
+              <a:buNone/>
+              <a:defRPr sz="900"/>
+            </a:lvl7pPr>
+            <a:lvl8pPr marL="3200400" indent="0">
+              <a:buNone/>
+              <a:defRPr sz="900"/>
+            </a:lvl8pPr>
+            <a:lvl9pPr marL="3657600" indent="0">
+              <a:buNone/>
+              <a:defRPr sz="900"/>
+            </a:lvl9pPr>
+          </a:lstStyle>
+          <a:p>
+            <a:pPr lvl="0"/>
+            <a:r>
+              <a:rPr lang="en-US"/>
+              <a:t>Click to edit Master text styles</a:t>
+            </a:r>
+          </a:p>
+        </p:txBody>
+      </p:sp>
+      <p:sp>
+        <p:nvSpPr>
+          <p:cNvPr id="5" name="Date Placeholder 4"/>
+          <p:cNvSpPr>
+            <a:spLocks noGrp="1"/>
+          </p:cNvSpPr>
+          <p:nvPr>
+            <p:ph type="dt" sz="half" idx="10"/>
+          </p:nvPr>
+        </p:nvSpPr>
+        <p:spPr>
+          <a:xfrm>
+            <a:off x="465512" y="6459785"/>
+            <a:ext cx="2618510" cy="365125"/>
+          </a:xfrm>
+        </p:spPr>
+        <p:txBody>
+          <a:bodyPr/>
+          <a:lstStyle>
+            <a:lvl1pPr algn="l">
+              <a:defRPr/>
+            </a:lvl1pPr>
+          </a:lstStyle>
+          <a:p>
+            <a:fld id="{B53E77E9-A14F-480D-95BD-890CFC1F89A7}" type="datetimeFigureOut">
+              <a:rPr lang="en-CA" smtClean="0"/>
+              <a:t>2025-01-03</a:t>
+            </a:fld>
+            <a:endParaRPr lang="en-CA"/>
+          </a:p>
+        </p:txBody>
+      </p:sp>
+      <p:sp>
+        <p:nvSpPr>
+          <p:cNvPr id="6" name="Footer Placeholder 5"/>
+          <p:cNvSpPr>
+            <a:spLocks noGrp="1"/>
+          </p:cNvSpPr>
+          <p:nvPr>
+            <p:ph type="ftr" sz="quarter" idx="11"/>
+          </p:nvPr>
+        </p:nvSpPr>
+        <p:spPr>
+          <a:xfrm>
+            <a:off x="4800600" y="6459785"/>
+            <a:ext cx="4648200" cy="365125"/>
+          </a:xfrm>
+        </p:spPr>
+        <p:txBody>
+          <a:bodyPr/>
+          <a:lstStyle>
+            <a:lvl1pPr algn="l">
+              <a:defRPr>
+                <a:solidFill>
+                  <a:schemeClr val="tx2"/>
+                </a:solidFill>
+              </a:defRPr>
+            </a:lvl1pPr>
+          </a:lstStyle>
+          <a:p>
+            <a:endParaRPr lang="en-CA"/>
+          </a:p>
+        </p:txBody>
+      </p:sp>
+      <p:sp>
+        <p:nvSpPr>
+          <p:cNvPr id="7" name="Slide Number Placeholder 6"/>
+          <p:cNvSpPr>
+            <a:spLocks noGrp="1"/>
+          </p:cNvSpPr>
+          <p:nvPr>
+            <p:ph type="sldNum" sz="quarter" idx="12"/>
+          </p:nvPr>
+        </p:nvSpPr>
+        <p:spPr/>
         <p:txBody>
           <a:bodyPr/>
           <a:lstStyle>
             <a:lvl1pPr>
-              <a:defRPr sz="3200"/>
+              <a:defRPr>
+                <a:solidFill>
+                  <a:schemeClr val="tx2"/>
+                </a:solidFill>
+              </a:defRPr>
             </a:lvl1pPr>
-            <a:lvl2pPr>
-              <a:defRPr sz="2800"/>
-            </a:lvl2pPr>
-            <a:lvl3pPr>
-              <a:defRPr sz="2400"/>
-            </a:lvl3pPr>
-            <a:lvl4pPr>
-              <a:defRPr sz="2000"/>
-            </a:lvl4pPr>
-            <a:lvl5pPr>
-              <a:defRPr sz="2000"/>
-            </a:lvl5pPr>
-            <a:lvl6pPr>
-              <a:defRPr sz="2000"/>
-            </a:lvl6pPr>
-            <a:lvl7pPr>
-              <a:defRPr sz="2000"/>
-            </a:lvl7pPr>
-            <a:lvl8pPr>
-              <a:defRPr sz="2000"/>
-            </a:lvl8pPr>
-            <a:lvl9pPr>
-              <a:defRPr sz="2000"/>
-            </a:lvl9pPr>
           </a:lstStyle>
-          <a:p>
-            <a:pPr lvl="0"/>
-            <a:r>
-              <a:rPr lang="en-US"/>
-              <a:t>Click to edit Master text styles</a:t>
-            </a:r>
-          </a:p>
-          <a:p>
-            <a:pPr lvl="1"/>
-            <a:r>
-              <a:rPr lang="en-US"/>
-              <a:t>Second level</a:t>
-            </a:r>
-          </a:p>
-          <a:p>
-            <a:pPr lvl="2"/>
-            <a:r>
-              <a:rPr lang="en-US"/>
-              <a:t>Third level</a:t>
-            </a:r>
-          </a:p>
-          <a:p>
-            <a:pPr lvl="3"/>
-            <a:r>
-              <a:rPr lang="en-US"/>
-              <a:t>Fourth level</a:t>
-            </a:r>
-          </a:p>
-          <a:p>
-            <a:pPr lvl="4"/>
-            <a:r>
-              <a:rPr lang="en-US"/>
-              <a:t>Fifth level</a:t>
-            </a:r>
-            <a:endParaRPr lang="en-CA"/>
-          </a:p>
-        </p:txBody>
-      </p:sp>
-      <p:sp>
-        <p:nvSpPr>
-          <p:cNvPr id="4" name="Text Placeholder 3">
-            <a:extLst>
-              <a:ext uri="{FF2B5EF4-FFF2-40B4-BE49-F238E27FC236}">
-                <a16:creationId xmlns:a16="http://schemas.microsoft.com/office/drawing/2014/main" id="{176390FF-A7E7-A365-0E87-77EF99443DDE}"/>
-              </a:ext>
-            </a:extLst>
-          </p:cNvPr>
-          <p:cNvSpPr>
-            <a:spLocks noGrp="1"/>
-          </p:cNvSpPr>
-          <p:nvPr>
-            <p:ph type="body" sz="half" idx="2"/>
-          </p:nvPr>
-        </p:nvSpPr>
-        <p:spPr>
-          <a:xfrm>
-            <a:off x="839788" y="2057400"/>
-            <a:ext cx="3932237" cy="3811588"/>
-          </a:xfrm>
-        </p:spPr>
-        <p:txBody>
-          <a:bodyPr/>
-          <a:lstStyle>
-            <a:lvl1pPr marL="0" indent="0">
-              <a:buNone/>
-              <a:defRPr sz="1600"/>
-            </a:lvl1pPr>
-            <a:lvl2pPr marL="457200" indent="0">
-              <a:buNone/>
-              <a:defRPr sz="1400"/>
-            </a:lvl2pPr>
-            <a:lvl3pPr marL="914400" indent="0">
-              <a:buNone/>
-              <a:defRPr sz="1200"/>
-            </a:lvl3pPr>
-            <a:lvl4pPr marL="1371600" indent="0">
-              <a:buNone/>
-              <a:defRPr sz="1000"/>
-            </a:lvl4pPr>
-            <a:lvl5pPr marL="1828800" indent="0">
-              <a:buNone/>
-              <a:defRPr sz="1000"/>
-            </a:lvl5pPr>
-            <a:lvl6pPr marL="2286000" indent="0">
-              <a:buNone/>
-              <a:defRPr sz="1000"/>
-            </a:lvl6pPr>
-            <a:lvl7pPr marL="2743200" indent="0">
-              <a:buNone/>
-              <a:defRPr sz="1000"/>
-            </a:lvl7pPr>
-            <a:lvl8pPr marL="3200400" indent="0">
-              <a:buNone/>
-              <a:defRPr sz="1000"/>
-            </a:lvl8pPr>
-            <a:lvl9pPr marL="3657600" indent="0">
-              <a:buNone/>
-              <a:defRPr sz="1000"/>
-            </a:lvl9pPr>
-          </a:lstStyle>
-          <a:p>
-            <a:pPr lvl="0"/>
-            <a:r>
-              <a:rPr lang="en-US"/>
-              <a:t>Click to edit Master text styles</a:t>
-            </a:r>
-          </a:p>
-        </p:txBody>
-      </p:sp>
-      <p:sp>
-        <p:nvSpPr>
-          <p:cNvPr id="5" name="Date Placeholder 4">
-            <a:extLst>
-              <a:ext uri="{FF2B5EF4-FFF2-40B4-BE49-F238E27FC236}">
-                <a16:creationId xmlns:a16="http://schemas.microsoft.com/office/drawing/2014/main" id="{9D7B7174-F0F4-C2B2-E68F-CFF06D2FA156}"/>
-              </a:ext>
-            </a:extLst>
-          </p:cNvPr>
-          <p:cNvSpPr>
-            <a:spLocks noGrp="1"/>
-          </p:cNvSpPr>
-          <p:nvPr>
-            <p:ph type="dt" sz="half" idx="10"/>
-          </p:nvPr>
-        </p:nvSpPr>
-        <p:spPr/>
-        <p:txBody>
-          <a:bodyPr/>
-          <a:lstStyle/>
-          <a:p>
-            <a:fld id="{B53E77E9-A14F-480D-95BD-890CFC1F89A7}" type="datetimeFigureOut">
-              <a:rPr lang="en-CA" smtClean="0"/>
-              <a:t>2025-01-02</a:t>
-            </a:fld>
-            <a:endParaRPr lang="en-CA"/>
-          </a:p>
-        </p:txBody>
-      </p:sp>
-      <p:sp>
-        <p:nvSpPr>
-          <p:cNvPr id="6" name="Footer Placeholder 5">
-            <a:extLst>
-              <a:ext uri="{FF2B5EF4-FFF2-40B4-BE49-F238E27FC236}">
-                <a16:creationId xmlns:a16="http://schemas.microsoft.com/office/drawing/2014/main" id="{FF3D778D-2115-1FC1-A75D-95B86CD46908}"/>
-              </a:ext>
-            </a:extLst>
-          </p:cNvPr>
-          <p:cNvSpPr>
-            <a:spLocks noGrp="1"/>
-          </p:cNvSpPr>
-          <p:nvPr>
-            <p:ph type="ftr" sz="quarter" idx="11"/>
-          </p:nvPr>
-        </p:nvSpPr>
-        <p:spPr/>
-        <p:txBody>
-          <a:bodyPr/>
-          <a:lstStyle/>
-          <a:p>
-            <a:endParaRPr lang="en-CA"/>
-          </a:p>
-        </p:txBody>
-      </p:sp>
-      <p:sp>
-        <p:nvSpPr>
-          <p:cNvPr id="7" name="Slide Number Placeholder 6">
-            <a:extLst>
-              <a:ext uri="{FF2B5EF4-FFF2-40B4-BE49-F238E27FC236}">
-                <a16:creationId xmlns:a16="http://schemas.microsoft.com/office/drawing/2014/main" id="{B0FC40D9-FBCC-6DAF-B3FC-99ADD18A8574}"/>
-              </a:ext>
-            </a:extLst>
-          </p:cNvPr>
-          <p:cNvSpPr>
-            <a:spLocks noGrp="1"/>
-          </p:cNvSpPr>
-          <p:nvPr>
-            <p:ph type="sldNum" sz="quarter" idx="12"/>
-          </p:nvPr>
-        </p:nvSpPr>
-        <p:spPr/>
-        <p:txBody>
-          <a:bodyPr/>
-          <a:lstStyle/>
           <a:p>
             <a:fld id="{4A28E080-336A-4164-8002-3C46345135B2}" type="slidenum">
               <a:rPr lang="en-CA" smtClean="0"/>
@@ -2905,7 +3134,7 @@
     </p:spTree>
     <p:extLst>
       <p:ext uri="{BB962C8B-B14F-4D97-AF65-F5344CB8AC3E}">
-        <p14:creationId xmlns:p14="http://schemas.microsoft.com/office/powerpoint/2010/main" val="1493283209"/>
+        <p14:creationId xmlns:p14="http://schemas.microsoft.com/office/powerpoint/2010/main" val="4224090121"/>
       </p:ext>
     </p:extLst>
   </p:cSld>
@@ -2916,7 +3145,7 @@
 </file>
 
 <file path=ppt/slideLayouts/slideLayout9.xml><?xml version="1.0" encoding="utf-8"?>
-<p:sldLayout xmlns:a="http://schemas.openxmlformats.org/drawingml/2006/main" xmlns:r="http://schemas.openxmlformats.org/officeDocument/2006/relationships" xmlns:p="http://schemas.openxmlformats.org/presentationml/2006/main" type="picTx" preserve="1">
+<p:sldLayout xmlns:a="http://schemas.openxmlformats.org/drawingml/2006/main" xmlns:r="http://schemas.openxmlformats.org/officeDocument/2006/relationships" xmlns:p="http://schemas.openxmlformats.org/presentationml/2006/main" showMasterSp="0" type="picTx" preserve="1">
   <p:cSld name="Picture with Caption">
     <p:spTree>
       <p:nvGrpSpPr>
@@ -2934,31 +3163,107 @@
       </p:grpSpPr>
       <p:sp>
         <p:nvSpPr>
-          <p:cNvPr id="2" name="Title 1">
-            <a:extLst>
-              <a:ext uri="{FF2B5EF4-FFF2-40B4-BE49-F238E27FC236}">
-                <a16:creationId xmlns:a16="http://schemas.microsoft.com/office/drawing/2014/main" id="{CDC63971-1D1E-B3C2-7931-037846A07A90}"/>
-              </a:ext>
-            </a:extLst>
-          </p:cNvPr>
-          <p:cNvSpPr>
-            <a:spLocks noGrp="1"/>
-          </p:cNvSpPr>
-          <p:nvPr>
-            <p:ph type="title"/>
-          </p:nvPr>
+          <p:cNvPr id="8" name="Rectangle 7"/>
+          <p:cNvSpPr/>
+          <p:nvPr/>
         </p:nvSpPr>
         <p:spPr>
           <a:xfrm>
-            <a:off x="839788" y="457200"/>
-            <a:ext cx="3932237" cy="1600200"/>
+            <a:off x="0" y="4953000"/>
+            <a:ext cx="12188825" cy="1905000"/>
+          </a:xfrm>
+          <a:prstGeom prst="rect">
+            <a:avLst/>
+          </a:prstGeom>
+          <a:solidFill>
+            <a:schemeClr val="accent2"/>
+          </a:solidFill>
+          <a:ln>
+            <a:noFill/>
+          </a:ln>
+        </p:spPr>
+        <p:style>
+          <a:lnRef idx="2">
+            <a:schemeClr val="accent1">
+              <a:shade val="50000"/>
+            </a:schemeClr>
+          </a:lnRef>
+          <a:fillRef idx="1">
+            <a:schemeClr val="accent1"/>
+          </a:fillRef>
+          <a:effectRef idx="0">
+            <a:schemeClr val="accent1"/>
+          </a:effectRef>
+          <a:fontRef idx="minor">
+            <a:schemeClr val="lt1"/>
+          </a:fontRef>
+        </p:style>
+      </p:sp>
+      <p:sp>
+        <p:nvSpPr>
+          <p:cNvPr id="9" name="Rectangle 8"/>
+          <p:cNvSpPr/>
+          <p:nvPr/>
+        </p:nvSpPr>
+        <p:spPr>
+          <a:xfrm>
+            <a:off x="15" y="4915076"/>
+            <a:ext cx="12188825" cy="64008"/>
+          </a:xfrm>
+          <a:prstGeom prst="rect">
+            <a:avLst/>
+          </a:prstGeom>
+          <a:solidFill>
+            <a:schemeClr val="accent1"/>
+          </a:solidFill>
+          <a:ln>
+            <a:noFill/>
+          </a:ln>
+        </p:spPr>
+        <p:style>
+          <a:lnRef idx="2">
+            <a:schemeClr val="accent1">
+              <a:shade val="50000"/>
+            </a:schemeClr>
+          </a:lnRef>
+          <a:fillRef idx="1">
+            <a:schemeClr val="accent1"/>
+          </a:fillRef>
+          <a:effectRef idx="0">
+            <a:schemeClr val="accent1"/>
+          </a:effectRef>
+          <a:fontRef idx="minor">
+            <a:schemeClr val="lt1"/>
+          </a:fontRef>
+        </p:style>
+      </p:sp>
+      <p:sp>
+        <p:nvSpPr>
+          <p:cNvPr id="2" name="Title 1"/>
+          <p:cNvSpPr>
+            <a:spLocks noGrp="1"/>
+          </p:cNvSpPr>
+          <p:nvPr>
+            <p:ph type="title"/>
+          </p:nvPr>
+        </p:nvSpPr>
+        <p:spPr>
+          <a:xfrm>
+            <a:off x="1097280" y="5074920"/>
+            <a:ext cx="10113264" cy="822960"/>
           </a:xfrm>
         </p:spPr>
         <p:txBody>
-          <a:bodyPr anchor="b"/>
+          <a:bodyPr lIns="91440" tIns="0" rIns="91440" bIns="0" anchor="b">
+            <a:noAutofit/>
+          </a:bodyPr>
           <a:lstStyle>
             <a:lvl1pPr>
-              <a:defRPr sz="3200"/>
+              <a:defRPr sz="3600" b="0">
+                <a:solidFill>
+                  <a:srgbClr val="FFFFFF"/>
+                </a:solidFill>
+              </a:defRPr>
             </a:lvl1pPr>
           </a:lstStyle>
           <a:p>
@@ -2966,21 +3271,15 @@
               <a:rPr lang="en-US"/>
               <a:t>Click to edit Master title style</a:t>
             </a:r>
-            <a:endParaRPr lang="en-CA"/>
-          </a:p>
-        </p:txBody>
-      </p:sp>
-      <p:sp>
-        <p:nvSpPr>
-          <p:cNvPr id="3" name="Picture Placeholder 2">
-            <a:extLst>
-              <a:ext uri="{FF2B5EF4-FFF2-40B4-BE49-F238E27FC236}">
-                <a16:creationId xmlns:a16="http://schemas.microsoft.com/office/drawing/2014/main" id="{5F489C78-B844-9E8A-97CB-C5F9D8555377}"/>
-              </a:ext>
-            </a:extLst>
-          </p:cNvPr>
-          <p:cNvSpPr>
-            <a:spLocks noGrp="1"/>
+            <a:endParaRPr lang="en-US" dirty="0"/>
+          </a:p>
+        </p:txBody>
+      </p:sp>
+      <p:sp>
+        <p:nvSpPr>
+          <p:cNvPr id="3" name="Picture Placeholder 2"/>
+          <p:cNvSpPr>
+            <a:spLocks noGrp="1" noChangeAspect="1"/>
           </p:cNvSpPr>
           <p:nvPr>
             <p:ph type="pic" idx="1"/>
@@ -2988,16 +3287,26 @@
         </p:nvSpPr>
         <p:spPr>
           <a:xfrm>
-            <a:off x="5183188" y="987425"/>
-            <a:ext cx="6172200" cy="4873625"/>
+            <a:off x="15" y="0"/>
+            <a:ext cx="12191985" cy="4915076"/>
           </a:xfrm>
+          <a:blipFill>
+            <a:blip r:embed="rId2"/>
+            <a:stretch>
+              <a:fillRect/>
+            </a:stretch>
+          </a:blipFill>
         </p:spPr>
         <p:txBody>
-          <a:bodyPr/>
+          <a:bodyPr lIns="457200" tIns="457200" anchor="t"/>
           <a:lstStyle>
             <a:lvl1pPr marL="0" indent="0">
               <a:buNone/>
-              <a:defRPr sz="3200"/>
+              <a:defRPr sz="3200">
+                <a:solidFill>
+                  <a:schemeClr val="bg1"/>
+                </a:solidFill>
+              </a:defRPr>
             </a:lvl1pPr>
             <a:lvl2pPr marL="457200" indent="0">
               <a:buNone/>
@@ -3033,19 +3342,17 @@
             </a:lvl9pPr>
           </a:lstStyle>
           <a:p>
-            <a:endParaRPr lang="en-CA"/>
-          </a:p>
-        </p:txBody>
-      </p:sp>
-      <p:sp>
-        <p:nvSpPr>
-          <p:cNvPr id="4" name="Text Placeholder 3">
-            <a:extLst>
-              <a:ext uri="{FF2B5EF4-FFF2-40B4-BE49-F238E27FC236}">
-                <a16:creationId xmlns:a16="http://schemas.microsoft.com/office/drawing/2014/main" id="{CBEE1FAF-4F1E-D1DA-DC0E-2DE4FD9EB386}"/>
-              </a:ext>
-            </a:extLst>
-          </p:cNvPr>
+            <a:r>
+              <a:rPr lang="en-US"/>
+              <a:t>Click icon to add picture</a:t>
+            </a:r>
+            <a:endParaRPr lang="en-US" dirty="0"/>
+          </a:p>
+        </p:txBody>
+      </p:sp>
+      <p:sp>
+        <p:nvSpPr>
+          <p:cNvPr id="4" name="Text Placeholder 3"/>
           <p:cNvSpPr>
             <a:spLocks noGrp="1"/>
           </p:cNvSpPr>
@@ -3055,48 +3362,60 @@
         </p:nvSpPr>
         <p:spPr>
           <a:xfrm>
-            <a:off x="839788" y="2057400"/>
-            <a:ext cx="3932237" cy="3811588"/>
+            <a:off x="1097280" y="5907023"/>
+            <a:ext cx="10113264" cy="594360"/>
           </a:xfrm>
         </p:spPr>
         <p:txBody>
-          <a:bodyPr/>
+          <a:bodyPr lIns="91440" tIns="0" rIns="91440" bIns="0">
+            <a:normAutofit/>
+          </a:bodyPr>
           <a:lstStyle>
             <a:lvl1pPr marL="0" indent="0">
+              <a:spcBef>
+                <a:spcPts val="0"/>
+              </a:spcBef>
+              <a:spcAft>
+                <a:spcPts val="600"/>
+              </a:spcAft>
               <a:buNone/>
-              <a:defRPr sz="1600"/>
+              <a:defRPr sz="1500">
+                <a:solidFill>
+                  <a:srgbClr val="FFFFFF"/>
+                </a:solidFill>
+              </a:defRPr>
             </a:lvl1pPr>
             <a:lvl2pPr marL="457200" indent="0">
               <a:buNone/>
-              <a:defRPr sz="1400"/>
+              <a:defRPr sz="1200"/>
             </a:lvl2pPr>
             <a:lvl3pPr marL="914400" indent="0">
               <a:buNone/>
-              <a:defRPr sz="1200"/>
+              <a:defRPr sz="1000"/>
             </a:lvl3pPr>
             <a:lvl4pPr marL="1371600" indent="0">
               <a:buNone/>
-              <a:defRPr sz="1000"/>
+              <a:defRPr sz="900"/>
             </a:lvl4pPr>
             <a:lvl5pPr marL="1828800" indent="0">
               <a:buNone/>
-              <a:defRPr sz="1000"/>
+              <a:defRPr sz="900"/>
             </a:lvl5pPr>
             <a:lvl6pPr marL="2286000" indent="0">
               <a:buNone/>
-              <a:defRPr sz="1000"/>
+              <a:defRPr sz="900"/>
             </a:lvl6pPr>
             <a:lvl7pPr marL="2743200" indent="0">
               <a:buNone/>
-              <a:defRPr sz="1000"/>
+              <a:defRPr sz="900"/>
             </a:lvl7pPr>
             <a:lvl8pPr marL="3200400" indent="0">
               <a:buNone/>
-              <a:defRPr sz="1000"/>
+              <a:defRPr sz="900"/>
             </a:lvl8pPr>
             <a:lvl9pPr marL="3657600" indent="0">
               <a:buNone/>
-              <a:defRPr sz="1000"/>
+              <a:defRPr sz="900"/>
             </a:lvl9pPr>
           </a:lstStyle>
           <a:p>
@@ -3110,13 +3429,7 @@
       </p:sp>
       <p:sp>
         <p:nvSpPr>
-          <p:cNvPr id="5" name="Date Placeholder 4">
-            <a:extLst>
-              <a:ext uri="{FF2B5EF4-FFF2-40B4-BE49-F238E27FC236}">
-                <a16:creationId xmlns:a16="http://schemas.microsoft.com/office/drawing/2014/main" id="{1A025562-11E1-7660-DDE5-B136C7A1012E}"/>
-              </a:ext>
-            </a:extLst>
-          </p:cNvPr>
+          <p:cNvPr id="5" name="Date Placeholder 4"/>
           <p:cNvSpPr>
             <a:spLocks noGrp="1"/>
           </p:cNvSpPr>
@@ -3131,7 +3444,7 @@
           <a:p>
             <a:fld id="{B53E77E9-A14F-480D-95BD-890CFC1F89A7}" type="datetimeFigureOut">
               <a:rPr lang="en-CA" smtClean="0"/>
-              <a:t>2025-01-02</a:t>
+              <a:t>2025-01-03</a:t>
             </a:fld>
             <a:endParaRPr lang="en-CA"/>
           </a:p>
@@ -3139,13 +3452,7 @@
       </p:sp>
       <p:sp>
         <p:nvSpPr>
-          <p:cNvPr id="6" name="Footer Placeholder 5">
-            <a:extLst>
-              <a:ext uri="{FF2B5EF4-FFF2-40B4-BE49-F238E27FC236}">
-                <a16:creationId xmlns:a16="http://schemas.microsoft.com/office/drawing/2014/main" id="{0FEE4750-9005-7DFF-C3A8-4804BDAF0A05}"/>
-              </a:ext>
-            </a:extLst>
-          </p:cNvPr>
+          <p:cNvPr id="6" name="Footer Placeholder 5"/>
           <p:cNvSpPr>
             <a:spLocks noGrp="1"/>
           </p:cNvSpPr>
@@ -3164,13 +3471,7 @@
       </p:sp>
       <p:sp>
         <p:nvSpPr>
-          <p:cNvPr id="7" name="Slide Number Placeholder 6">
-            <a:extLst>
-              <a:ext uri="{FF2B5EF4-FFF2-40B4-BE49-F238E27FC236}">
-                <a16:creationId xmlns:a16="http://schemas.microsoft.com/office/drawing/2014/main" id="{565DD370-B236-9144-D4AB-2876DE111C30}"/>
-              </a:ext>
-            </a:extLst>
-          </p:cNvPr>
+          <p:cNvPr id="7" name="Slide Number Placeholder 6"/>
           <p:cNvSpPr>
             <a:spLocks noGrp="1"/>
           </p:cNvSpPr>
@@ -3194,7 +3495,7 @@
     </p:spTree>
     <p:extLst>
       <p:ext uri="{BB962C8B-B14F-4D97-AF65-F5344CB8AC3E}">
-        <p14:creationId xmlns:p14="http://schemas.microsoft.com/office/powerpoint/2010/main" val="2588082649"/>
+        <p14:creationId xmlns:p14="http://schemas.microsoft.com/office/powerpoint/2010/main" val="11780951"/>
       </p:ext>
     </p:extLst>
   </p:cSld>
@@ -3228,31 +3529,101 @@
       </p:grpSpPr>
       <p:sp>
         <p:nvSpPr>
-          <p:cNvPr id="2" name="Title Placeholder 1">
-            <a:extLst>
-              <a:ext uri="{FF2B5EF4-FFF2-40B4-BE49-F238E27FC236}">
-                <a16:creationId xmlns:a16="http://schemas.microsoft.com/office/drawing/2014/main" id="{BBFFA1AD-AC9C-B760-85CF-DBE6B4571831}"/>
-              </a:ext>
-            </a:extLst>
-          </p:cNvPr>
-          <p:cNvSpPr>
-            <a:spLocks noGrp="1"/>
-          </p:cNvSpPr>
-          <p:nvPr>
-            <p:ph type="title"/>
-          </p:nvPr>
+          <p:cNvPr id="7" name="Rectangle 6"/>
+          <p:cNvSpPr/>
+          <p:nvPr/>
         </p:nvSpPr>
         <p:spPr>
           <a:xfrm>
-            <a:off x="838200" y="365125"/>
-            <a:ext cx="10515600" cy="1325563"/>
+            <a:off x="1" y="6400800"/>
+            <a:ext cx="12192000" cy="457200"/>
+          </a:xfrm>
+          <a:prstGeom prst="rect">
+            <a:avLst/>
+          </a:prstGeom>
+          <a:solidFill>
+            <a:schemeClr val="accent2"/>
+          </a:solidFill>
+          <a:ln>
+            <a:noFill/>
+          </a:ln>
+        </p:spPr>
+        <p:style>
+          <a:lnRef idx="2">
+            <a:schemeClr val="accent1">
+              <a:shade val="50000"/>
+            </a:schemeClr>
+          </a:lnRef>
+          <a:fillRef idx="1">
+            <a:schemeClr val="accent1"/>
+          </a:fillRef>
+          <a:effectRef idx="0">
+            <a:schemeClr val="accent1"/>
+          </a:effectRef>
+          <a:fontRef idx="minor">
+            <a:schemeClr val="lt1"/>
+          </a:fontRef>
+        </p:style>
+      </p:sp>
+      <p:sp>
+        <p:nvSpPr>
+          <p:cNvPr id="9" name="Rectangle 8"/>
+          <p:cNvSpPr/>
+          <p:nvPr/>
+        </p:nvSpPr>
+        <p:spPr>
+          <a:xfrm>
+            <a:off x="0" y="6334316"/>
+            <a:ext cx="12192001" cy="65998"/>
+          </a:xfrm>
+          <a:prstGeom prst="rect">
+            <a:avLst/>
+          </a:prstGeom>
+          <a:solidFill>
+            <a:schemeClr val="accent1"/>
+          </a:solidFill>
+          <a:ln>
+            <a:noFill/>
+          </a:ln>
+        </p:spPr>
+        <p:style>
+          <a:lnRef idx="2">
+            <a:schemeClr val="accent1">
+              <a:shade val="50000"/>
+            </a:schemeClr>
+          </a:lnRef>
+          <a:fillRef idx="1">
+            <a:schemeClr val="accent1"/>
+          </a:fillRef>
+          <a:effectRef idx="0">
+            <a:schemeClr val="accent1"/>
+          </a:effectRef>
+          <a:fontRef idx="minor">
+            <a:schemeClr val="lt1"/>
+          </a:fontRef>
+        </p:style>
+      </p:sp>
+      <p:sp>
+        <p:nvSpPr>
+          <p:cNvPr id="2" name="Title Placeholder 1"/>
+          <p:cNvSpPr>
+            <a:spLocks noGrp="1"/>
+          </p:cNvSpPr>
+          <p:nvPr>
+            <p:ph type="title"/>
+          </p:nvPr>
+        </p:nvSpPr>
+        <p:spPr>
+          <a:xfrm>
+            <a:off x="1097280" y="286603"/>
+            <a:ext cx="10058400" cy="1450757"/>
           </a:xfrm>
           <a:prstGeom prst="rect">
             <a:avLst/>
           </a:prstGeom>
         </p:spPr>
         <p:txBody>
-          <a:bodyPr vert="horz" lIns="91440" tIns="45720" rIns="91440" bIns="45720" rtlCol="0" anchor="ctr">
+          <a:bodyPr vert="horz" lIns="91440" tIns="45720" rIns="91440" bIns="45720" rtlCol="0" anchor="b">
             <a:normAutofit/>
           </a:bodyPr>
           <a:lstStyle/>
@@ -3261,19 +3632,13 @@
               <a:rPr lang="en-US"/>
               <a:t>Click to edit Master title style</a:t>
             </a:r>
-            <a:endParaRPr lang="en-CA"/>
-          </a:p>
-        </p:txBody>
-      </p:sp>
-      <p:sp>
-        <p:nvSpPr>
-          <p:cNvPr id="3" name="Text Placeholder 2">
-            <a:extLst>
-              <a:ext uri="{FF2B5EF4-FFF2-40B4-BE49-F238E27FC236}">
-                <a16:creationId xmlns:a16="http://schemas.microsoft.com/office/drawing/2014/main" id="{BB448C6B-831E-E4DE-B5BE-82B6A7AD7495}"/>
-              </a:ext>
-            </a:extLst>
-          </p:cNvPr>
+            <a:endParaRPr lang="en-US" dirty="0"/>
+          </a:p>
+        </p:txBody>
+      </p:sp>
+      <p:sp>
+        <p:nvSpPr>
+          <p:cNvPr id="3" name="Text Placeholder 2"/>
           <p:cNvSpPr>
             <a:spLocks noGrp="1"/>
           </p:cNvSpPr>
@@ -3283,15 +3648,15 @@
         </p:nvSpPr>
         <p:spPr>
           <a:xfrm>
-            <a:off x="838200" y="1825625"/>
-            <a:ext cx="10515600" cy="4351338"/>
+            <a:off x="1097280" y="1845734"/>
+            <a:ext cx="10058400" cy="4023360"/>
           </a:xfrm>
           <a:prstGeom prst="rect">
             <a:avLst/>
           </a:prstGeom>
         </p:spPr>
         <p:txBody>
-          <a:bodyPr vert="horz" lIns="91440" tIns="45720" rIns="91440" bIns="45720" rtlCol="0">
+          <a:bodyPr vert="horz" lIns="0" tIns="45720" rIns="0" bIns="45720" rtlCol="0">
             <a:normAutofit/>
           </a:bodyPr>
           <a:lstStyle/>
@@ -3329,19 +3694,13 @@
               <a:rPr lang="en-US"/>
               <a:t>Fifth level</a:t>
             </a:r>
-            <a:endParaRPr lang="en-CA"/>
-          </a:p>
-        </p:txBody>
-      </p:sp>
-      <p:sp>
-        <p:nvSpPr>
-          <p:cNvPr id="4" name="Date Placeholder 3">
-            <a:extLst>
-              <a:ext uri="{FF2B5EF4-FFF2-40B4-BE49-F238E27FC236}">
-                <a16:creationId xmlns:a16="http://schemas.microsoft.com/office/drawing/2014/main" id="{1D69D290-628B-DC44-84B8-2F0AE0BC7F31}"/>
-              </a:ext>
-            </a:extLst>
-          </p:cNvPr>
+            <a:endParaRPr lang="en-US" dirty="0"/>
+          </a:p>
+        </p:txBody>
+      </p:sp>
+      <p:sp>
+        <p:nvSpPr>
+          <p:cNvPr id="4" name="Date Placeholder 3"/>
           <p:cNvSpPr>
             <a:spLocks noGrp="1"/>
           </p:cNvSpPr>
@@ -3351,8 +3710,8 @@
         </p:nvSpPr>
         <p:spPr>
           <a:xfrm>
-            <a:off x="838200" y="6356350"/>
-            <a:ext cx="2743200" cy="365125"/>
+            <a:off x="1097280" y="6459785"/>
+            <a:ext cx="2472271" cy="365125"/>
           </a:xfrm>
           <a:prstGeom prst="rect">
             <a:avLst/>
@@ -3362,11 +3721,9 @@
           <a:bodyPr vert="horz" lIns="91440" tIns="45720" rIns="91440" bIns="45720" rtlCol="0" anchor="ctr"/>
           <a:lstStyle>
             <a:lvl1pPr algn="l">
-              <a:defRPr sz="1200">
+              <a:defRPr sz="900">
                 <a:solidFill>
-                  <a:schemeClr val="tx1">
-                    <a:tint val="75000"/>
-                  </a:schemeClr>
+                  <a:srgbClr val="FFFFFF"/>
                 </a:solidFill>
               </a:defRPr>
             </a:lvl1pPr>
@@ -3374,7 +3731,7 @@
           <a:p>
             <a:fld id="{B53E77E9-A14F-480D-95BD-890CFC1F89A7}" type="datetimeFigureOut">
               <a:rPr lang="en-CA" smtClean="0"/>
-              <a:t>2025-01-02</a:t>
+              <a:t>2025-01-03</a:t>
             </a:fld>
             <a:endParaRPr lang="en-CA"/>
           </a:p>
@@ -3382,13 +3739,7 @@
       </p:sp>
       <p:sp>
         <p:nvSpPr>
-          <p:cNvPr id="5" name="Footer Placeholder 4">
-            <a:extLst>
-              <a:ext uri="{FF2B5EF4-FFF2-40B4-BE49-F238E27FC236}">
-                <a16:creationId xmlns:a16="http://schemas.microsoft.com/office/drawing/2014/main" id="{18584DDC-F47E-BBCA-FC75-94C52F718A01}"/>
-              </a:ext>
-            </a:extLst>
-          </p:cNvPr>
+          <p:cNvPr id="5" name="Footer Placeholder 4"/>
           <p:cNvSpPr>
             <a:spLocks noGrp="1"/>
           </p:cNvSpPr>
@@ -3398,8 +3749,8 @@
         </p:nvSpPr>
         <p:spPr>
           <a:xfrm>
-            <a:off x="4038600" y="6356350"/>
-            <a:ext cx="4114800" cy="365125"/>
+            <a:off x="3686185" y="6459785"/>
+            <a:ext cx="4822804" cy="365125"/>
           </a:xfrm>
           <a:prstGeom prst="rect">
             <a:avLst/>
@@ -3409,11 +3760,9 @@
           <a:bodyPr vert="horz" lIns="91440" tIns="45720" rIns="91440" bIns="45720" rtlCol="0" anchor="ctr"/>
           <a:lstStyle>
             <a:lvl1pPr algn="ctr">
-              <a:defRPr sz="1200">
+              <a:defRPr sz="900" cap="all" baseline="0">
                 <a:solidFill>
-                  <a:schemeClr val="tx1">
-                    <a:tint val="75000"/>
-                  </a:schemeClr>
+                  <a:srgbClr val="FFFFFF"/>
                 </a:solidFill>
               </a:defRPr>
             </a:lvl1pPr>
@@ -3425,13 +3774,7 @@
       </p:sp>
       <p:sp>
         <p:nvSpPr>
-          <p:cNvPr id="6" name="Slide Number Placeholder 5">
-            <a:extLst>
-              <a:ext uri="{FF2B5EF4-FFF2-40B4-BE49-F238E27FC236}">
-                <a16:creationId xmlns:a16="http://schemas.microsoft.com/office/drawing/2014/main" id="{7BF8F1AC-5FC1-D590-C0B9-71B18894A4DE}"/>
-              </a:ext>
-            </a:extLst>
-          </p:cNvPr>
+          <p:cNvPr id="6" name="Slide Number Placeholder 5"/>
           <p:cNvSpPr>
             <a:spLocks noGrp="1"/>
           </p:cNvSpPr>
@@ -3441,8 +3784,8 @@
         </p:nvSpPr>
         <p:spPr>
           <a:xfrm>
-            <a:off x="8610600" y="6356350"/>
-            <a:ext cx="2743200" cy="365125"/>
+            <a:off x="9900458" y="6459785"/>
+            <a:ext cx="1312025" cy="365125"/>
           </a:xfrm>
           <a:prstGeom prst="rect">
             <a:avLst/>
@@ -3452,11 +3795,9 @@
           <a:bodyPr vert="horz" lIns="91440" tIns="45720" rIns="91440" bIns="45720" rtlCol="0" anchor="ctr"/>
           <a:lstStyle>
             <a:lvl1pPr algn="r">
-              <a:defRPr sz="1200">
+              <a:defRPr sz="1050">
                 <a:solidFill>
-                  <a:schemeClr val="tx1">
-                    <a:tint val="75000"/>
-                  </a:schemeClr>
+                  <a:srgbClr val="FFFFFF"/>
                 </a:solidFill>
               </a:defRPr>
             </a:lvl1pPr>
@@ -3470,40 +3811,81 @@
           </a:p>
         </p:txBody>
       </p:sp>
+      <p:cxnSp>
+        <p:nvCxnSpPr>
+          <p:cNvPr id="10" name="Straight Connector 9"/>
+          <p:cNvCxnSpPr/>
+          <p:nvPr/>
+        </p:nvCxnSpPr>
+        <p:spPr>
+          <a:xfrm>
+            <a:off x="1193532" y="1737845"/>
+            <a:ext cx="9966960" cy="0"/>
+          </a:xfrm>
+          <a:prstGeom prst="line">
+            <a:avLst/>
+          </a:prstGeom>
+          <a:ln w="6350">
+            <a:solidFill>
+              <a:schemeClr val="tx1">
+                <a:lumMod val="50000"/>
+                <a:lumOff val="50000"/>
+              </a:schemeClr>
+            </a:solidFill>
+          </a:ln>
+        </p:spPr>
+        <p:style>
+          <a:lnRef idx="1">
+            <a:schemeClr val="accent1"/>
+          </a:lnRef>
+          <a:fillRef idx="0">
+            <a:schemeClr val="accent1"/>
+          </a:fillRef>
+          <a:effectRef idx="0">
+            <a:schemeClr val="accent1"/>
+          </a:effectRef>
+          <a:fontRef idx="minor">
+            <a:schemeClr val="tx1"/>
+          </a:fontRef>
+        </p:style>
+      </p:cxnSp>
     </p:spTree>
     <p:extLst>
       <p:ext uri="{BB962C8B-B14F-4D97-AF65-F5344CB8AC3E}">
-        <p14:creationId xmlns:p14="http://schemas.microsoft.com/office/powerpoint/2010/main" val="1550262358"/>
+        <p14:creationId xmlns:p14="http://schemas.microsoft.com/office/powerpoint/2010/main" val="2947472673"/>
       </p:ext>
     </p:extLst>
   </p:cSld>
   <p:clrMap bg1="lt1" tx1="dk1" bg2="lt2" tx2="dk2" accent1="accent1" accent2="accent2" accent3="accent3" accent4="accent4" accent5="accent5" accent6="accent6" hlink="hlink" folHlink="folHlink"/>
   <p:sldLayoutIdLst>
-    <p:sldLayoutId id="2147483649" r:id="rId1"/>
-    <p:sldLayoutId id="2147483650" r:id="rId2"/>
-    <p:sldLayoutId id="2147483651" r:id="rId3"/>
-    <p:sldLayoutId id="2147483652" r:id="rId4"/>
-    <p:sldLayoutId id="2147483653" r:id="rId5"/>
-    <p:sldLayoutId id="2147483654" r:id="rId6"/>
-    <p:sldLayoutId id="2147483655" r:id="rId7"/>
-    <p:sldLayoutId id="2147483656" r:id="rId8"/>
-    <p:sldLayoutId id="2147483657" r:id="rId9"/>
-    <p:sldLayoutId id="2147483658" r:id="rId10"/>
-    <p:sldLayoutId id="2147483659" r:id="rId11"/>
+    <p:sldLayoutId id="2147483703" r:id="rId1"/>
+    <p:sldLayoutId id="2147483704" r:id="rId2"/>
+    <p:sldLayoutId id="2147483705" r:id="rId3"/>
+    <p:sldLayoutId id="2147483706" r:id="rId4"/>
+    <p:sldLayoutId id="2147483707" r:id="rId5"/>
+    <p:sldLayoutId id="2147483708" r:id="rId6"/>
+    <p:sldLayoutId id="2147483709" r:id="rId7"/>
+    <p:sldLayoutId id="2147483710" r:id="rId8"/>
+    <p:sldLayoutId id="2147483711" r:id="rId9"/>
+    <p:sldLayoutId id="2147483712" r:id="rId10"/>
+    <p:sldLayoutId id="2147483713" r:id="rId11"/>
   </p:sldLayoutIdLst>
   <p:txStyles>
     <p:titleStyle>
       <a:lvl1pPr algn="l" defTabSz="914400" rtl="0" eaLnBrk="1" latinLnBrk="0" hangingPunct="1">
         <a:lnSpc>
-          <a:spcPct val="90000"/>
+          <a:spcPct val="85000"/>
         </a:lnSpc>
         <a:spcBef>
           <a:spcPct val="0"/>
         </a:spcBef>
         <a:buNone/>
-        <a:defRPr sz="4400" kern="1200">
+        <a:defRPr sz="4800" kern="1200" spc="-50" baseline="0">
           <a:solidFill>
-            <a:schemeClr val="tx1"/>
+            <a:schemeClr val="tx1">
+              <a:lumMod val="75000"/>
+              <a:lumOff val="25000"/>
+            </a:schemeClr>
           </a:solidFill>
           <a:latin typeface="+mj-lt"/>
           <a:ea typeface="+mj-ea"/>
@@ -3512,162 +3894,244 @@
       </a:lvl1pPr>
     </p:titleStyle>
     <p:bodyStyle>
-      <a:lvl1pPr marL="228600" indent="-228600" algn="l" defTabSz="914400" rtl="0" eaLnBrk="1" latinLnBrk="0" hangingPunct="1">
+      <a:lvl1pPr marL="91440" indent="-91440" algn="l" defTabSz="914400" rtl="0" eaLnBrk="1" latinLnBrk="0" hangingPunct="1">
         <a:lnSpc>
           <a:spcPct val="90000"/>
         </a:lnSpc>
         <a:spcBef>
-          <a:spcPts val="1000"/>
+          <a:spcPts val="1200"/>
         </a:spcBef>
-        <a:buFont typeface="Arial" panose="020B0604020202020204" pitchFamily="34" charset="0"/>
-        <a:buChar char="•"/>
-        <a:defRPr sz="2800" kern="1200">
+        <a:spcAft>
+          <a:spcPts val="200"/>
+        </a:spcAft>
+        <a:buClr>
+          <a:schemeClr val="accent1"/>
+        </a:buClr>
+        <a:buSzPct val="100000"/>
+        <a:buFont typeface="Calibri" panose="020F0502020204030204" pitchFamily="34" charset="0"/>
+        <a:buChar char=" "/>
+        <a:defRPr sz="2000" kern="1200">
           <a:solidFill>
-            <a:schemeClr val="tx1"/>
+            <a:schemeClr val="tx1">
+              <a:lumMod val="75000"/>
+              <a:lumOff val="25000"/>
+            </a:schemeClr>
           </a:solidFill>
           <a:latin typeface="+mn-lt"/>
           <a:ea typeface="+mn-ea"/>
           <a:cs typeface="+mn-cs"/>
         </a:defRPr>
       </a:lvl1pPr>
-      <a:lvl2pPr marL="685800" indent="-228600" algn="l" defTabSz="914400" rtl="0" eaLnBrk="1" latinLnBrk="0" hangingPunct="1">
+      <a:lvl2pPr marL="384048" indent="-182880" algn="l" defTabSz="914400" rtl="0" eaLnBrk="1" latinLnBrk="0" hangingPunct="1">
         <a:lnSpc>
           <a:spcPct val="90000"/>
         </a:lnSpc>
         <a:spcBef>
-          <a:spcPts val="500"/>
+          <a:spcPts val="200"/>
         </a:spcBef>
-        <a:buFont typeface="Arial" panose="020B0604020202020204" pitchFamily="34" charset="0"/>
-        <a:buChar char="•"/>
-        <a:defRPr sz="2400" kern="1200">
+        <a:spcAft>
+          <a:spcPts val="400"/>
+        </a:spcAft>
+        <a:buClr>
+          <a:schemeClr val="accent1"/>
+        </a:buClr>
+        <a:buFont typeface="Calibri" pitchFamily="34" charset="0"/>
+        <a:buChar char="◦"/>
+        <a:defRPr sz="1800" kern="1200">
           <a:solidFill>
-            <a:schemeClr val="tx1"/>
+            <a:schemeClr val="tx1">
+              <a:lumMod val="75000"/>
+              <a:lumOff val="25000"/>
+            </a:schemeClr>
           </a:solidFill>
           <a:latin typeface="+mn-lt"/>
           <a:ea typeface="+mn-ea"/>
           <a:cs typeface="+mn-cs"/>
         </a:defRPr>
       </a:lvl2pPr>
-      <a:lvl3pPr marL="1143000" indent="-228600" algn="l" defTabSz="914400" rtl="0" eaLnBrk="1" latinLnBrk="0" hangingPunct="1">
+      <a:lvl3pPr marL="566928" indent="-182880" algn="l" defTabSz="914400" rtl="0" eaLnBrk="1" latinLnBrk="0" hangingPunct="1">
         <a:lnSpc>
           <a:spcPct val="90000"/>
         </a:lnSpc>
         <a:spcBef>
-          <a:spcPts val="500"/>
+          <a:spcPts val="200"/>
         </a:spcBef>
-        <a:buFont typeface="Arial" panose="020B0604020202020204" pitchFamily="34" charset="0"/>
-        <a:buChar char="•"/>
-        <a:defRPr sz="2000" kern="1200">
+        <a:spcAft>
+          <a:spcPts val="400"/>
+        </a:spcAft>
+        <a:buClr>
+          <a:schemeClr val="accent1"/>
+        </a:buClr>
+        <a:buFont typeface="Calibri" pitchFamily="34" charset="0"/>
+        <a:buChar char="◦"/>
+        <a:defRPr sz="1400" kern="1200">
           <a:solidFill>
-            <a:schemeClr val="tx1"/>
+            <a:schemeClr val="tx1">
+              <a:lumMod val="75000"/>
+              <a:lumOff val="25000"/>
+            </a:schemeClr>
           </a:solidFill>
           <a:latin typeface="+mn-lt"/>
           <a:ea typeface="+mn-ea"/>
           <a:cs typeface="+mn-cs"/>
         </a:defRPr>
       </a:lvl3pPr>
-      <a:lvl4pPr marL="1600200" indent="-228600" algn="l" defTabSz="914400" rtl="0" eaLnBrk="1" latinLnBrk="0" hangingPunct="1">
+      <a:lvl4pPr marL="749808" indent="-182880" algn="l" defTabSz="914400" rtl="0" eaLnBrk="1" latinLnBrk="0" hangingPunct="1">
         <a:lnSpc>
           <a:spcPct val="90000"/>
         </a:lnSpc>
         <a:spcBef>
-          <a:spcPts val="500"/>
+          <a:spcPts val="200"/>
         </a:spcBef>
-        <a:buFont typeface="Arial" panose="020B0604020202020204" pitchFamily="34" charset="0"/>
-        <a:buChar char="•"/>
-        <a:defRPr sz="1800" kern="1200">
+        <a:spcAft>
+          <a:spcPts val="400"/>
+        </a:spcAft>
+        <a:buClr>
+          <a:schemeClr val="accent1"/>
+        </a:buClr>
+        <a:buFont typeface="Calibri" pitchFamily="34" charset="0"/>
+        <a:buChar char="◦"/>
+        <a:defRPr sz="1400" kern="1200">
           <a:solidFill>
-            <a:schemeClr val="tx1"/>
+            <a:schemeClr val="tx1">
+              <a:lumMod val="75000"/>
+              <a:lumOff val="25000"/>
+            </a:schemeClr>
           </a:solidFill>
           <a:latin typeface="+mn-lt"/>
           <a:ea typeface="+mn-ea"/>
           <a:cs typeface="+mn-cs"/>
         </a:defRPr>
       </a:lvl4pPr>
-      <a:lvl5pPr marL="2057400" indent="-228600" algn="l" defTabSz="914400" rtl="0" eaLnBrk="1" latinLnBrk="0" hangingPunct="1">
+      <a:lvl5pPr marL="932688" indent="-182880" algn="l" defTabSz="914400" rtl="0" eaLnBrk="1" latinLnBrk="0" hangingPunct="1">
         <a:lnSpc>
           <a:spcPct val="90000"/>
         </a:lnSpc>
         <a:spcBef>
-          <a:spcPts val="500"/>
+          <a:spcPts val="200"/>
         </a:spcBef>
-        <a:buFont typeface="Arial" panose="020B0604020202020204" pitchFamily="34" charset="0"/>
-        <a:buChar char="•"/>
-        <a:defRPr sz="1800" kern="1200">
+        <a:spcAft>
+          <a:spcPts val="400"/>
+        </a:spcAft>
+        <a:buClr>
+          <a:schemeClr val="accent1"/>
+        </a:buClr>
+        <a:buFont typeface="Calibri" pitchFamily="34" charset="0"/>
+        <a:buChar char="◦"/>
+        <a:defRPr sz="1400" kern="1200">
           <a:solidFill>
-            <a:schemeClr val="tx1"/>
+            <a:schemeClr val="tx1">
+              <a:lumMod val="75000"/>
+              <a:lumOff val="25000"/>
+            </a:schemeClr>
           </a:solidFill>
           <a:latin typeface="+mn-lt"/>
           <a:ea typeface="+mn-ea"/>
           <a:cs typeface="+mn-cs"/>
         </a:defRPr>
       </a:lvl5pPr>
-      <a:lvl6pPr marL="2514600" indent="-228600" algn="l" defTabSz="914400" rtl="0" eaLnBrk="1" latinLnBrk="0" hangingPunct="1">
+      <a:lvl6pPr marL="1100000" indent="-228600" algn="l" defTabSz="914400" rtl="0" eaLnBrk="1" latinLnBrk="0" hangingPunct="1">
         <a:lnSpc>
           <a:spcPct val="90000"/>
         </a:lnSpc>
         <a:spcBef>
-          <a:spcPts val="500"/>
+          <a:spcPts val="200"/>
         </a:spcBef>
-        <a:buFont typeface="Arial" panose="020B0604020202020204" pitchFamily="34" charset="0"/>
-        <a:buChar char="•"/>
-        <a:defRPr sz="1800" kern="1200">
+        <a:spcAft>
+          <a:spcPts val="400"/>
+        </a:spcAft>
+        <a:buClr>
+          <a:schemeClr val="accent1"/>
+        </a:buClr>
+        <a:buFont typeface="Calibri" pitchFamily="34" charset="0"/>
+        <a:buChar char="◦"/>
+        <a:defRPr sz="1400" kern="1200">
           <a:solidFill>
-            <a:schemeClr val="tx1"/>
+            <a:schemeClr val="tx1">
+              <a:lumMod val="75000"/>
+              <a:lumOff val="25000"/>
+            </a:schemeClr>
           </a:solidFill>
           <a:latin typeface="+mn-lt"/>
           <a:ea typeface="+mn-ea"/>
           <a:cs typeface="+mn-cs"/>
         </a:defRPr>
       </a:lvl6pPr>
-      <a:lvl7pPr marL="2971800" indent="-228600" algn="l" defTabSz="914400" rtl="0" eaLnBrk="1" latinLnBrk="0" hangingPunct="1">
+      <a:lvl7pPr marL="1300000" indent="-228600" algn="l" defTabSz="914400" rtl="0" eaLnBrk="1" latinLnBrk="0" hangingPunct="1">
         <a:lnSpc>
           <a:spcPct val="90000"/>
         </a:lnSpc>
         <a:spcBef>
-          <a:spcPts val="500"/>
+          <a:spcPts val="200"/>
         </a:spcBef>
-        <a:buFont typeface="Arial" panose="020B0604020202020204" pitchFamily="34" charset="0"/>
-        <a:buChar char="•"/>
-        <a:defRPr sz="1800" kern="1200">
+        <a:spcAft>
+          <a:spcPts val="400"/>
+        </a:spcAft>
+        <a:buClr>
+          <a:schemeClr val="accent1"/>
+        </a:buClr>
+        <a:buFont typeface="Calibri" pitchFamily="34" charset="0"/>
+        <a:buChar char="◦"/>
+        <a:defRPr sz="1400" kern="1200">
           <a:solidFill>
-            <a:schemeClr val="tx1"/>
+            <a:schemeClr val="tx1">
+              <a:lumMod val="75000"/>
+              <a:lumOff val="25000"/>
+            </a:schemeClr>
           </a:solidFill>
           <a:latin typeface="+mn-lt"/>
           <a:ea typeface="+mn-ea"/>
           <a:cs typeface="+mn-cs"/>
         </a:defRPr>
       </a:lvl7pPr>
-      <a:lvl8pPr marL="3429000" indent="-228600" algn="l" defTabSz="914400" rtl="0" eaLnBrk="1" latinLnBrk="0" hangingPunct="1">
+      <a:lvl8pPr marL="1500000" indent="-228600" algn="l" defTabSz="914400" rtl="0" eaLnBrk="1" latinLnBrk="0" hangingPunct="1">
         <a:lnSpc>
           <a:spcPct val="90000"/>
         </a:lnSpc>
         <a:spcBef>
-          <a:spcPts val="500"/>
+          <a:spcPts val="200"/>
         </a:spcBef>
-        <a:buFont typeface="Arial" panose="020B0604020202020204" pitchFamily="34" charset="0"/>
-        <a:buChar char="•"/>
-        <a:defRPr sz="1800" kern="1200">
+        <a:spcAft>
+          <a:spcPts val="400"/>
+        </a:spcAft>
+        <a:buClr>
+          <a:schemeClr val="accent1"/>
+        </a:buClr>
+        <a:buFont typeface="Calibri" pitchFamily="34" charset="0"/>
+        <a:buChar char="◦"/>
+        <a:defRPr sz="1400" kern="1200">
           <a:solidFill>
-            <a:schemeClr val="tx1"/>
+            <a:schemeClr val="tx1">
+              <a:lumMod val="75000"/>
+              <a:lumOff val="25000"/>
+            </a:schemeClr>
           </a:solidFill>
           <a:latin typeface="+mn-lt"/>
           <a:ea typeface="+mn-ea"/>
           <a:cs typeface="+mn-cs"/>
         </a:defRPr>
       </a:lvl8pPr>
-      <a:lvl9pPr marL="3886200" indent="-228600" algn="l" defTabSz="914400" rtl="0" eaLnBrk="1" latinLnBrk="0" hangingPunct="1">
+      <a:lvl9pPr marL="1700000" indent="-228600" algn="l" defTabSz="914400" rtl="0" eaLnBrk="1" latinLnBrk="0" hangingPunct="1">
         <a:lnSpc>
           <a:spcPct val="90000"/>
         </a:lnSpc>
         <a:spcBef>
-          <a:spcPts val="500"/>
+          <a:spcPts val="200"/>
         </a:spcBef>
-        <a:buFont typeface="Arial" panose="020B0604020202020204" pitchFamily="34" charset="0"/>
-        <a:buChar char="•"/>
-        <a:defRPr sz="1800" kern="1200">
+        <a:spcAft>
+          <a:spcPts val="400"/>
+        </a:spcAft>
+        <a:buClr>
+          <a:schemeClr val="accent1"/>
+        </a:buClr>
+        <a:buFont typeface="Calibri" pitchFamily="34" charset="0"/>
+        <a:buChar char="◦"/>
+        <a:defRPr sz="1400" kern="1200">
           <a:solidFill>
-            <a:schemeClr val="tx1"/>
+            <a:schemeClr val="tx1">
+              <a:lumMod val="75000"/>
+              <a:lumOff val="25000"/>
+            </a:schemeClr>
           </a:solidFill>
           <a:latin typeface="+mn-lt"/>
           <a:ea typeface="+mn-ea"/>
@@ -3815,14 +4279,14 @@
           <a:lstStyle/>
           <a:p>
             <a:r>
-              <a:rPr lang="en-US" sz="4000" dirty="0"/>
+              <a:rPr lang="en-US" sz="4400" dirty="0"/>
               <a:t>Data Analytics and Visualization Approach</a:t>
             </a:r>
             <a:br>
               <a:rPr lang="en-US" sz="4000" dirty="0"/>
             </a:br>
             <a:r>
-              <a:rPr lang="en-US" sz="3600" dirty="0"/>
+              <a:rPr lang="en-US" sz="3200" dirty="0"/>
               <a:t>Application to Service Division Dashboard</a:t>
             </a:r>
             <a:endParaRPr lang="en-CA" sz="4000" dirty="0"/>
@@ -3862,6 +4326,123 @@
     <p:extLst>
       <p:ext uri="{BB962C8B-B14F-4D97-AF65-F5344CB8AC3E}">
         <p14:creationId xmlns:p14="http://schemas.microsoft.com/office/powerpoint/2010/main" val="4093640728"/>
+      </p:ext>
+    </p:extLst>
+  </p:cSld>
+  <p:clrMapOvr>
+    <a:masterClrMapping/>
+  </p:clrMapOvr>
+</p:sld>
+</file>
+
+<file path=ppt/slides/slide10.xml><?xml version="1.0" encoding="utf-8"?>
+<p:sld xmlns:a="http://schemas.openxmlformats.org/drawingml/2006/main" xmlns:r="http://schemas.openxmlformats.org/officeDocument/2006/relationships" xmlns:p="http://schemas.openxmlformats.org/presentationml/2006/main">
+  <p:cSld>
+    <p:spTree>
+      <p:nvGrpSpPr>
+        <p:cNvPr id="1" name=""/>
+        <p:cNvGrpSpPr/>
+        <p:nvPr/>
+      </p:nvGrpSpPr>
+      <p:grpSpPr>
+        <a:xfrm>
+          <a:off x="0" y="0"/>
+          <a:ext cx="0" cy="0"/>
+          <a:chOff x="0" y="0"/>
+          <a:chExt cx="0" cy="0"/>
+        </a:xfrm>
+      </p:grpSpPr>
+      <p:sp>
+        <p:nvSpPr>
+          <p:cNvPr id="2" name="Title 1">
+            <a:extLst>
+              <a:ext uri="{FF2B5EF4-FFF2-40B4-BE49-F238E27FC236}">
+                <a16:creationId xmlns:a16="http://schemas.microsoft.com/office/drawing/2014/main" id="{AA84AE53-E7E4-81A7-A4AF-558707F4E8A3}"/>
+              </a:ext>
+            </a:extLst>
+          </p:cNvPr>
+          <p:cNvSpPr>
+            <a:spLocks noGrp="1"/>
+          </p:cNvSpPr>
+          <p:nvPr>
+            <p:ph type="title"/>
+          </p:nvPr>
+        </p:nvSpPr>
+        <p:spPr/>
+        <p:txBody>
+          <a:bodyPr/>
+          <a:lstStyle/>
+          <a:p>
+            <a:r>
+              <a:rPr lang="en-US" dirty="0"/>
+              <a:t>Conclusion</a:t>
+            </a:r>
+            <a:endParaRPr lang="en-CA" dirty="0"/>
+          </a:p>
+        </p:txBody>
+      </p:sp>
+      <p:sp>
+        <p:nvSpPr>
+          <p:cNvPr id="3" name="Content Placeholder 2">
+            <a:extLst>
+              <a:ext uri="{FF2B5EF4-FFF2-40B4-BE49-F238E27FC236}">
+                <a16:creationId xmlns:a16="http://schemas.microsoft.com/office/drawing/2014/main" id="{F8060B10-67F3-2366-13D7-63096E02855E}"/>
+              </a:ext>
+            </a:extLst>
+          </p:cNvPr>
+          <p:cNvSpPr>
+            <a:spLocks noGrp="1"/>
+          </p:cNvSpPr>
+          <p:nvPr>
+            <p:ph idx="1"/>
+          </p:nvPr>
+        </p:nvSpPr>
+        <p:spPr/>
+        <p:txBody>
+          <a:bodyPr>
+            <a:normAutofit/>
+          </a:bodyPr>
+          <a:lstStyle/>
+          <a:p>
+            <a:r>
+              <a:rPr lang="en-US" sz="2800" dirty="0"/>
+              <a:t>Effective data analytics and visualization can drive improvements to Service Requests</a:t>
+            </a:r>
+          </a:p>
+          <a:p>
+            <a:r>
+              <a:rPr lang="en-US" sz="2800" dirty="0"/>
+              <a:t>Continuous enhancement of tools and processes is essential</a:t>
+            </a:r>
+          </a:p>
+          <a:p>
+            <a:pPr lvl="1"/>
+            <a:r>
+              <a:rPr lang="en-US" sz="2400" dirty="0"/>
+              <a:t>Having a live view of the dashboard for any user is vital to the </a:t>
+            </a:r>
+            <a:r>
+              <a:rPr lang="en-US" sz="2400" dirty="0" err="1"/>
+              <a:t>longetivity</a:t>
+            </a:r>
+            <a:r>
+              <a:rPr lang="en-US" sz="2400" dirty="0"/>
+              <a:t> of the dashboard</a:t>
+            </a:r>
+          </a:p>
+          <a:p>
+            <a:r>
+              <a:rPr lang="en-US" sz="2800" dirty="0"/>
+              <a:t>Questions?</a:t>
+            </a:r>
+            <a:endParaRPr lang="en-CA" sz="2800" dirty="0"/>
+          </a:p>
+        </p:txBody>
+      </p:sp>
+    </p:spTree>
+    <p:extLst>
+      <p:ext uri="{BB962C8B-B14F-4D97-AF65-F5344CB8AC3E}">
+        <p14:creationId xmlns:p14="http://schemas.microsoft.com/office/powerpoint/2010/main" val="1989295989"/>
       </p:ext>
     </p:extLst>
   </p:cSld>
@@ -3934,26 +4515,63 @@
         </p:nvSpPr>
         <p:spPr/>
         <p:txBody>
-          <a:bodyPr/>
-          <a:lstStyle/>
-          <a:p>
-            <a:r>
-              <a:rPr lang="en-CA" dirty="0"/>
+          <a:bodyPr>
+            <a:normAutofit/>
+          </a:bodyPr>
+          <a:lstStyle/>
+          <a:p>
+            <a:r>
+              <a:rPr lang="en-CA" sz="3200" dirty="0"/>
               <a:t>Overview of Data Analytics and Visualization</a:t>
             </a:r>
           </a:p>
           <a:p>
             <a:pPr lvl="1"/>
             <a:r>
-              <a:rPr lang="en-CA" dirty="0"/>
+              <a:rPr lang="en-CA" sz="2800" dirty="0"/>
               <a:t>Importance of data-driven decision making</a:t>
             </a:r>
           </a:p>
           <a:p>
             <a:pPr lvl="1"/>
             <a:r>
-              <a:rPr lang="en-CA" dirty="0"/>
+              <a:rPr lang="en-CA" sz="2800" dirty="0"/>
               <a:t>Role of visualization in understanding complex data</a:t>
+            </a:r>
+          </a:p>
+          <a:p>
+            <a:pPr lvl="1"/>
+            <a:r>
+              <a:rPr lang="en-CA" sz="2800" dirty="0"/>
+              <a:t>Understanding the scope:</a:t>
+            </a:r>
+          </a:p>
+          <a:p>
+            <a:pPr lvl="2"/>
+            <a:r>
+              <a:rPr lang="en-CA" sz="2000" dirty="0"/>
+              <a:t>Who will be looking at the dashboard?</a:t>
+            </a:r>
+          </a:p>
+          <a:p>
+            <a:pPr lvl="2"/>
+            <a:r>
+              <a:rPr lang="en-CA" sz="2000" dirty="0"/>
+              <a:t>How can it inform their decision making?</a:t>
+            </a:r>
+          </a:p>
+          <a:p>
+            <a:pPr lvl="2"/>
+            <a:r>
+              <a:rPr lang="en-CA" sz="2000" dirty="0"/>
+              <a:t>What are the KPIs?</a:t>
+            </a:r>
+          </a:p>
+          <a:p>
+            <a:pPr lvl="2"/>
+            <a:r>
+              <a:rPr lang="en-CA" sz="2000" dirty="0"/>
+              <a:t>How frequent is the data refreshed?</a:t>
             </a:r>
           </a:p>
         </p:txBody>
@@ -4035,7 +4653,7 @@
         <p:spPr/>
         <p:txBody>
           <a:bodyPr>
-            <a:normAutofit fontScale="92500" lnSpcReduction="20000"/>
+            <a:normAutofit lnSpcReduction="10000"/>
           </a:bodyPr>
           <a:lstStyle/>
           <a:p>
@@ -4051,7 +4669,7 @@
           <a:p>
             <a:pPr marL="971550" lvl="1" indent="-514350">
               <a:buFont typeface="+mj-lt"/>
-              <a:buAutoNum type="arabicPeriod"/>
+              <a:buAutoNum type="alphaLcParenR"/>
             </a:pPr>
             <a:r>
               <a:rPr lang="en-CA" dirty="0"/>
@@ -4061,7 +4679,7 @@
           <a:p>
             <a:pPr marL="971550" lvl="1" indent="-514350">
               <a:buFont typeface="+mj-lt"/>
-              <a:buAutoNum type="arabicPeriod"/>
+              <a:buAutoNum type="alphaLcParenR"/>
             </a:pPr>
             <a:r>
               <a:rPr lang="en-CA" dirty="0"/>
@@ -4081,7 +4699,7 @@
           <a:p>
             <a:pPr marL="971550" lvl="1" indent="-514350">
               <a:buFont typeface="+mj-lt"/>
-              <a:buAutoNum type="arabicPeriod"/>
+              <a:buAutoNum type="alphaLcParenR"/>
             </a:pPr>
             <a:r>
               <a:rPr lang="en-CA" dirty="0"/>
@@ -4091,7 +4709,7 @@
           <a:p>
             <a:pPr marL="971550" lvl="1" indent="-514350">
               <a:buFont typeface="+mj-lt"/>
-              <a:buAutoNum type="arabicPeriod"/>
+              <a:buAutoNum type="alphaLcParenR"/>
             </a:pPr>
             <a:r>
               <a:rPr lang="en-CA" dirty="0"/>
@@ -4111,11 +4729,21 @@
           <a:p>
             <a:pPr marL="971550" lvl="1" indent="-514350">
               <a:buFont typeface="+mj-lt"/>
-              <a:buAutoNum type="arabicPeriod"/>
+              <a:buAutoNum type="alphaLcParenR"/>
             </a:pPr>
             <a:r>
               <a:rPr lang="en-CA" dirty="0"/>
               <a:t>Use tools like Python and Apache Airflow to schedule jobs that clean and transform the data</a:t>
+            </a:r>
+          </a:p>
+          <a:p>
+            <a:pPr marL="971550" lvl="1" indent="-514350">
+              <a:buFont typeface="+mj-lt"/>
+              <a:buAutoNum type="alphaLcParenR"/>
+            </a:pPr>
+            <a:r>
+              <a:rPr lang="en-CA" dirty="0"/>
+              <a:t>Use GitHub to track version history and work with multiple data users</a:t>
             </a:r>
           </a:p>
           <a:p>
@@ -4131,7 +4759,7 @@
           <a:p>
             <a:pPr marL="971550" lvl="1" indent="-514350">
               <a:buFont typeface="+mj-lt"/>
-              <a:buAutoNum type="arabicPeriod"/>
+              <a:buAutoNum type="alphaLcParenR"/>
             </a:pPr>
             <a:r>
               <a:rPr lang="en-CA" dirty="0"/>
@@ -4217,7 +4845,7 @@
         <p:spPr/>
         <p:txBody>
           <a:bodyPr>
-            <a:normAutofit lnSpcReduction="10000"/>
+            <a:normAutofit/>
           </a:bodyPr>
           <a:lstStyle/>
           <a:p>
@@ -4543,8 +5171,8 @@
         </p:nvSpPr>
         <p:spPr>
           <a:xfrm>
-            <a:off x="375586" y="4399005"/>
-            <a:ext cx="2496064" cy="1200329"/>
+            <a:off x="295376" y="4079599"/>
+            <a:ext cx="2704498" cy="1477328"/>
           </a:xfrm>
           <a:prstGeom prst="rect">
             <a:avLst/>
@@ -4559,7 +5187,7 @@
           <a:p>
             <a:r>
               <a:rPr lang="en-CA" dirty="0"/>
-              <a:t>Python script for efficient file uploads and avoiding duplicate uploads</a:t>
+              <a:t>Currently the data comes in as a file. The DAG would need to be adjusted if we switched to a different source like an API</a:t>
             </a:r>
           </a:p>
         </p:txBody>
@@ -4676,9 +5304,30 @@
         <p:spPr/>
         <p:txBody>
           <a:bodyPr>
-            <a:normAutofit lnSpcReduction="10000"/>
+            <a:normAutofit fontScale="92500" lnSpcReduction="20000"/>
           </a:bodyPr>
           <a:lstStyle/>
+          <a:p>
+            <a:r>
+              <a:rPr lang="en-CA" dirty="0"/>
+              <a:t>GitHub</a:t>
+            </a:r>
+          </a:p>
+          <a:p>
+            <a:pPr lvl="1"/>
+            <a:r>
+              <a:rPr lang="en-US" dirty="0"/>
+              <a:t>Track version history</a:t>
+            </a:r>
+          </a:p>
+          <a:p>
+            <a:pPr lvl="1"/>
+            <a:r>
+              <a:rPr lang="en-US" dirty="0"/>
+              <a:t>Work with multiple data users (branching and pull requests)</a:t>
+            </a:r>
+            <a:endParaRPr lang="en-CA" dirty="0"/>
+          </a:p>
           <a:p>
             <a:r>
               <a:rPr lang="en-CA" dirty="0"/>
@@ -4696,7 +5345,7 @@
             <a:pPr lvl="1"/>
             <a:r>
               <a:rPr lang="en-CA" dirty="0"/>
-              <a:t>Open source libraries that allow for future-proofing work</a:t>
+              <a:t>Open-source libraries that allow for future-proofing work</a:t>
             </a:r>
           </a:p>
           <a:p>
@@ -4785,77 +5434,17 @@
           <a:chExt cx="0" cy="0"/>
         </a:xfrm>
       </p:grpSpPr>
-      <p:sp useBgFill="1">
-        <p:nvSpPr>
-          <p:cNvPr id="1033" name="Rectangle 1032">
+      <p:pic>
+        <p:nvPicPr>
+          <p:cNvPr id="4" name="Picture 3">
             <a:extLst>
               <a:ext uri="{FF2B5EF4-FFF2-40B4-BE49-F238E27FC236}">
-                <a16:creationId xmlns:a16="http://schemas.microsoft.com/office/drawing/2014/main" id="{6F828D28-8E09-41CC-8229-3070B5467A96}"/>
-              </a:ext>
-              <a:ext uri="{C183D7F6-B498-43B3-948B-1728B52AA6E4}">
-                <adec:decorative xmlns:adec="http://schemas.microsoft.com/office/drawing/2017/decorative" val="1"/>
-              </a:ext>
-            </a:extLst>
-          </p:cNvPr>
-          <p:cNvSpPr>
-            <a:spLocks noGrp="1" noRot="1" noChangeAspect="1" noMove="1" noResize="1" noEditPoints="1" noAdjustHandles="1" noChangeArrowheads="1" noChangeShapeType="1" noTextEdit="1"/>
-          </p:cNvSpPr>
-          <p:nvPr>
-            <p:extLst>
-              <p:ext uri="{386F3935-93C4-4BCD-93E2-E3B085C9AB24}">
-                <p16:designElem xmlns:p16="http://schemas.microsoft.com/office/powerpoint/2015/main" val="1"/>
-              </p:ext>
-            </p:extLst>
-          </p:nvPr>
-        </p:nvSpPr>
-        <p:spPr>
-          <a:xfrm>
-            <a:off x="-1" y="0"/>
-            <a:ext cx="12188952" cy="6858000"/>
-          </a:xfrm>
-          <a:prstGeom prst="rect">
-            <a:avLst/>
-          </a:prstGeom>
-          <a:ln>
-            <a:noFill/>
-          </a:ln>
-        </p:spPr>
-        <p:style>
-          <a:lnRef idx="2">
-            <a:schemeClr val="accent1">
-              <a:shade val="50000"/>
-            </a:schemeClr>
-          </a:lnRef>
-          <a:fillRef idx="1">
-            <a:schemeClr val="accent1"/>
-          </a:fillRef>
-          <a:effectRef idx="0">
-            <a:schemeClr val="accent1"/>
-          </a:effectRef>
-          <a:fontRef idx="minor">
-            <a:schemeClr val="lt1"/>
-          </a:fontRef>
-        </p:style>
-        <p:txBody>
-          <a:bodyPr rtlCol="0" anchor="ctr"/>
-          <a:lstStyle/>
-          <a:p>
-            <a:pPr algn="ctr"/>
-            <a:endParaRPr lang="en-US"/>
-          </a:p>
-        </p:txBody>
-      </p:sp>
-      <p:pic>
-        <p:nvPicPr>
-          <p:cNvPr id="1028" name="Picture 4">
-            <a:extLst>
-              <a:ext uri="{FF2B5EF4-FFF2-40B4-BE49-F238E27FC236}">
-                <a16:creationId xmlns:a16="http://schemas.microsoft.com/office/drawing/2014/main" id="{7C6255E4-4AB8-2CEA-F095-F91601A870D6}"/>
+                <a16:creationId xmlns:a16="http://schemas.microsoft.com/office/drawing/2014/main" id="{9E61A109-D4A6-B87C-EB8D-BACCC6826904}"/>
               </a:ext>
             </a:extLst>
           </p:cNvPr>
           <p:cNvPicPr>
-            <a:picLocks noChangeAspect="1" noChangeArrowheads="1"/>
+            <a:picLocks noChangeAspect="1"/>
           </p:cNvPicPr>
           <p:nvPr/>
         </p:nvPicPr>
@@ -4867,110 +5456,20 @@
               </a:ext>
             </a:extLst>
           </a:blip>
-          <a:srcRect t="1746"/>
-          <a:stretch/>
+          <a:stretch>
+            <a:fillRect/>
+          </a:stretch>
         </p:blipFill>
-        <p:spPr bwMode="auto">
+        <p:spPr>
           <a:xfrm>
-            <a:off x="20" y="-22"/>
-            <a:ext cx="12191977" cy="6858022"/>
+            <a:off x="1" y="-54429"/>
+            <a:ext cx="12192000" cy="6966857"/>
           </a:xfrm>
           <a:prstGeom prst="rect">
             <a:avLst/>
           </a:prstGeom>
-          <a:noFill/>
-          <a:extLst>
-            <a:ext uri="{909E8E84-426E-40DD-AFC4-6F175D3DCCD1}">
-              <a14:hiddenFill xmlns:a14="http://schemas.microsoft.com/office/drawing/2010/main">
-                <a:solidFill>
-                  <a:srgbClr val="FFFFFF"/>
-                </a:solidFill>
-              </a14:hiddenFill>
-            </a:ext>
-          </a:extLst>
         </p:spPr>
       </p:pic>
-      <p:sp>
-        <p:nvSpPr>
-          <p:cNvPr id="1035" name="Rectangle 1034">
-            <a:extLst>
-              <a:ext uri="{FF2B5EF4-FFF2-40B4-BE49-F238E27FC236}">
-                <a16:creationId xmlns:a16="http://schemas.microsoft.com/office/drawing/2014/main" id="{D5B012D8-7F27-4758-9AC6-C889B154BD73}"/>
-              </a:ext>
-              <a:ext uri="{C183D7F6-B498-43B3-948B-1728B52AA6E4}">
-                <adec:decorative xmlns:adec="http://schemas.microsoft.com/office/drawing/2017/decorative" val="1"/>
-              </a:ext>
-            </a:extLst>
-          </p:cNvPr>
-          <p:cNvSpPr>
-            <a:spLocks noGrp="1" noRot="1" noChangeAspect="1" noMove="1" noResize="1" noEditPoints="1" noAdjustHandles="1" noChangeArrowheads="1" noChangeShapeType="1" noTextEdit="1"/>
-          </p:cNvSpPr>
-          <p:nvPr>
-            <p:extLst>
-              <p:ext uri="{386F3935-93C4-4BCD-93E2-E3B085C9AB24}">
-                <p16:designElem xmlns:p16="http://schemas.microsoft.com/office/powerpoint/2015/main" val="1"/>
-              </p:ext>
-            </p:extLst>
-          </p:nvPr>
-        </p:nvSpPr>
-        <p:spPr>
-          <a:xfrm rot="16200000">
-            <a:off x="-1103377" y="1100316"/>
-            <a:ext cx="6858003" cy="4657347"/>
-          </a:xfrm>
-          <a:prstGeom prst="rect">
-            <a:avLst/>
-          </a:prstGeom>
-          <a:gradFill flip="none" rotWithShape="1">
-            <a:gsLst>
-              <a:gs pos="48000">
-                <a:srgbClr val="000000">
-                  <a:alpha val="24000"/>
-                </a:srgbClr>
-              </a:gs>
-              <a:gs pos="85000">
-                <a:srgbClr val="000000">
-                  <a:alpha val="45000"/>
-                </a:srgbClr>
-              </a:gs>
-              <a:gs pos="0">
-                <a:srgbClr val="000000">
-                  <a:alpha val="0"/>
-                </a:srgbClr>
-              </a:gs>
-            </a:gsLst>
-            <a:lin ang="16200000" scaled="1"/>
-            <a:tileRect/>
-          </a:gradFill>
-          <a:ln>
-            <a:noFill/>
-          </a:ln>
-        </p:spPr>
-        <p:style>
-          <a:lnRef idx="2">
-            <a:schemeClr val="accent1">
-              <a:shade val="50000"/>
-            </a:schemeClr>
-          </a:lnRef>
-          <a:fillRef idx="1">
-            <a:schemeClr val="accent1"/>
-          </a:fillRef>
-          <a:effectRef idx="0">
-            <a:schemeClr val="accent1"/>
-          </a:effectRef>
-          <a:fontRef idx="minor">
-            <a:schemeClr val="lt1"/>
-          </a:fontRef>
-        </p:style>
-        <p:txBody>
-          <a:bodyPr rtlCol="0" anchor="ctr"/>
-          <a:lstStyle/>
-          <a:p>
-            <a:pPr algn="ctr"/>
-            <a:endParaRPr lang="en-US"/>
-          </a:p>
-        </p:txBody>
-      </p:sp>
       <p:sp>
         <p:nvSpPr>
           <p:cNvPr id="2" name="Title 1">
@@ -4989,7 +5488,7 @@
         </p:nvSpPr>
         <p:spPr>
           <a:xfrm>
-            <a:off x="898839" y="4770624"/>
+            <a:off x="353407" y="5123551"/>
             <a:ext cx="3360123" cy="1514847"/>
           </a:xfrm>
           <a:solidFill>
@@ -5000,7 +5499,7 @@
         </p:spPr>
         <p:txBody>
           <a:bodyPr vert="horz" lIns="91440" tIns="45720" rIns="91440" bIns="45720" rtlCol="0" anchor="t">
-            <a:normAutofit fontScale="90000"/>
+            <a:normAutofit/>
           </a:bodyPr>
           <a:lstStyle/>
           <a:p>
@@ -5012,87 +5511,6 @@
               </a:rPr>
               <a:t>Key Metrics Visualized</a:t>
             </a:r>
-          </a:p>
-        </p:txBody>
-      </p:sp>
-      <p:sp>
-        <p:nvSpPr>
-          <p:cNvPr id="1037" name="Rectangle 1036">
-            <a:extLst>
-              <a:ext uri="{FF2B5EF4-FFF2-40B4-BE49-F238E27FC236}">
-                <a16:creationId xmlns:a16="http://schemas.microsoft.com/office/drawing/2014/main" id="{4063B759-00FC-46D1-9898-8E8625268FAF}"/>
-              </a:ext>
-              <a:ext uri="{C183D7F6-B498-43B3-948B-1728B52AA6E4}">
-                <adec:decorative xmlns:adec="http://schemas.microsoft.com/office/drawing/2017/decorative" val="1"/>
-              </a:ext>
-            </a:extLst>
-          </p:cNvPr>
-          <p:cNvSpPr>
-            <a:spLocks noGrp="1" noRot="1" noChangeAspect="1" noMove="1" noResize="1" noEditPoints="1" noAdjustHandles="1" noChangeArrowheads="1" noChangeShapeType="1" noTextEdit="1"/>
-          </p:cNvSpPr>
-          <p:nvPr>
-            <p:extLst>
-              <p:ext uri="{386F3935-93C4-4BCD-93E2-E3B085C9AB24}">
-                <p16:designElem xmlns:p16="http://schemas.microsoft.com/office/powerpoint/2015/main" val="1"/>
-              </p:ext>
-            </p:extLst>
-          </p:nvPr>
-        </p:nvSpPr>
-        <p:spPr>
-          <a:xfrm rot="5400000">
-            <a:off x="7540187" y="2206184"/>
-            <a:ext cx="6858003" cy="2445624"/>
-          </a:xfrm>
-          <a:prstGeom prst="rect">
-            <a:avLst/>
-          </a:prstGeom>
-          <a:gradFill flip="none" rotWithShape="1">
-            <a:gsLst>
-              <a:gs pos="48000">
-                <a:srgbClr val="000000">
-                  <a:alpha val="24000"/>
-                </a:srgbClr>
-              </a:gs>
-              <a:gs pos="85000">
-                <a:srgbClr val="000000">
-                  <a:alpha val="45000"/>
-                </a:srgbClr>
-              </a:gs>
-              <a:gs pos="0">
-                <a:srgbClr val="000000">
-                  <a:alpha val="0"/>
-                </a:srgbClr>
-              </a:gs>
-            </a:gsLst>
-            <a:lin ang="16200000" scaled="1"/>
-            <a:tileRect/>
-          </a:gradFill>
-          <a:ln>
-            <a:noFill/>
-          </a:ln>
-        </p:spPr>
-        <p:style>
-          <a:lnRef idx="2">
-            <a:schemeClr val="accent1">
-              <a:shade val="50000"/>
-            </a:schemeClr>
-          </a:lnRef>
-          <a:fillRef idx="1">
-            <a:schemeClr val="accent1"/>
-          </a:fillRef>
-          <a:effectRef idx="0">
-            <a:schemeClr val="accent1"/>
-          </a:effectRef>
-          <a:fontRef idx="minor">
-            <a:schemeClr val="lt1"/>
-          </a:fontRef>
-        </p:style>
-        <p:txBody>
-          <a:bodyPr rtlCol="0" anchor="ctr"/>
-          <a:lstStyle/>
-          <a:p>
-            <a:pPr algn="ctr"/>
-            <a:endParaRPr lang="en-US"/>
           </a:p>
         </p:txBody>
       </p:sp>
@@ -5178,70 +5596,62 @@
           <a:lstStyle/>
           <a:p>
             <a:r>
-              <a:rPr lang="en-CA" dirty="0"/>
+              <a:rPr lang="en-CA" sz="2400" dirty="0"/>
               <a:t>PFR has the highest turnaround time (~70 business days) – 75% more than other divisions</a:t>
             </a:r>
           </a:p>
           <a:p>
             <a:r>
-              <a:rPr lang="en-CA" dirty="0"/>
-              <a:t>2006 and 2020 had a significant decrease in Service requests</a:t>
+              <a:rPr lang="en-CA" sz="2400" dirty="0"/>
+              <a:t>2006 and 2020 had a significant decrease in service requests</a:t>
             </a:r>
           </a:p>
           <a:p>
             <a:pPr lvl="1"/>
             <a:r>
-              <a:rPr lang="en-CA" dirty="0"/>
+              <a:rPr lang="en-CA" sz="2000" dirty="0"/>
               <a:t>2020 is probably due to lockdowns. 2006 is worth looking into</a:t>
             </a:r>
           </a:p>
           <a:p>
             <a:r>
-              <a:rPr lang="en-CA" dirty="0"/>
+              <a:rPr lang="en-CA" sz="2400" dirty="0"/>
               <a:t>Estimated Costs have skyrocketed in the last couple of years</a:t>
             </a:r>
           </a:p>
           <a:p>
             <a:pPr lvl="1"/>
             <a:r>
-              <a:rPr lang="en-CA" dirty="0"/>
+              <a:rPr lang="en-CA" sz="2000" dirty="0"/>
               <a:t>~90M prior to 2021 -&gt; ~4B in 2023</a:t>
             </a:r>
           </a:p>
           <a:p>
             <a:pPr lvl="1"/>
             <a:r>
-              <a:rPr lang="en-CA" dirty="0"/>
+              <a:rPr lang="en-CA" sz="2000" dirty="0"/>
               <a:t>Mainly due to MLS, PFR, and TS across all wards</a:t>
             </a:r>
           </a:p>
           <a:p>
             <a:r>
-              <a:rPr lang="en-CA" dirty="0"/>
+              <a:rPr lang="en-CA" sz="2400" dirty="0"/>
               <a:t>Scarborough Centre has a relatively high cost per business day</a:t>
             </a:r>
           </a:p>
           <a:p>
             <a:pPr lvl="1"/>
             <a:r>
-              <a:rPr lang="en-CA" dirty="0"/>
+              <a:rPr lang="en-CA" sz="2000" dirty="0"/>
               <a:t>This means that the costs were high given the amount of time it took to finish services in this Ward.</a:t>
             </a:r>
           </a:p>
           <a:p>
             <a:pPr lvl="1"/>
             <a:r>
-              <a:rPr lang="en-CA" dirty="0"/>
-              <a:t>This </a:t>
-            </a:r>
-            <a:r>
-              <a:rPr lang="en-CA"/>
-              <a:t>is relative to the rest of the city.</a:t>
-            </a:r>
-            <a:endParaRPr lang="en-CA" dirty="0"/>
-          </a:p>
-          <a:p>
-            <a:endParaRPr lang="en-CA" dirty="0"/>
+              <a:rPr lang="en-CA" sz="2000" dirty="0"/>
+              <a:t>This is relative to the rest of the city.</a:t>
+            </a:r>
           </a:p>
         </p:txBody>
       </p:sp>
@@ -5258,55 +5668,185 @@
 </p:sld>
 </file>
 
+<file path=ppt/slides/slide9.xml><?xml version="1.0" encoding="utf-8"?>
+<p:sld xmlns:a="http://schemas.openxmlformats.org/drawingml/2006/main" xmlns:r="http://schemas.openxmlformats.org/officeDocument/2006/relationships" xmlns:p="http://schemas.openxmlformats.org/presentationml/2006/main">
+  <p:cSld>
+    <p:spTree>
+      <p:nvGrpSpPr>
+        <p:cNvPr id="1" name=""/>
+        <p:cNvGrpSpPr/>
+        <p:nvPr/>
+      </p:nvGrpSpPr>
+      <p:grpSpPr>
+        <a:xfrm>
+          <a:off x="0" y="0"/>
+          <a:ext cx="0" cy="0"/>
+          <a:chOff x="0" y="0"/>
+          <a:chExt cx="0" cy="0"/>
+        </a:xfrm>
+      </p:grpSpPr>
+      <p:sp>
+        <p:nvSpPr>
+          <p:cNvPr id="2" name="Title 1">
+            <a:extLst>
+              <a:ext uri="{FF2B5EF4-FFF2-40B4-BE49-F238E27FC236}">
+                <a16:creationId xmlns:a16="http://schemas.microsoft.com/office/drawing/2014/main" id="{152F0E34-F877-1889-BB6D-CBEF2648E125}"/>
+              </a:ext>
+            </a:extLst>
+          </p:cNvPr>
+          <p:cNvSpPr>
+            <a:spLocks noGrp="1"/>
+          </p:cNvSpPr>
+          <p:nvPr>
+            <p:ph type="title"/>
+          </p:nvPr>
+        </p:nvSpPr>
+        <p:spPr/>
+        <p:txBody>
+          <a:bodyPr/>
+          <a:lstStyle/>
+          <a:p>
+            <a:r>
+              <a:rPr lang="en-US" dirty="0"/>
+              <a:t>Take-aways</a:t>
+            </a:r>
+            <a:endParaRPr lang="en-CA" dirty="0"/>
+          </a:p>
+        </p:txBody>
+      </p:sp>
+      <p:sp>
+        <p:nvSpPr>
+          <p:cNvPr id="3" name="Content Placeholder 2">
+            <a:extLst>
+              <a:ext uri="{FF2B5EF4-FFF2-40B4-BE49-F238E27FC236}">
+                <a16:creationId xmlns:a16="http://schemas.microsoft.com/office/drawing/2014/main" id="{84858130-B80F-10B4-6C26-6E02C7698197}"/>
+              </a:ext>
+            </a:extLst>
+          </p:cNvPr>
+          <p:cNvSpPr>
+            <a:spLocks noGrp="1"/>
+          </p:cNvSpPr>
+          <p:nvPr>
+            <p:ph idx="1"/>
+          </p:nvPr>
+        </p:nvSpPr>
+        <p:spPr/>
+        <p:txBody>
+          <a:bodyPr>
+            <a:normAutofit/>
+          </a:bodyPr>
+          <a:lstStyle/>
+          <a:p>
+            <a:r>
+              <a:rPr lang="en-US" sz="2800" dirty="0"/>
+              <a:t>Challenges Faced</a:t>
+            </a:r>
+          </a:p>
+          <a:p>
+            <a:pPr lvl="1"/>
+            <a:r>
+              <a:rPr lang="en-US" sz="2400" dirty="0"/>
+              <a:t>Managing AWS costs associated with the pipeline</a:t>
+            </a:r>
+          </a:p>
+          <a:p>
+            <a:pPr lvl="1"/>
+            <a:r>
+              <a:rPr lang="en-US" sz="2400" dirty="0"/>
+              <a:t>Ensuring data accuracy and consistency</a:t>
+            </a:r>
+          </a:p>
+          <a:p>
+            <a:pPr lvl="2"/>
+            <a:r>
+              <a:rPr lang="en-US" sz="1800" dirty="0"/>
+              <a:t>Division names were misspelled</a:t>
+            </a:r>
+          </a:p>
+          <a:p>
+            <a:r>
+              <a:rPr lang="en-US" sz="2800" dirty="0"/>
+              <a:t>Future Enhancements</a:t>
+            </a:r>
+          </a:p>
+          <a:p>
+            <a:pPr lvl="1"/>
+            <a:r>
+              <a:rPr lang="en-US" sz="2400" dirty="0"/>
+              <a:t>Implement real-time streaming from APIs instead of from csv files</a:t>
+            </a:r>
+          </a:p>
+          <a:p>
+            <a:pPr lvl="1"/>
+            <a:r>
+              <a:rPr lang="en-US" sz="2400" dirty="0"/>
+              <a:t>Optimize pipeline for cost efficiency</a:t>
+            </a:r>
+          </a:p>
+        </p:txBody>
+      </p:sp>
+    </p:spTree>
+    <p:extLst>
+      <p:ext uri="{BB962C8B-B14F-4D97-AF65-F5344CB8AC3E}">
+        <p14:creationId xmlns:p14="http://schemas.microsoft.com/office/powerpoint/2010/main" val="757408829"/>
+      </p:ext>
+    </p:extLst>
+  </p:cSld>
+  <p:clrMapOvr>
+    <a:masterClrMapping/>
+  </p:clrMapOvr>
+</p:sld>
+</file>
+
 <file path=ppt/theme/theme1.xml><?xml version="1.0" encoding="utf-8"?>
-<a:theme xmlns:a="http://schemas.openxmlformats.org/drawingml/2006/main" name="Office Theme">
+<a:theme xmlns:a="http://schemas.openxmlformats.org/drawingml/2006/main" name="Retrospect">
   <a:themeElements>
-    <a:clrScheme name="Office">
+    <a:clrScheme name="Retrospect">
       <a:dk1>
-        <a:sysClr val="windowText" lastClr="000000"/>
+        <a:srgbClr val="000000"/>
       </a:dk1>
       <a:lt1>
         <a:sysClr val="window" lastClr="FFFFFF"/>
       </a:lt1>
       <a:dk2>
-        <a:srgbClr val="44546A"/>
+        <a:srgbClr val="637052"/>
       </a:dk2>
       <a:lt2>
-        <a:srgbClr val="E7E6E6"/>
+        <a:srgbClr val="CCDDEA"/>
       </a:lt2>
       <a:accent1>
-        <a:srgbClr val="4472C4"/>
+        <a:srgbClr val="E48312"/>
       </a:accent1>
       <a:accent2>
-        <a:srgbClr val="ED7D31"/>
+        <a:srgbClr val="BD582C"/>
       </a:accent2>
       <a:accent3>
-        <a:srgbClr val="A5A5A5"/>
+        <a:srgbClr val="865640"/>
       </a:accent3>
       <a:accent4>
-        <a:srgbClr val="FFC000"/>
+        <a:srgbClr val="9B8357"/>
       </a:accent4>
       <a:accent5>
-        <a:srgbClr val="5B9BD5"/>
+        <a:srgbClr val="C2BC80"/>
       </a:accent5>
       <a:accent6>
-        <a:srgbClr val="70AD47"/>
+        <a:srgbClr val="94A088"/>
       </a:accent6>
       <a:hlink>
-        <a:srgbClr val="0563C1"/>
+        <a:srgbClr val="2998E3"/>
       </a:hlink>
       <a:folHlink>
-        <a:srgbClr val="954F72"/>
+        <a:srgbClr val="8C8C8C"/>
       </a:folHlink>
     </a:clrScheme>
-    <a:fontScheme name="Office">
+    <a:fontScheme name="Retrospect">
       <a:majorFont>
         <a:latin typeface="Calibri Light" panose="020F0302020204030204"/>
         <a:ea typeface=""/>
         <a:cs typeface=""/>
-        <a:font script="Jpan" typeface="游ゴシック Light"/>
+        <a:font script="Jpan" typeface="ＭＳ Ｐゴシック"/>
         <a:font script="Hang" typeface="맑은 고딕"/>
-        <a:font script="Hans" typeface="等线 Light"/>
+        <a:font script="Hans" typeface="宋体"/>
         <a:font script="Hant" typeface="新細明體"/>
         <a:font script="Arab" typeface="Times New Roman"/>
         <a:font script="Hebr" typeface="Times New Roman"/>
@@ -5334,31 +5874,14 @@
         <a:font script="Viet" typeface="Times New Roman"/>
         <a:font script="Uigh" typeface="Microsoft Uighur"/>
         <a:font script="Geor" typeface="Sylfaen"/>
-        <a:font script="Armn" typeface="Arial"/>
-        <a:font script="Bugi" typeface="Leelawadee UI"/>
-        <a:font script="Bopo" typeface="Microsoft JhengHei"/>
-        <a:font script="Java" typeface="Javanese Text"/>
-        <a:font script="Lisu" typeface="Segoe UI"/>
-        <a:font script="Mymr" typeface="Myanmar Text"/>
-        <a:font script="Nkoo" typeface="Ebrima"/>
-        <a:font script="Olck" typeface="Nirmala UI"/>
-        <a:font script="Osma" typeface="Ebrima"/>
-        <a:font script="Phag" typeface="Phagspa"/>
-        <a:font script="Syrn" typeface="Estrangelo Edessa"/>
-        <a:font script="Syrj" typeface="Estrangelo Edessa"/>
-        <a:font script="Syre" typeface="Estrangelo Edessa"/>
-        <a:font script="Sora" typeface="Nirmala UI"/>
-        <a:font script="Tale" typeface="Microsoft Tai Le"/>
-        <a:font script="Talu" typeface="Microsoft New Tai Lue"/>
-        <a:font script="Tfng" typeface="Ebrima"/>
       </a:majorFont>
       <a:minorFont>
         <a:latin typeface="Calibri" panose="020F0502020204030204"/>
         <a:ea typeface=""/>
         <a:cs typeface=""/>
-        <a:font script="Jpan" typeface="游ゴシック"/>
+        <a:font script="Jpan" typeface="ＭＳ Ｐゴシック"/>
         <a:font script="Hang" typeface="맑은 고딕"/>
-        <a:font script="Hans" typeface="等线"/>
+        <a:font script="Hans" typeface="宋体"/>
         <a:font script="Hant" typeface="新細明體"/>
         <a:font script="Arab" typeface="Arial"/>
         <a:font script="Hebr" typeface="Arial"/>
@@ -5386,26 +5909,9 @@
         <a:font script="Viet" typeface="Arial"/>
         <a:font script="Uigh" typeface="Microsoft Uighur"/>
         <a:font script="Geor" typeface="Sylfaen"/>
-        <a:font script="Armn" typeface="Arial"/>
-        <a:font script="Bugi" typeface="Leelawadee UI"/>
-        <a:font script="Bopo" typeface="Microsoft JhengHei"/>
-        <a:font script="Java" typeface="Javanese Text"/>
-        <a:font script="Lisu" typeface="Segoe UI"/>
-        <a:font script="Mymr" typeface="Myanmar Text"/>
-        <a:font script="Nkoo" typeface="Ebrima"/>
-        <a:font script="Olck" typeface="Nirmala UI"/>
-        <a:font script="Osma" typeface="Ebrima"/>
-        <a:font script="Phag" typeface="Phagspa"/>
-        <a:font script="Syrn" typeface="Estrangelo Edessa"/>
-        <a:font script="Syrj" typeface="Estrangelo Edessa"/>
-        <a:font script="Syre" typeface="Estrangelo Edessa"/>
-        <a:font script="Sora" typeface="Nirmala UI"/>
-        <a:font script="Tale" typeface="Microsoft Tai Le"/>
-        <a:font script="Talu" typeface="Microsoft New Tai Lue"/>
-        <a:font script="Tfng" typeface="Ebrima"/>
       </a:minorFont>
     </a:fontScheme>
-    <a:fmtScheme name="Office">
+    <a:fmtScheme name="Retrospect">
       <a:fillStyleLst>
         <a:solidFill>
           <a:schemeClr val="phClr"/>
@@ -5414,76 +5920,81 @@
           <a:gsLst>
             <a:gs pos="0">
               <a:schemeClr val="phClr">
-                <a:lumMod val="110000"/>
-                <a:satMod val="105000"/>
-                <a:tint val="67000"/>
+                <a:tint val="65000"/>
+                <a:shade val="92000"/>
+                <a:satMod val="130000"/>
               </a:schemeClr>
             </a:gs>
-            <a:gs pos="50000">
+            <a:gs pos="45000">
               <a:schemeClr val="phClr">
-                <a:lumMod val="105000"/>
-                <a:satMod val="103000"/>
-                <a:tint val="73000"/>
+                <a:tint val="60000"/>
+                <a:shade val="99000"/>
+                <a:satMod val="120000"/>
               </a:schemeClr>
             </a:gs>
             <a:gs pos="100000">
               <a:schemeClr val="phClr">
-                <a:lumMod val="105000"/>
-                <a:satMod val="109000"/>
-                <a:tint val="81000"/>
+                <a:tint val="55000"/>
+                <a:satMod val="140000"/>
               </a:schemeClr>
             </a:gs>
           </a:gsLst>
-          <a:lin ang="5400000" scaled="0"/>
+          <a:path path="circle">
+            <a:fillToRect l="100000" t="100000" r="100000" b="100000"/>
+          </a:path>
         </a:gradFill>
         <a:gradFill rotWithShape="1">
           <a:gsLst>
             <a:gs pos="0">
               <a:schemeClr val="phClr">
-                <a:satMod val="103000"/>
-                <a:lumMod val="102000"/>
-                <a:tint val="94000"/>
+                <a:shade val="85000"/>
+                <a:satMod val="130000"/>
               </a:schemeClr>
             </a:gs>
-            <a:gs pos="50000">
+            <a:gs pos="34000">
               <a:schemeClr val="phClr">
-                <a:satMod val="110000"/>
-                <a:lumMod val="100000"/>
-                <a:shade val="100000"/>
+                <a:shade val="87000"/>
+                <a:satMod val="125000"/>
+              </a:schemeClr>
+            </a:gs>
+            <a:gs pos="70000">
+              <a:schemeClr val="phClr">
+                <a:tint val="100000"/>
+                <a:shade val="90000"/>
+                <a:satMod val="130000"/>
               </a:schemeClr>
             </a:gs>
             <a:gs pos="100000">
               <a:schemeClr val="phClr">
-                <a:lumMod val="99000"/>
-                <a:satMod val="120000"/>
-                <a:shade val="78000"/>
+                <a:tint val="100000"/>
+                <a:shade val="100000"/>
+                <a:satMod val="110000"/>
               </a:schemeClr>
             </a:gs>
           </a:gsLst>
-          <a:lin ang="5400000" scaled="0"/>
+          <a:path path="circle">
+            <a:fillToRect l="100000" t="100000" r="100000" b="100000"/>
+          </a:path>
         </a:gradFill>
       </a:fillStyleLst>
       <a:lnStyleLst>
-        <a:ln w="6350" cap="flat" cmpd="sng" algn="ctr">
-          <a:solidFill>
-            <a:schemeClr val="phClr"/>
-          </a:solidFill>
-          <a:prstDash val="solid"/>
-          <a:miter lim="800000"/>
-        </a:ln>
         <a:ln w="12700" cap="flat" cmpd="sng" algn="ctr">
           <a:solidFill>
             <a:schemeClr val="phClr"/>
           </a:solidFill>
           <a:prstDash val="solid"/>
-          <a:miter lim="800000"/>
         </a:ln>
-        <a:ln w="19050" cap="flat" cmpd="sng" algn="ctr">
+        <a:ln w="15875" cap="flat" cmpd="sng" algn="ctr">
           <a:solidFill>
             <a:schemeClr val="phClr"/>
           </a:solidFill>
           <a:prstDash val="solid"/>
-          <a:miter lim="800000"/>
+        </a:ln>
+        <a:ln w="25400" cap="flat" cmpd="sng" algn="ctr">
+          <a:solidFill>
+            <a:schemeClr val="phClr"/>
+          </a:solidFill>
+          <a:prstDash val="solid"/>
         </a:ln>
       </a:lnStyleLst>
       <a:effectStyleLst>
@@ -5491,16 +6002,33 @@
           <a:effectLst/>
         </a:effectStyle>
         <a:effectStyle>
-          <a:effectLst/>
+          <a:effectLst>
+            <a:outerShdw blurRad="38100" dist="25400" dir="2700000" algn="br" rotWithShape="0">
+              <a:srgbClr val="000000">
+                <a:alpha val="60000"/>
+              </a:srgbClr>
+            </a:outerShdw>
+          </a:effectLst>
         </a:effectStyle>
         <a:effectStyle>
           <a:effectLst>
-            <a:outerShdw blurRad="57150" dist="19050" dir="5400000" algn="ctr" rotWithShape="0">
+            <a:outerShdw blurRad="44450" dist="25400" dir="2700000" algn="br" rotWithShape="0">
               <a:srgbClr val="000000">
-                <a:alpha val="63000"/>
+                <a:alpha val="60000"/>
               </a:srgbClr>
             </a:outerShdw>
           </a:effectLst>
+          <a:scene3d>
+            <a:camera prst="orthographicFront">
+              <a:rot lat="0" lon="0" rev="0"/>
+            </a:camera>
+            <a:lightRig rig="threePt" dir="t">
+              <a:rot lat="0" lon="0" rev="19800000"/>
+            </a:lightRig>
+          </a:scene3d>
+          <a:sp3d prstMaterial="flat">
+            <a:bevelT w="25400" h="31750"/>
+          </a:sp3d>
         </a:effectStyle>
       </a:effectStyleLst>
       <a:bgFillStyleLst>
@@ -5509,36 +6037,36 @@
         </a:solidFill>
         <a:solidFill>
           <a:schemeClr val="phClr">
-            <a:tint val="95000"/>
-            <a:satMod val="170000"/>
+            <a:tint val="90000"/>
+            <a:shade val="97000"/>
+            <a:satMod val="130000"/>
           </a:schemeClr>
         </a:solidFill>
         <a:gradFill rotWithShape="1">
           <a:gsLst>
             <a:gs pos="0">
               <a:schemeClr val="phClr">
-                <a:tint val="93000"/>
-                <a:satMod val="150000"/>
-                <a:shade val="98000"/>
-                <a:lumMod val="102000"/>
+                <a:tint val="96000"/>
+                <a:shade val="99000"/>
+                <a:satMod val="140000"/>
               </a:schemeClr>
             </a:gs>
-            <a:gs pos="50000">
+            <a:gs pos="65000">
               <a:schemeClr val="phClr">
-                <a:tint val="98000"/>
+                <a:tint val="100000"/>
+                <a:shade val="80000"/>
                 <a:satMod val="130000"/>
-                <a:shade val="90000"/>
-                <a:lumMod val="103000"/>
               </a:schemeClr>
             </a:gs>
             <a:gs pos="100000">
               <a:schemeClr val="phClr">
-                <a:shade val="63000"/>
+                <a:tint val="100000"/>
+                <a:shade val="48000"/>
                 <a:satMod val="120000"/>
               </a:schemeClr>
             </a:gs>
           </a:gsLst>
-          <a:lin ang="5400000" scaled="0"/>
+          <a:lin ang="16200000" scaled="0"/>
         </a:gradFill>
       </a:bgFillStyleLst>
     </a:fmtScheme>
@@ -5547,7 +6075,7 @@
   <a:extraClrSchemeLst/>
   <a:extLst>
     <a:ext uri="{05A4C25C-085E-4340-85A3-A5531E510DB2}">
-      <thm15:themeFamily xmlns:thm15="http://schemas.microsoft.com/office/thememl/2012/main" name="Office Theme" id="{62F939B6-93AF-4DB8-9C6B-D6C7DFDC589F}" vid="{4A3C46E8-61CC-4603-A589-7422A47A8E4A}"/>
+      <thm15:themeFamily xmlns:thm15="http://schemas.microsoft.com/office/thememl/2012/main" name="Retrospect" id="{5F128B03-DCCA-4EEB-AB3B-CF2899314A46}" vid="{3F1AAB62-24C6-49D2-8E01-B56FAC9A3DCD}"/>
     </a:ext>
   </a:extLst>
 </a:theme>
